--- a/专题：前端面试/HTML面试题/HTML5.pptx
+++ b/专题：前端面试/HTML面试题/HTML5.pptx
@@ -6,11 +6,14 @@
     <p:sldMasterId id="2147483726" r:id="rId2"/>
   </p:sldMasterIdLst>
   <p:notesMasterIdLst>
-    <p:notesMasterId r:id="rId5"/>
+    <p:notesMasterId r:id="rId8"/>
   </p:notesMasterIdLst>
   <p:sldIdLst>
     <p:sldId id="256" r:id="rId3"/>
     <p:sldId id="257" r:id="rId4"/>
+    <p:sldId id="258" r:id="rId5"/>
+    <p:sldId id="259" r:id="rId6"/>
+    <p:sldId id="260" r:id="rId7"/>
   </p:sldIdLst>
   <p:sldSz cx="12192000" cy="6858000"/>
   <p:notesSz cx="6858000" cy="9144000"/>
@@ -199,7 +202,7 @@
           <a:p>
             <a:fld id="{E08CB5C6-4D78-4813-ACCA-6B63A5429FBA}" type="datetimeFigureOut">
               <a:rPr lang="zh-CN" altLang="en-US" smtClean="0"/>
-              <a:t>2023/8/20</a:t>
+              <a:t>2023/8/23</a:t>
             </a:fld>
             <a:endParaRPr lang="zh-CN" altLang="en-US"/>
           </a:p>
@@ -550,6 +553,258 @@
 </p:notes>
 </file>
 
+<file path=ppt/notesSlides/notesSlide2.xml><?xml version="1.0" encoding="utf-8"?>
+<p:notes xmlns:a="http://schemas.openxmlformats.org/drawingml/2006/main" xmlns:r="http://schemas.openxmlformats.org/officeDocument/2006/relationships" xmlns:p="http://schemas.openxmlformats.org/presentationml/2006/main">
+  <p:cSld>
+    <p:spTree>
+      <p:nvGrpSpPr>
+        <p:cNvPr id="1" name=""/>
+        <p:cNvGrpSpPr/>
+        <p:nvPr/>
+      </p:nvGrpSpPr>
+      <p:grpSpPr>
+        <a:xfrm>
+          <a:off x="0" y="0"/>
+          <a:ext cx="0" cy="0"/>
+          <a:chOff x="0" y="0"/>
+          <a:chExt cx="0" cy="0"/>
+        </a:xfrm>
+      </p:grpSpPr>
+      <p:sp>
+        <p:nvSpPr>
+          <p:cNvPr id="2" name="幻灯片图像占位符 1"/>
+          <p:cNvSpPr>
+            <a:spLocks noGrp="1" noRot="1" noChangeAspect="1"/>
+          </p:cNvSpPr>
+          <p:nvPr>
+            <p:ph type="sldImg"/>
+          </p:nvPr>
+        </p:nvSpPr>
+        <p:spPr/>
+      </p:sp>
+      <p:sp>
+        <p:nvSpPr>
+          <p:cNvPr id="3" name="备注占位符 2"/>
+          <p:cNvSpPr>
+            <a:spLocks noGrp="1"/>
+          </p:cNvSpPr>
+          <p:nvPr>
+            <p:ph type="body" idx="1"/>
+          </p:nvPr>
+        </p:nvSpPr>
+        <p:spPr/>
+        <p:txBody>
+          <a:bodyPr/>
+          <a:lstStyle/>
+          <a:p>
+            <a:endParaRPr lang="zh-CN" altLang="en-US"/>
+          </a:p>
+        </p:txBody>
+      </p:sp>
+      <p:sp>
+        <p:nvSpPr>
+          <p:cNvPr id="4" name="灯片编号占位符 3"/>
+          <p:cNvSpPr>
+            <a:spLocks noGrp="1"/>
+          </p:cNvSpPr>
+          <p:nvPr>
+            <p:ph type="sldNum" sz="quarter" idx="5"/>
+          </p:nvPr>
+        </p:nvSpPr>
+        <p:spPr/>
+        <p:txBody>
+          <a:bodyPr/>
+          <a:lstStyle/>
+          <a:p>
+            <a:fld id="{37E66AE1-6A1E-4173-A473-C5266C87DB5F}" type="slidenum">
+              <a:rPr lang="zh-CN" altLang="en-US" smtClean="0"/>
+              <a:t>3</a:t>
+            </a:fld>
+            <a:endParaRPr lang="zh-CN" altLang="en-US"/>
+          </a:p>
+        </p:txBody>
+      </p:sp>
+    </p:spTree>
+    <p:extLst>
+      <p:ext uri="{BB962C8B-B14F-4D97-AF65-F5344CB8AC3E}">
+        <p14:creationId xmlns:p14="http://schemas.microsoft.com/office/powerpoint/2010/main" val="1863732135"/>
+      </p:ext>
+    </p:extLst>
+  </p:cSld>
+  <p:clrMapOvr>
+    <a:masterClrMapping/>
+  </p:clrMapOvr>
+</p:notes>
+</file>
+
+<file path=ppt/notesSlides/notesSlide3.xml><?xml version="1.0" encoding="utf-8"?>
+<p:notes xmlns:a="http://schemas.openxmlformats.org/drawingml/2006/main" xmlns:r="http://schemas.openxmlformats.org/officeDocument/2006/relationships" xmlns:p="http://schemas.openxmlformats.org/presentationml/2006/main">
+  <p:cSld>
+    <p:spTree>
+      <p:nvGrpSpPr>
+        <p:cNvPr id="1" name=""/>
+        <p:cNvGrpSpPr/>
+        <p:nvPr/>
+      </p:nvGrpSpPr>
+      <p:grpSpPr>
+        <a:xfrm>
+          <a:off x="0" y="0"/>
+          <a:ext cx="0" cy="0"/>
+          <a:chOff x="0" y="0"/>
+          <a:chExt cx="0" cy="0"/>
+        </a:xfrm>
+      </p:grpSpPr>
+      <p:sp>
+        <p:nvSpPr>
+          <p:cNvPr id="2" name="幻灯片图像占位符 1"/>
+          <p:cNvSpPr>
+            <a:spLocks noGrp="1" noRot="1" noChangeAspect="1"/>
+          </p:cNvSpPr>
+          <p:nvPr>
+            <p:ph type="sldImg"/>
+          </p:nvPr>
+        </p:nvSpPr>
+        <p:spPr/>
+      </p:sp>
+      <p:sp>
+        <p:nvSpPr>
+          <p:cNvPr id="3" name="备注占位符 2"/>
+          <p:cNvSpPr>
+            <a:spLocks noGrp="1"/>
+          </p:cNvSpPr>
+          <p:nvPr>
+            <p:ph type="body" idx="1"/>
+          </p:nvPr>
+        </p:nvSpPr>
+        <p:spPr/>
+        <p:txBody>
+          <a:bodyPr/>
+          <a:lstStyle/>
+          <a:p>
+            <a:endParaRPr lang="zh-CN" altLang="en-US"/>
+          </a:p>
+        </p:txBody>
+      </p:sp>
+      <p:sp>
+        <p:nvSpPr>
+          <p:cNvPr id="4" name="灯片编号占位符 3"/>
+          <p:cNvSpPr>
+            <a:spLocks noGrp="1"/>
+          </p:cNvSpPr>
+          <p:nvPr>
+            <p:ph type="sldNum" sz="quarter" idx="5"/>
+          </p:nvPr>
+        </p:nvSpPr>
+        <p:spPr/>
+        <p:txBody>
+          <a:bodyPr/>
+          <a:lstStyle/>
+          <a:p>
+            <a:fld id="{37E66AE1-6A1E-4173-A473-C5266C87DB5F}" type="slidenum">
+              <a:rPr lang="zh-CN" altLang="en-US" smtClean="0"/>
+              <a:t>4</a:t>
+            </a:fld>
+            <a:endParaRPr lang="zh-CN" altLang="en-US"/>
+          </a:p>
+        </p:txBody>
+      </p:sp>
+    </p:spTree>
+    <p:extLst>
+      <p:ext uri="{BB962C8B-B14F-4D97-AF65-F5344CB8AC3E}">
+        <p14:creationId xmlns:p14="http://schemas.microsoft.com/office/powerpoint/2010/main" val="1606027391"/>
+      </p:ext>
+    </p:extLst>
+  </p:cSld>
+  <p:clrMapOvr>
+    <a:masterClrMapping/>
+  </p:clrMapOvr>
+</p:notes>
+</file>
+
+<file path=ppt/notesSlides/notesSlide4.xml><?xml version="1.0" encoding="utf-8"?>
+<p:notes xmlns:a="http://schemas.openxmlformats.org/drawingml/2006/main" xmlns:r="http://schemas.openxmlformats.org/officeDocument/2006/relationships" xmlns:p="http://schemas.openxmlformats.org/presentationml/2006/main">
+  <p:cSld>
+    <p:spTree>
+      <p:nvGrpSpPr>
+        <p:cNvPr id="1" name=""/>
+        <p:cNvGrpSpPr/>
+        <p:nvPr/>
+      </p:nvGrpSpPr>
+      <p:grpSpPr>
+        <a:xfrm>
+          <a:off x="0" y="0"/>
+          <a:ext cx="0" cy="0"/>
+          <a:chOff x="0" y="0"/>
+          <a:chExt cx="0" cy="0"/>
+        </a:xfrm>
+      </p:grpSpPr>
+      <p:sp>
+        <p:nvSpPr>
+          <p:cNvPr id="2" name="幻灯片图像占位符 1"/>
+          <p:cNvSpPr>
+            <a:spLocks noGrp="1" noRot="1" noChangeAspect="1"/>
+          </p:cNvSpPr>
+          <p:nvPr>
+            <p:ph type="sldImg"/>
+          </p:nvPr>
+        </p:nvSpPr>
+        <p:spPr/>
+      </p:sp>
+      <p:sp>
+        <p:nvSpPr>
+          <p:cNvPr id="3" name="备注占位符 2"/>
+          <p:cNvSpPr>
+            <a:spLocks noGrp="1"/>
+          </p:cNvSpPr>
+          <p:nvPr>
+            <p:ph type="body" idx="1"/>
+          </p:nvPr>
+        </p:nvSpPr>
+        <p:spPr/>
+        <p:txBody>
+          <a:bodyPr/>
+          <a:lstStyle/>
+          <a:p>
+            <a:endParaRPr lang="zh-CN" altLang="en-US"/>
+          </a:p>
+        </p:txBody>
+      </p:sp>
+      <p:sp>
+        <p:nvSpPr>
+          <p:cNvPr id="4" name="灯片编号占位符 3"/>
+          <p:cNvSpPr>
+            <a:spLocks noGrp="1"/>
+          </p:cNvSpPr>
+          <p:nvPr>
+            <p:ph type="sldNum" sz="quarter" idx="5"/>
+          </p:nvPr>
+        </p:nvSpPr>
+        <p:spPr/>
+        <p:txBody>
+          <a:bodyPr/>
+          <a:lstStyle/>
+          <a:p>
+            <a:fld id="{37E66AE1-6A1E-4173-A473-C5266C87DB5F}" type="slidenum">
+              <a:rPr lang="zh-CN" altLang="en-US" smtClean="0"/>
+              <a:t>5</a:t>
+            </a:fld>
+            <a:endParaRPr lang="zh-CN" altLang="en-US"/>
+          </a:p>
+        </p:txBody>
+      </p:sp>
+    </p:spTree>
+    <p:extLst>
+      <p:ext uri="{BB962C8B-B14F-4D97-AF65-F5344CB8AC3E}">
+        <p14:creationId xmlns:p14="http://schemas.microsoft.com/office/powerpoint/2010/main" val="2897202227"/>
+      </p:ext>
+    </p:extLst>
+  </p:cSld>
+  <p:clrMapOvr>
+    <a:masterClrMapping/>
+  </p:clrMapOvr>
+</p:notes>
+</file>
+
 <file path=ppt/slideLayouts/slideLayout1.xml><?xml version="1.0" encoding="utf-8"?>
 <p:sldLayout xmlns:a="http://schemas.openxmlformats.org/drawingml/2006/main" xmlns:r="http://schemas.openxmlformats.org/officeDocument/2006/relationships" xmlns:p="http://schemas.openxmlformats.org/presentationml/2006/main" type="title" preserve="1">
   <p:cSld name="标题幻灯片">
@@ -692,7 +947,7 @@
           <a:p>
             <a:fld id="{DA7729DA-0204-4555-8E66-A5D5D7DF01E4}" type="datetimeFigureOut">
               <a:rPr lang="zh-CN" altLang="en-US" smtClean="0"/>
-              <a:t>2023/8/20</a:t>
+              <a:t>2023/8/23</a:t>
             </a:fld>
             <a:endParaRPr lang="zh-CN" altLang="en-US"/>
           </a:p>
@@ -862,7 +1117,7 @@
           <a:p>
             <a:fld id="{DA7729DA-0204-4555-8E66-A5D5D7DF01E4}" type="datetimeFigureOut">
               <a:rPr lang="zh-CN" altLang="en-US" smtClean="0"/>
-              <a:t>2023/8/20</a:t>
+              <a:t>2023/8/23</a:t>
             </a:fld>
             <a:endParaRPr lang="zh-CN" altLang="en-US"/>
           </a:p>
@@ -1042,7 +1297,7 @@
           <a:p>
             <a:fld id="{DA7729DA-0204-4555-8E66-A5D5D7DF01E4}" type="datetimeFigureOut">
               <a:rPr lang="zh-CN" altLang="en-US" smtClean="0"/>
-              <a:t>2023/8/20</a:t>
+              <a:t>2023/8/23</a:t>
             </a:fld>
             <a:endParaRPr lang="zh-CN" altLang="en-US"/>
           </a:p>
@@ -1250,7 +1505,7 @@
           <a:p>
             <a:fld id="{DA7729DA-0204-4555-8E66-A5D5D7DF01E4}" type="datetimeFigureOut">
               <a:rPr lang="zh-CN" altLang="en-US" smtClean="0"/>
-              <a:t>2023/8/20</a:t>
+              <a:t>2023/8/23</a:t>
             </a:fld>
             <a:endParaRPr lang="zh-CN" altLang="en-US"/>
           </a:p>
@@ -1448,7 +1703,7 @@
           <a:p>
             <a:fld id="{DA7729DA-0204-4555-8E66-A5D5D7DF01E4}" type="datetimeFigureOut">
               <a:rPr lang="zh-CN" altLang="en-US" smtClean="0"/>
-              <a:t>2023/8/20</a:t>
+              <a:t>2023/8/23</a:t>
             </a:fld>
             <a:endParaRPr lang="zh-CN" altLang="en-US"/>
           </a:p>
@@ -1723,7 +1978,7 @@
           <a:p>
             <a:fld id="{DA7729DA-0204-4555-8E66-A5D5D7DF01E4}" type="datetimeFigureOut">
               <a:rPr lang="zh-CN" altLang="en-US" smtClean="0"/>
-              <a:t>2023/8/20</a:t>
+              <a:t>2023/8/23</a:t>
             </a:fld>
             <a:endParaRPr lang="zh-CN" altLang="en-US"/>
           </a:p>
@@ -1988,7 +2243,7 @@
           <a:p>
             <a:fld id="{DA7729DA-0204-4555-8E66-A5D5D7DF01E4}" type="datetimeFigureOut">
               <a:rPr lang="zh-CN" altLang="en-US" smtClean="0"/>
-              <a:t>2023/8/20</a:t>
+              <a:t>2023/8/23</a:t>
             </a:fld>
             <a:endParaRPr lang="zh-CN" altLang="en-US"/>
           </a:p>
@@ -2400,7 +2655,7 @@
           <a:p>
             <a:fld id="{DA7729DA-0204-4555-8E66-A5D5D7DF01E4}" type="datetimeFigureOut">
               <a:rPr lang="zh-CN" altLang="en-US" smtClean="0"/>
-              <a:t>2023/8/20</a:t>
+              <a:t>2023/8/23</a:t>
             </a:fld>
             <a:endParaRPr lang="zh-CN" altLang="en-US"/>
           </a:p>
@@ -2541,7 +2796,7 @@
           <a:p>
             <a:fld id="{DA7729DA-0204-4555-8E66-A5D5D7DF01E4}" type="datetimeFigureOut">
               <a:rPr lang="zh-CN" altLang="en-US" smtClean="0"/>
-              <a:t>2023/8/20</a:t>
+              <a:t>2023/8/23</a:t>
             </a:fld>
             <a:endParaRPr lang="zh-CN" altLang="en-US"/>
           </a:p>
@@ -2654,7 +2909,7 @@
           <a:p>
             <a:fld id="{DA7729DA-0204-4555-8E66-A5D5D7DF01E4}" type="datetimeFigureOut">
               <a:rPr lang="zh-CN" altLang="en-US" smtClean="0"/>
-              <a:t>2023/8/20</a:t>
+              <a:t>2023/8/23</a:t>
             </a:fld>
             <a:endParaRPr lang="zh-CN" altLang="en-US"/>
           </a:p>
@@ -2965,7 +3220,7 @@
           <a:p>
             <a:fld id="{DA7729DA-0204-4555-8E66-A5D5D7DF01E4}" type="datetimeFigureOut">
               <a:rPr lang="zh-CN" altLang="en-US" smtClean="0"/>
-              <a:t>2023/8/20</a:t>
+              <a:t>2023/8/23</a:t>
             </a:fld>
             <a:endParaRPr lang="zh-CN" altLang="en-US"/>
           </a:p>
@@ -3147,7 +3402,7 @@
           <a:p>
             <a:fld id="{DA7729DA-0204-4555-8E66-A5D5D7DF01E4}" type="datetimeFigureOut">
               <a:rPr lang="zh-CN" altLang="en-US" smtClean="0"/>
-              <a:t>2023/8/20</a:t>
+              <a:t>2023/8/23</a:t>
             </a:fld>
             <a:endParaRPr lang="zh-CN" altLang="en-US"/>
           </a:p>
@@ -3423,7 +3678,7 @@
           <a:p>
             <a:fld id="{DA7729DA-0204-4555-8E66-A5D5D7DF01E4}" type="datetimeFigureOut">
               <a:rPr lang="zh-CN" altLang="en-US" smtClean="0"/>
-              <a:t>2023/8/20</a:t>
+              <a:t>2023/8/23</a:t>
             </a:fld>
             <a:endParaRPr lang="zh-CN" altLang="en-US"/>
           </a:p>
@@ -3621,7 +3876,7 @@
           <a:p>
             <a:fld id="{DA7729DA-0204-4555-8E66-A5D5D7DF01E4}" type="datetimeFigureOut">
               <a:rPr lang="zh-CN" altLang="en-US" smtClean="0"/>
-              <a:t>2023/8/20</a:t>
+              <a:t>2023/8/23</a:t>
             </a:fld>
             <a:endParaRPr lang="zh-CN" altLang="en-US"/>
           </a:p>
@@ -3829,7 +4084,7 @@
           <a:p>
             <a:fld id="{DA7729DA-0204-4555-8E66-A5D5D7DF01E4}" type="datetimeFigureOut">
               <a:rPr lang="zh-CN" altLang="en-US" smtClean="0"/>
-              <a:t>2023/8/20</a:t>
+              <a:t>2023/8/23</a:t>
             </a:fld>
             <a:endParaRPr lang="zh-CN" altLang="en-US"/>
           </a:p>
@@ -4092,7 +4347,7 @@
           <a:p>
             <a:fld id="{DA7729DA-0204-4555-8E66-A5D5D7DF01E4}" type="datetimeFigureOut">
               <a:rPr lang="zh-CN" altLang="en-US" smtClean="0"/>
-              <a:t>2023/8/20</a:t>
+              <a:t>2023/8/23</a:t>
             </a:fld>
             <a:endParaRPr lang="zh-CN" altLang="en-US"/>
           </a:p>
@@ -4324,7 +4579,7 @@
           <a:p>
             <a:fld id="{DA7729DA-0204-4555-8E66-A5D5D7DF01E4}" type="datetimeFigureOut">
               <a:rPr lang="zh-CN" altLang="en-US" smtClean="0"/>
-              <a:t>2023/8/20</a:t>
+              <a:t>2023/8/23</a:t>
             </a:fld>
             <a:endParaRPr lang="zh-CN" altLang="en-US"/>
           </a:p>
@@ -4671,7 +4926,7 @@
           <a:p>
             <a:fld id="{DA7729DA-0204-4555-8E66-A5D5D7DF01E4}" type="datetimeFigureOut">
               <a:rPr lang="zh-CN" altLang="en-US" smtClean="0"/>
-              <a:t>2023/8/20</a:t>
+              <a:t>2023/8/23</a:t>
             </a:fld>
             <a:endParaRPr lang="zh-CN" altLang="en-US"/>
           </a:p>
@@ -4789,7 +5044,7 @@
           <a:p>
             <a:fld id="{DA7729DA-0204-4555-8E66-A5D5D7DF01E4}" type="datetimeFigureOut">
               <a:rPr lang="zh-CN" altLang="en-US" smtClean="0"/>
-              <a:t>2023/8/20</a:t>
+              <a:t>2023/8/23</a:t>
             </a:fld>
             <a:endParaRPr lang="zh-CN" altLang="en-US"/>
           </a:p>
@@ -4907,7 +5162,7 @@
           <a:p>
             <a:fld id="{DA7729DA-0204-4555-8E66-A5D5D7DF01E4}" type="datetimeFigureOut">
               <a:rPr lang="zh-CN" altLang="en-US" smtClean="0"/>
-              <a:t>2023/8/20</a:t>
+              <a:t>2023/8/23</a:t>
             </a:fld>
             <a:endParaRPr lang="zh-CN" altLang="en-US"/>
           </a:p>
@@ -5191,7 +5446,7 @@
           <a:p>
             <a:fld id="{DA7729DA-0204-4555-8E66-A5D5D7DF01E4}" type="datetimeFigureOut">
               <a:rPr lang="zh-CN" altLang="en-US" smtClean="0"/>
-              <a:t>2023/8/20</a:t>
+              <a:t>2023/8/23</a:t>
             </a:fld>
             <a:endParaRPr lang="zh-CN" altLang="en-US"/>
           </a:p>
@@ -5455,7 +5710,7 @@
           <a:p>
             <a:fld id="{DA7729DA-0204-4555-8E66-A5D5D7DF01E4}" type="datetimeFigureOut">
               <a:rPr lang="zh-CN" altLang="en-US" smtClean="0"/>
-              <a:t>2023/8/20</a:t>
+              <a:t>2023/8/23</a:t>
             </a:fld>
             <a:endParaRPr lang="zh-CN" altLang="en-US"/>
           </a:p>
@@ -5669,7 +5924,7 @@
           <a:p>
             <a:fld id="{DA7729DA-0204-4555-8E66-A5D5D7DF01E4}" type="datetimeFigureOut">
               <a:rPr lang="zh-CN" altLang="en-US" smtClean="0"/>
-              <a:t>2023/8/20</a:t>
+              <a:t>2023/8/23</a:t>
             </a:fld>
             <a:endParaRPr lang="zh-CN" altLang="en-US"/>
           </a:p>
@@ -6214,7 +6469,7 @@
           <a:p>
             <a:fld id="{DA7729DA-0204-4555-8E66-A5D5D7DF01E4}" type="datetimeFigureOut">
               <a:rPr lang="zh-CN" altLang="en-US" smtClean="0"/>
-              <a:t>2023/8/20</a:t>
+              <a:t>2023/8/23</a:t>
             </a:fld>
             <a:endParaRPr lang="zh-CN" altLang="en-US"/>
           </a:p>
@@ -6615,7 +6870,7 @@
 </file>
 
 <file path=ppt/slides/slide1.xml><?xml version="1.0" encoding="utf-8"?>
-<p:sld xmlns:a="http://schemas.openxmlformats.org/drawingml/2006/main" xmlns:r="http://schemas.openxmlformats.org/officeDocument/2006/relationships" xmlns:p="http://schemas.openxmlformats.org/presentationml/2006/main">
+<p:sld xmlns:a="http://schemas.openxmlformats.org/drawingml/2006/main" xmlns:r="http://schemas.openxmlformats.org/officeDocument/2006/relationships" xmlns:p="http://schemas.openxmlformats.org/presentationml/2006/main" show="0">
   <p:cSld>
     <p:spTree>
       <p:nvGrpSpPr>
@@ -7778,7 +8033,7 @@
 </file>
 
 <file path=ppt/slides/slide2.xml><?xml version="1.0" encoding="utf-8"?>
-<p:sld xmlns:a="http://schemas.openxmlformats.org/drawingml/2006/main" xmlns:r="http://schemas.openxmlformats.org/officeDocument/2006/relationships" xmlns:p="http://schemas.openxmlformats.org/presentationml/2006/main">
+<p:sld xmlns:a="http://schemas.openxmlformats.org/drawingml/2006/main" xmlns:r="http://schemas.openxmlformats.org/officeDocument/2006/relationships" xmlns:p="http://schemas.openxmlformats.org/presentationml/2006/main" show="0">
   <p:cSld>
     <p:spTree>
       <p:nvGrpSpPr>
@@ -8158,6 +8413,47 @@
           </a:p>
         </p:txBody>
       </p:sp>
+      <p:pic>
+        <p:nvPicPr>
+          <p:cNvPr id="3" name="图形 3">
+            <a:extLst>
+              <a:ext uri="{FF2B5EF4-FFF2-40B4-BE49-F238E27FC236}">
+                <a16:creationId xmlns:a16="http://schemas.microsoft.com/office/drawing/2014/main" id="{81D8C3DC-2A32-5652-D37E-6CC023045A59}"/>
+              </a:ext>
+            </a:extLst>
+          </p:cNvPr>
+          <p:cNvPicPr>
+            <a:picLocks noChangeAspect="1"/>
+            <a:extLst>
+              <a:ext uri="{51228E76-BA90-4043-B771-695A4F85340A}">
+                <alf:liveFeedProps xmlns:alf="http://schemas.microsoft.com/office/drawing/2021/livefeed"/>
+              </a:ext>
+            </a:extLst>
+          </p:cNvPicPr>
+          <p:nvPr/>
+        </p:nvPicPr>
+        <p:blipFill>
+          <a:blip r:embed="rId3">
+            <a:extLst>
+              <a:ext uri="{96DAC541-7B7A-43D3-8B79-37D633B846F1}">
+                <asvg:svgBlip xmlns:asvg="http://schemas.microsoft.com/office/drawing/2016/SVG/main" r:embed="rId4"/>
+              </a:ext>
+            </a:extLst>
+          </a:blip>
+          <a:stretch>
+            <a:fillRect/>
+          </a:stretch>
+        </p:blipFill>
+        <p:spPr>
+          <a:xfrm>
+            <a:off x="10052304" y="4718304"/>
+            <a:ext cx="2057400" cy="2057400"/>
+          </a:xfrm>
+          <a:prstGeom prst="ellipse">
+            <a:avLst/>
+          </a:prstGeom>
+        </p:spPr>
+      </p:pic>
     </p:spTree>
     <p:extLst>
       <p:ext uri="{BB962C8B-B14F-4D97-AF65-F5344CB8AC3E}">
@@ -8168,14 +8464,6 @@
   <p:clrMapOvr>
     <a:masterClrMapping/>
   </p:clrMapOvr>
-  <mc:AlternateContent xmlns:mc="http://schemas.openxmlformats.org/markup-compatibility/2006">
-    <mc:Choice xmlns:p14="http://schemas.microsoft.com/office/powerpoint/2010/main" Requires="p14">
-      <p:transition spd="slow" p14:dur="2000" advTm="6907"/>
-    </mc:Choice>
-    <mc:Fallback>
-      <p:transition spd="slow" advTm="6907"/>
-    </mc:Fallback>
-  </mc:AlternateContent>
   <p:timing>
     <p:tnLst>
       <p:par>
@@ -8571,6 +8859,4334 @@
       <p:bldP spid="14" grpId="0"/>
       <p:bldP spid="15" grpId="0"/>
       <p:bldP spid="16" grpId="0"/>
+    </p:bldLst>
+  </p:timing>
+</p:sld>
+</file>
+
+<file path=ppt/slides/slide3.xml><?xml version="1.0" encoding="utf-8"?>
+<p:sld xmlns:a="http://schemas.openxmlformats.org/drawingml/2006/main" xmlns:r="http://schemas.openxmlformats.org/officeDocument/2006/relationships" xmlns:p="http://schemas.openxmlformats.org/presentationml/2006/main" show="0">
+  <p:cSld>
+    <p:spTree>
+      <p:nvGrpSpPr>
+        <p:cNvPr id="1" name=""/>
+        <p:cNvGrpSpPr/>
+        <p:nvPr/>
+      </p:nvGrpSpPr>
+      <p:grpSpPr>
+        <a:xfrm>
+          <a:off x="0" y="0"/>
+          <a:ext cx="0" cy="0"/>
+          <a:chOff x="0" y="0"/>
+          <a:chExt cx="0" cy="0"/>
+        </a:xfrm>
+      </p:grpSpPr>
+      <p:sp>
+        <p:nvSpPr>
+          <p:cNvPr id="6" name="文本框 5">
+            <a:extLst>
+              <a:ext uri="{FF2B5EF4-FFF2-40B4-BE49-F238E27FC236}">
+                <a16:creationId xmlns:a16="http://schemas.microsoft.com/office/drawing/2014/main" id="{5FBA89F2-2168-BE62-7277-4212043A34C1}"/>
+              </a:ext>
+            </a:extLst>
+          </p:cNvPr>
+          <p:cNvSpPr txBox="1"/>
+          <p:nvPr/>
+        </p:nvSpPr>
+        <p:spPr>
+          <a:xfrm>
+            <a:off x="0" y="-22364"/>
+            <a:ext cx="12192000" cy="783255"/>
+          </a:xfrm>
+          <a:prstGeom prst="rect">
+            <a:avLst/>
+          </a:prstGeom>
+          <a:solidFill>
+            <a:schemeClr val="accent1"/>
+          </a:solidFill>
+        </p:spPr>
+        <p:txBody>
+          <a:bodyPr wrap="square" tIns="144000" bIns="144000" rtlCol="0">
+            <a:spAutoFit/>
+          </a:bodyPr>
+          <a:lstStyle/>
+          <a:p>
+            <a:pPr algn="ctr"/>
+            <a:r>
+              <a:rPr lang="en-US" altLang="zh-CN" sz="3200" dirty="0"/>
+              <a:t>HTML5</a:t>
+            </a:r>
+            <a:r>
+              <a:rPr lang="zh-CN" altLang="en-US" sz="3200" dirty="0"/>
+              <a:t>可以不可存在多个</a:t>
+            </a:r>
+            <a:r>
+              <a:rPr lang="en-US" altLang="zh-CN" sz="3200" dirty="0"/>
+              <a:t>html</a:t>
+            </a:r>
+            <a:r>
+              <a:rPr lang="zh-CN" altLang="en-US" sz="3200" dirty="0"/>
+              <a:t>、</a:t>
+            </a:r>
+            <a:r>
+              <a:rPr lang="en-US" altLang="zh-CN" sz="3200" dirty="0"/>
+              <a:t>head</a:t>
+            </a:r>
+            <a:r>
+              <a:rPr lang="zh-CN" altLang="en-US" sz="3200" dirty="0"/>
+              <a:t>、</a:t>
+            </a:r>
+            <a:r>
+              <a:rPr lang="en-US" altLang="zh-CN" sz="3200" dirty="0"/>
+              <a:t>body</a:t>
+            </a:r>
+            <a:r>
+              <a:rPr lang="zh-CN" altLang="en-US" sz="3200" dirty="0"/>
+              <a:t>标签</a:t>
+            </a:r>
+          </a:p>
+        </p:txBody>
+      </p:sp>
+      <p:sp>
+        <p:nvSpPr>
+          <p:cNvPr id="7" name="文本框 6">
+            <a:extLst>
+              <a:ext uri="{FF2B5EF4-FFF2-40B4-BE49-F238E27FC236}">
+                <a16:creationId xmlns:a16="http://schemas.microsoft.com/office/drawing/2014/main" id="{FE9C9A46-57AB-E412-2E96-622AB9757659}"/>
+              </a:ext>
+            </a:extLst>
+          </p:cNvPr>
+          <p:cNvSpPr txBox="1"/>
+          <p:nvPr/>
+        </p:nvSpPr>
+        <p:spPr>
+          <a:xfrm>
+            <a:off x="816077" y="1234516"/>
+            <a:ext cx="10559846" cy="369332"/>
+          </a:xfrm>
+          <a:prstGeom prst="rect">
+            <a:avLst/>
+          </a:prstGeom>
+          <a:noFill/>
+        </p:spPr>
+        <p:txBody>
+          <a:bodyPr wrap="square" rtlCol="0">
+            <a:spAutoFit/>
+          </a:bodyPr>
+          <a:lstStyle/>
+          <a:p>
+            <a:r>
+              <a:rPr lang="zh-CN" altLang="en-US" b="1" dirty="0"/>
+              <a:t>答案：可以，但是解析出来后会被合并，只会存在一个</a:t>
+            </a:r>
+            <a:r>
+              <a:rPr lang="en-US" altLang="zh-CN" b="1" dirty="0"/>
+              <a:t>html</a:t>
+            </a:r>
+            <a:r>
+              <a:rPr lang="zh-CN" altLang="en-US" b="1" dirty="0"/>
+              <a:t>、</a:t>
+            </a:r>
+            <a:r>
+              <a:rPr lang="en-US" altLang="zh-CN" b="1" dirty="0"/>
+              <a:t>head</a:t>
+            </a:r>
+            <a:r>
+              <a:rPr lang="zh-CN" altLang="en-US" b="1" dirty="0"/>
+              <a:t>、</a:t>
+            </a:r>
+            <a:r>
+              <a:rPr lang="en-US" altLang="zh-CN" b="1" dirty="0"/>
+              <a:t>body</a:t>
+            </a:r>
+            <a:r>
+              <a:rPr lang="zh-CN" altLang="en-US" b="1" dirty="0"/>
+              <a:t>标签对</a:t>
+            </a:r>
+            <a:endParaRPr lang="en-US" altLang="zh-CN" b="1" dirty="0"/>
+          </a:p>
+        </p:txBody>
+      </p:sp>
+      <p:sp>
+        <p:nvSpPr>
+          <p:cNvPr id="2" name="文本框 1">
+            <a:extLst>
+              <a:ext uri="{FF2B5EF4-FFF2-40B4-BE49-F238E27FC236}">
+                <a16:creationId xmlns:a16="http://schemas.microsoft.com/office/drawing/2014/main" id="{13E4DBBD-02BE-1107-873B-374345FA98F0}"/>
+              </a:ext>
+            </a:extLst>
+          </p:cNvPr>
+          <p:cNvSpPr txBox="1"/>
+          <p:nvPr/>
+        </p:nvSpPr>
+        <p:spPr>
+          <a:xfrm>
+            <a:off x="137651" y="1789471"/>
+            <a:ext cx="3519948" cy="4678204"/>
+          </a:xfrm>
+          <a:prstGeom prst="rect">
+            <a:avLst/>
+          </a:prstGeom>
+          <a:solidFill>
+            <a:schemeClr val="tx1"/>
+          </a:solidFill>
+        </p:spPr>
+        <p:txBody>
+          <a:bodyPr wrap="square" rtlCol="0">
+            <a:spAutoFit/>
+          </a:bodyPr>
+          <a:lstStyle/>
+          <a:p>
+            <a:r>
+              <a:rPr lang="en-US" altLang="zh-CN" sz="1000" b="0" dirty="0">
+                <a:solidFill>
+                  <a:srgbClr val="808080"/>
+                </a:solidFill>
+                <a:effectLst/>
+                <a:latin typeface="Consolas" panose="020B0609020204030204" pitchFamily="49" charset="0"/>
+              </a:rPr>
+              <a:t>&lt;!</a:t>
+            </a:r>
+            <a:r>
+              <a:rPr lang="en-US" altLang="zh-CN" sz="1000" b="0" dirty="0">
+                <a:solidFill>
+                  <a:srgbClr val="569CD6"/>
+                </a:solidFill>
+                <a:effectLst/>
+                <a:latin typeface="Consolas" panose="020B0609020204030204" pitchFamily="49" charset="0"/>
+              </a:rPr>
+              <a:t>DOCTYPE</a:t>
+            </a:r>
+            <a:r>
+              <a:rPr lang="en-US" altLang="zh-CN" sz="1000" b="0" dirty="0">
+                <a:solidFill>
+                  <a:srgbClr val="D4D4D4"/>
+                </a:solidFill>
+                <a:effectLst/>
+                <a:latin typeface="Consolas" panose="020B0609020204030204" pitchFamily="49" charset="0"/>
+              </a:rPr>
+              <a:t> </a:t>
+            </a:r>
+            <a:r>
+              <a:rPr lang="en-US" altLang="zh-CN" sz="1000" b="0" dirty="0">
+                <a:solidFill>
+                  <a:srgbClr val="9CDCFE"/>
+                </a:solidFill>
+                <a:effectLst/>
+                <a:latin typeface="Consolas" panose="020B0609020204030204" pitchFamily="49" charset="0"/>
+              </a:rPr>
+              <a:t>html</a:t>
+            </a:r>
+            <a:r>
+              <a:rPr lang="en-US" altLang="zh-CN" sz="1000" b="0" dirty="0">
+                <a:solidFill>
+                  <a:srgbClr val="808080"/>
+                </a:solidFill>
+                <a:effectLst/>
+                <a:latin typeface="Consolas" panose="020B0609020204030204" pitchFamily="49" charset="0"/>
+              </a:rPr>
+              <a:t>&gt;</a:t>
+            </a:r>
+            <a:endParaRPr lang="en-US" altLang="zh-CN" sz="1000" b="0" dirty="0">
+              <a:solidFill>
+                <a:srgbClr val="D4D4D4"/>
+              </a:solidFill>
+              <a:effectLst/>
+              <a:latin typeface="Consolas" panose="020B0609020204030204" pitchFamily="49" charset="0"/>
+            </a:endParaRPr>
+          </a:p>
+          <a:p>
+            <a:r>
+              <a:rPr lang="en-US" altLang="zh-CN" sz="1000" b="0" dirty="0">
+                <a:solidFill>
+                  <a:srgbClr val="808080"/>
+                </a:solidFill>
+                <a:effectLst/>
+                <a:latin typeface="Consolas" panose="020B0609020204030204" pitchFamily="49" charset="0"/>
+              </a:rPr>
+              <a:t>&lt;</a:t>
+            </a:r>
+            <a:r>
+              <a:rPr lang="en-US" altLang="zh-CN" sz="1000" b="0" dirty="0">
+                <a:solidFill>
+                  <a:srgbClr val="569CD6"/>
+                </a:solidFill>
+                <a:effectLst/>
+                <a:latin typeface="Consolas" panose="020B0609020204030204" pitchFamily="49" charset="0"/>
+              </a:rPr>
+              <a:t>html</a:t>
+            </a:r>
+            <a:r>
+              <a:rPr lang="en-US" altLang="zh-CN" sz="1000" b="0" dirty="0">
+                <a:solidFill>
+                  <a:srgbClr val="D4D4D4"/>
+                </a:solidFill>
+                <a:effectLst/>
+                <a:latin typeface="Consolas" panose="020B0609020204030204" pitchFamily="49" charset="0"/>
+              </a:rPr>
+              <a:t> </a:t>
+            </a:r>
+            <a:r>
+              <a:rPr lang="en-US" altLang="zh-CN" sz="1000" b="0" dirty="0">
+                <a:solidFill>
+                  <a:srgbClr val="9CDCFE"/>
+                </a:solidFill>
+                <a:effectLst/>
+                <a:latin typeface="Consolas" panose="020B0609020204030204" pitchFamily="49" charset="0"/>
+              </a:rPr>
+              <a:t>lang</a:t>
+            </a:r>
+            <a:r>
+              <a:rPr lang="en-US" altLang="zh-CN" sz="1000" b="0" dirty="0">
+                <a:solidFill>
+                  <a:srgbClr val="D4D4D4"/>
+                </a:solidFill>
+                <a:effectLst/>
+                <a:latin typeface="Consolas" panose="020B0609020204030204" pitchFamily="49" charset="0"/>
+              </a:rPr>
+              <a:t>=</a:t>
+            </a:r>
+            <a:r>
+              <a:rPr lang="en-US" altLang="zh-CN" sz="1000" b="0" dirty="0">
+                <a:solidFill>
+                  <a:srgbClr val="CE9178"/>
+                </a:solidFill>
+                <a:effectLst/>
+                <a:latin typeface="Consolas" panose="020B0609020204030204" pitchFamily="49" charset="0"/>
+              </a:rPr>
+              <a:t>"</a:t>
+            </a:r>
+            <a:r>
+              <a:rPr lang="en-US" altLang="zh-CN" sz="1000" b="0" dirty="0" err="1">
+                <a:solidFill>
+                  <a:srgbClr val="CE9178"/>
+                </a:solidFill>
+                <a:effectLst/>
+                <a:latin typeface="Consolas" panose="020B0609020204030204" pitchFamily="49" charset="0"/>
+              </a:rPr>
+              <a:t>en</a:t>
+            </a:r>
+            <a:r>
+              <a:rPr lang="en-US" altLang="zh-CN" sz="1000" b="0" dirty="0">
+                <a:solidFill>
+                  <a:srgbClr val="CE9178"/>
+                </a:solidFill>
+                <a:effectLst/>
+                <a:latin typeface="Consolas" panose="020B0609020204030204" pitchFamily="49" charset="0"/>
+              </a:rPr>
+              <a:t>"</a:t>
+            </a:r>
+            <a:r>
+              <a:rPr lang="en-US" altLang="zh-CN" sz="1000" b="0" dirty="0">
+                <a:solidFill>
+                  <a:srgbClr val="808080"/>
+                </a:solidFill>
+                <a:effectLst/>
+                <a:latin typeface="Consolas" panose="020B0609020204030204" pitchFamily="49" charset="0"/>
+              </a:rPr>
+              <a:t>&gt;</a:t>
+            </a:r>
+            <a:endParaRPr lang="en-US" altLang="zh-CN" sz="1000" b="0" dirty="0">
+              <a:solidFill>
+                <a:srgbClr val="D4D4D4"/>
+              </a:solidFill>
+              <a:effectLst/>
+              <a:latin typeface="Consolas" panose="020B0609020204030204" pitchFamily="49" charset="0"/>
+            </a:endParaRPr>
+          </a:p>
+          <a:p>
+            <a:r>
+              <a:rPr lang="en-US" altLang="zh-CN" sz="1000" b="0" dirty="0">
+                <a:solidFill>
+                  <a:srgbClr val="808080"/>
+                </a:solidFill>
+                <a:effectLst/>
+                <a:latin typeface="Consolas" panose="020B0609020204030204" pitchFamily="49" charset="0"/>
+              </a:rPr>
+              <a:t>&lt;</a:t>
+            </a:r>
+            <a:r>
+              <a:rPr lang="en-US" altLang="zh-CN" sz="1000" b="0" dirty="0">
+                <a:solidFill>
+                  <a:srgbClr val="569CD6"/>
+                </a:solidFill>
+                <a:effectLst/>
+                <a:latin typeface="Consolas" panose="020B0609020204030204" pitchFamily="49" charset="0"/>
+              </a:rPr>
+              <a:t>head</a:t>
+            </a:r>
+            <a:r>
+              <a:rPr lang="en-US" altLang="zh-CN" sz="1000" b="0" dirty="0">
+                <a:solidFill>
+                  <a:srgbClr val="808080"/>
+                </a:solidFill>
+                <a:effectLst/>
+                <a:latin typeface="Consolas" panose="020B0609020204030204" pitchFamily="49" charset="0"/>
+              </a:rPr>
+              <a:t>&gt;</a:t>
+            </a:r>
+            <a:r>
+              <a:rPr lang="en-US" altLang="zh-CN" sz="1000" b="0" dirty="0">
+                <a:solidFill>
+                  <a:srgbClr val="D4D4D4"/>
+                </a:solidFill>
+                <a:effectLst/>
+                <a:latin typeface="Consolas" panose="020B0609020204030204" pitchFamily="49" charset="0"/>
+              </a:rPr>
+              <a:t> </a:t>
+            </a:r>
+          </a:p>
+          <a:p>
+            <a:r>
+              <a:rPr lang="en-US" altLang="zh-CN" sz="1000" b="0" dirty="0">
+                <a:solidFill>
+                  <a:srgbClr val="D4D4D4"/>
+                </a:solidFill>
+                <a:effectLst/>
+                <a:latin typeface="Consolas" panose="020B0609020204030204" pitchFamily="49" charset="0"/>
+              </a:rPr>
+              <a:t>    </a:t>
+            </a:r>
+            <a:r>
+              <a:rPr lang="en-US" altLang="zh-CN" sz="1000" b="0" dirty="0">
+                <a:solidFill>
+                  <a:srgbClr val="808080"/>
+                </a:solidFill>
+                <a:effectLst/>
+                <a:latin typeface="Consolas" panose="020B0609020204030204" pitchFamily="49" charset="0"/>
+              </a:rPr>
+              <a:t>&lt;</a:t>
+            </a:r>
+            <a:r>
+              <a:rPr lang="en-US" altLang="zh-CN" sz="1000" b="0" dirty="0">
+                <a:solidFill>
+                  <a:srgbClr val="569CD6"/>
+                </a:solidFill>
+                <a:effectLst/>
+                <a:latin typeface="Consolas" panose="020B0609020204030204" pitchFamily="49" charset="0"/>
+              </a:rPr>
+              <a:t>meta</a:t>
+            </a:r>
+            <a:r>
+              <a:rPr lang="en-US" altLang="zh-CN" sz="1000" b="0" dirty="0">
+                <a:solidFill>
+                  <a:srgbClr val="D4D4D4"/>
+                </a:solidFill>
+                <a:effectLst/>
+                <a:latin typeface="Consolas" panose="020B0609020204030204" pitchFamily="49" charset="0"/>
+              </a:rPr>
+              <a:t> </a:t>
+            </a:r>
+            <a:r>
+              <a:rPr lang="en-US" altLang="zh-CN" sz="1000" b="0" dirty="0">
+                <a:solidFill>
+                  <a:srgbClr val="9CDCFE"/>
+                </a:solidFill>
+                <a:effectLst/>
+                <a:latin typeface="Consolas" panose="020B0609020204030204" pitchFamily="49" charset="0"/>
+              </a:rPr>
+              <a:t>charset</a:t>
+            </a:r>
+            <a:r>
+              <a:rPr lang="en-US" altLang="zh-CN" sz="1000" b="0" dirty="0">
+                <a:solidFill>
+                  <a:srgbClr val="D4D4D4"/>
+                </a:solidFill>
+                <a:effectLst/>
+                <a:latin typeface="Consolas" panose="020B0609020204030204" pitchFamily="49" charset="0"/>
+              </a:rPr>
+              <a:t>=</a:t>
+            </a:r>
+            <a:r>
+              <a:rPr lang="en-US" altLang="zh-CN" sz="1000" b="0" dirty="0">
+                <a:solidFill>
+                  <a:srgbClr val="CE9178"/>
+                </a:solidFill>
+                <a:effectLst/>
+                <a:latin typeface="Consolas" panose="020B0609020204030204" pitchFamily="49" charset="0"/>
+              </a:rPr>
+              <a:t>"UTF-8"</a:t>
+            </a:r>
+            <a:r>
+              <a:rPr lang="en-US" altLang="zh-CN" sz="1000" b="0" dirty="0">
+                <a:solidFill>
+                  <a:srgbClr val="808080"/>
+                </a:solidFill>
+                <a:effectLst/>
+                <a:latin typeface="Consolas" panose="020B0609020204030204" pitchFamily="49" charset="0"/>
+              </a:rPr>
+              <a:t>&gt;</a:t>
+            </a:r>
+            <a:endParaRPr lang="en-US" altLang="zh-CN" sz="1000" b="0" dirty="0">
+              <a:solidFill>
+                <a:srgbClr val="D4D4D4"/>
+              </a:solidFill>
+              <a:effectLst/>
+              <a:latin typeface="Consolas" panose="020B0609020204030204" pitchFamily="49" charset="0"/>
+            </a:endParaRPr>
+          </a:p>
+          <a:p>
+            <a:r>
+              <a:rPr lang="en-US" altLang="zh-CN" sz="1000" b="0" dirty="0">
+                <a:solidFill>
+                  <a:srgbClr val="D4D4D4"/>
+                </a:solidFill>
+                <a:effectLst/>
+                <a:latin typeface="Consolas" panose="020B0609020204030204" pitchFamily="49" charset="0"/>
+              </a:rPr>
+              <a:t>    </a:t>
+            </a:r>
+            <a:r>
+              <a:rPr lang="en-US" altLang="zh-CN" sz="1000" b="0" dirty="0">
+                <a:solidFill>
+                  <a:srgbClr val="808080"/>
+                </a:solidFill>
+                <a:effectLst/>
+                <a:latin typeface="Consolas" panose="020B0609020204030204" pitchFamily="49" charset="0"/>
+              </a:rPr>
+              <a:t>&lt;</a:t>
+            </a:r>
+            <a:r>
+              <a:rPr lang="en-US" altLang="zh-CN" sz="1000" b="0" dirty="0">
+                <a:solidFill>
+                  <a:srgbClr val="569CD6"/>
+                </a:solidFill>
+                <a:effectLst/>
+                <a:latin typeface="Consolas" panose="020B0609020204030204" pitchFamily="49" charset="0"/>
+              </a:rPr>
+              <a:t>meta</a:t>
+            </a:r>
+            <a:r>
+              <a:rPr lang="en-US" altLang="zh-CN" sz="1000" b="0" dirty="0">
+                <a:solidFill>
+                  <a:srgbClr val="D4D4D4"/>
+                </a:solidFill>
+                <a:effectLst/>
+                <a:latin typeface="Consolas" panose="020B0609020204030204" pitchFamily="49" charset="0"/>
+              </a:rPr>
+              <a:t> </a:t>
+            </a:r>
+            <a:r>
+              <a:rPr lang="en-US" altLang="zh-CN" sz="1000" b="0" dirty="0">
+                <a:solidFill>
+                  <a:srgbClr val="9CDCFE"/>
+                </a:solidFill>
+                <a:effectLst/>
+                <a:latin typeface="Consolas" panose="020B0609020204030204" pitchFamily="49" charset="0"/>
+              </a:rPr>
+              <a:t>http-</a:t>
+            </a:r>
+            <a:r>
+              <a:rPr lang="en-US" altLang="zh-CN" sz="1000" b="0" dirty="0" err="1">
+                <a:solidFill>
+                  <a:srgbClr val="9CDCFE"/>
+                </a:solidFill>
+                <a:effectLst/>
+                <a:latin typeface="Consolas" panose="020B0609020204030204" pitchFamily="49" charset="0"/>
+              </a:rPr>
+              <a:t>equiv</a:t>
+            </a:r>
+            <a:r>
+              <a:rPr lang="en-US" altLang="zh-CN" sz="1000" b="0" dirty="0">
+                <a:solidFill>
+                  <a:srgbClr val="D4D4D4"/>
+                </a:solidFill>
+                <a:effectLst/>
+                <a:latin typeface="Consolas" panose="020B0609020204030204" pitchFamily="49" charset="0"/>
+              </a:rPr>
+              <a:t>=</a:t>
+            </a:r>
+            <a:r>
+              <a:rPr lang="en-US" altLang="zh-CN" sz="1000" b="0" dirty="0">
+                <a:solidFill>
+                  <a:srgbClr val="CE9178"/>
+                </a:solidFill>
+                <a:effectLst/>
+                <a:latin typeface="Consolas" panose="020B0609020204030204" pitchFamily="49" charset="0"/>
+              </a:rPr>
+              <a:t>"X-UA-Compatible"</a:t>
+            </a:r>
+            <a:r>
+              <a:rPr lang="en-US" altLang="zh-CN" sz="1000" b="0" dirty="0">
+                <a:solidFill>
+                  <a:srgbClr val="D4D4D4"/>
+                </a:solidFill>
+                <a:effectLst/>
+                <a:latin typeface="Consolas" panose="020B0609020204030204" pitchFamily="49" charset="0"/>
+              </a:rPr>
+              <a:t> </a:t>
+            </a:r>
+            <a:r>
+              <a:rPr lang="en-US" altLang="zh-CN" sz="1000" b="0" dirty="0">
+                <a:solidFill>
+                  <a:srgbClr val="9CDCFE"/>
+                </a:solidFill>
+                <a:effectLst/>
+                <a:latin typeface="Consolas" panose="020B0609020204030204" pitchFamily="49" charset="0"/>
+              </a:rPr>
+              <a:t>content</a:t>
+            </a:r>
+            <a:r>
+              <a:rPr lang="en-US" altLang="zh-CN" sz="1000" b="0" dirty="0">
+                <a:solidFill>
+                  <a:srgbClr val="D4D4D4"/>
+                </a:solidFill>
+                <a:effectLst/>
+                <a:latin typeface="Consolas" panose="020B0609020204030204" pitchFamily="49" charset="0"/>
+              </a:rPr>
+              <a:t>=</a:t>
+            </a:r>
+            <a:r>
+              <a:rPr lang="en-US" altLang="zh-CN" sz="1000" b="0" dirty="0">
+                <a:solidFill>
+                  <a:srgbClr val="CE9178"/>
+                </a:solidFill>
+                <a:effectLst/>
+                <a:latin typeface="Consolas" panose="020B0609020204030204" pitchFamily="49" charset="0"/>
+              </a:rPr>
+              <a:t>"IE=edge"</a:t>
+            </a:r>
+            <a:r>
+              <a:rPr lang="en-US" altLang="zh-CN" sz="1000" b="0" dirty="0">
+                <a:solidFill>
+                  <a:srgbClr val="808080"/>
+                </a:solidFill>
+                <a:effectLst/>
+                <a:latin typeface="Consolas" panose="020B0609020204030204" pitchFamily="49" charset="0"/>
+              </a:rPr>
+              <a:t>&gt;</a:t>
+            </a:r>
+            <a:endParaRPr lang="en-US" altLang="zh-CN" sz="1000" b="0" dirty="0">
+              <a:solidFill>
+                <a:srgbClr val="D4D4D4"/>
+              </a:solidFill>
+              <a:effectLst/>
+              <a:latin typeface="Consolas" panose="020B0609020204030204" pitchFamily="49" charset="0"/>
+            </a:endParaRPr>
+          </a:p>
+          <a:p>
+            <a:r>
+              <a:rPr lang="en-US" altLang="zh-CN" sz="1000" b="0" dirty="0">
+                <a:solidFill>
+                  <a:srgbClr val="D4D4D4"/>
+                </a:solidFill>
+                <a:effectLst/>
+                <a:latin typeface="Consolas" panose="020B0609020204030204" pitchFamily="49" charset="0"/>
+              </a:rPr>
+              <a:t>    </a:t>
+            </a:r>
+            <a:r>
+              <a:rPr lang="en-US" altLang="zh-CN" sz="1000" b="0" dirty="0">
+                <a:solidFill>
+                  <a:srgbClr val="808080"/>
+                </a:solidFill>
+                <a:effectLst/>
+                <a:latin typeface="Consolas" panose="020B0609020204030204" pitchFamily="49" charset="0"/>
+              </a:rPr>
+              <a:t>&lt;</a:t>
+            </a:r>
+            <a:r>
+              <a:rPr lang="en-US" altLang="zh-CN" sz="1000" b="0" dirty="0">
+                <a:solidFill>
+                  <a:srgbClr val="569CD6"/>
+                </a:solidFill>
+                <a:effectLst/>
+                <a:latin typeface="Consolas" panose="020B0609020204030204" pitchFamily="49" charset="0"/>
+              </a:rPr>
+              <a:t>meta</a:t>
+            </a:r>
+            <a:r>
+              <a:rPr lang="en-US" altLang="zh-CN" sz="1000" b="0" dirty="0">
+                <a:solidFill>
+                  <a:srgbClr val="D4D4D4"/>
+                </a:solidFill>
+                <a:effectLst/>
+                <a:latin typeface="Consolas" panose="020B0609020204030204" pitchFamily="49" charset="0"/>
+              </a:rPr>
+              <a:t> </a:t>
+            </a:r>
+            <a:r>
+              <a:rPr lang="en-US" altLang="zh-CN" sz="1000" b="0" dirty="0">
+                <a:solidFill>
+                  <a:srgbClr val="9CDCFE"/>
+                </a:solidFill>
+                <a:effectLst/>
+                <a:latin typeface="Consolas" panose="020B0609020204030204" pitchFamily="49" charset="0"/>
+              </a:rPr>
+              <a:t>name</a:t>
+            </a:r>
+            <a:r>
+              <a:rPr lang="en-US" altLang="zh-CN" sz="1000" b="0" dirty="0">
+                <a:solidFill>
+                  <a:srgbClr val="D4D4D4"/>
+                </a:solidFill>
+                <a:effectLst/>
+                <a:latin typeface="Consolas" panose="020B0609020204030204" pitchFamily="49" charset="0"/>
+              </a:rPr>
+              <a:t>=</a:t>
+            </a:r>
+            <a:r>
+              <a:rPr lang="en-US" altLang="zh-CN" sz="1000" b="0" dirty="0">
+                <a:solidFill>
+                  <a:srgbClr val="CE9178"/>
+                </a:solidFill>
+                <a:effectLst/>
+                <a:latin typeface="Consolas" panose="020B0609020204030204" pitchFamily="49" charset="0"/>
+              </a:rPr>
+              <a:t>"viewport"</a:t>
+            </a:r>
+            <a:r>
+              <a:rPr lang="en-US" altLang="zh-CN" sz="1000" b="0" dirty="0">
+                <a:solidFill>
+                  <a:srgbClr val="D4D4D4"/>
+                </a:solidFill>
+                <a:effectLst/>
+                <a:latin typeface="Consolas" panose="020B0609020204030204" pitchFamily="49" charset="0"/>
+              </a:rPr>
+              <a:t> </a:t>
+            </a:r>
+            <a:r>
+              <a:rPr lang="en-US" altLang="zh-CN" sz="1000" b="0" dirty="0">
+                <a:solidFill>
+                  <a:srgbClr val="9CDCFE"/>
+                </a:solidFill>
+                <a:effectLst/>
+                <a:latin typeface="Consolas" panose="020B0609020204030204" pitchFamily="49" charset="0"/>
+              </a:rPr>
+              <a:t>content</a:t>
+            </a:r>
+            <a:r>
+              <a:rPr lang="en-US" altLang="zh-CN" sz="1000" b="0" dirty="0">
+                <a:solidFill>
+                  <a:srgbClr val="D4D4D4"/>
+                </a:solidFill>
+                <a:effectLst/>
+                <a:latin typeface="Consolas" panose="020B0609020204030204" pitchFamily="49" charset="0"/>
+              </a:rPr>
+              <a:t>=</a:t>
+            </a:r>
+            <a:r>
+              <a:rPr lang="en-US" altLang="zh-CN" sz="1000" b="0" dirty="0">
+                <a:solidFill>
+                  <a:srgbClr val="CE9178"/>
+                </a:solidFill>
+                <a:effectLst/>
+                <a:latin typeface="Consolas" panose="020B0609020204030204" pitchFamily="49" charset="0"/>
+              </a:rPr>
+              <a:t>"width=device-width, initial-scale=1.0"</a:t>
+            </a:r>
+            <a:r>
+              <a:rPr lang="en-US" altLang="zh-CN" sz="1000" b="0" dirty="0">
+                <a:solidFill>
+                  <a:srgbClr val="808080"/>
+                </a:solidFill>
+                <a:effectLst/>
+                <a:latin typeface="Consolas" panose="020B0609020204030204" pitchFamily="49" charset="0"/>
+              </a:rPr>
+              <a:t>&gt;</a:t>
+            </a:r>
+            <a:r>
+              <a:rPr lang="en-US" altLang="zh-CN" sz="1000" b="0" dirty="0">
+                <a:solidFill>
+                  <a:srgbClr val="D4D4D4"/>
+                </a:solidFill>
+                <a:effectLst/>
+                <a:latin typeface="Consolas" panose="020B0609020204030204" pitchFamily="49" charset="0"/>
+              </a:rPr>
+              <a:t>    </a:t>
+            </a:r>
+          </a:p>
+          <a:p>
+            <a:r>
+              <a:rPr lang="en-US" altLang="zh-CN" sz="1000" b="0" dirty="0">
+                <a:solidFill>
+                  <a:srgbClr val="808080"/>
+                </a:solidFill>
+                <a:effectLst/>
+                <a:latin typeface="Consolas" panose="020B0609020204030204" pitchFamily="49" charset="0"/>
+              </a:rPr>
+              <a:t>&lt;/</a:t>
+            </a:r>
+            <a:r>
+              <a:rPr lang="en-US" altLang="zh-CN" sz="1000" b="0" dirty="0">
+                <a:solidFill>
+                  <a:srgbClr val="569CD6"/>
+                </a:solidFill>
+                <a:effectLst/>
+                <a:latin typeface="Consolas" panose="020B0609020204030204" pitchFamily="49" charset="0"/>
+              </a:rPr>
+              <a:t>head</a:t>
+            </a:r>
+            <a:r>
+              <a:rPr lang="en-US" altLang="zh-CN" sz="1000" b="0" dirty="0">
+                <a:solidFill>
+                  <a:srgbClr val="808080"/>
+                </a:solidFill>
+                <a:effectLst/>
+                <a:latin typeface="Consolas" panose="020B0609020204030204" pitchFamily="49" charset="0"/>
+              </a:rPr>
+              <a:t>&gt;</a:t>
+            </a:r>
+            <a:endParaRPr lang="en-US" altLang="zh-CN" sz="1000" b="0" dirty="0">
+              <a:solidFill>
+                <a:srgbClr val="D4D4D4"/>
+              </a:solidFill>
+              <a:effectLst/>
+              <a:latin typeface="Consolas" panose="020B0609020204030204" pitchFamily="49" charset="0"/>
+            </a:endParaRPr>
+          </a:p>
+          <a:p>
+            <a:br>
+              <a:rPr lang="en-US" altLang="zh-CN" sz="1000" b="0" dirty="0">
+                <a:solidFill>
+                  <a:srgbClr val="D4D4D4"/>
+                </a:solidFill>
+                <a:effectLst/>
+                <a:latin typeface="Consolas" panose="020B0609020204030204" pitchFamily="49" charset="0"/>
+              </a:rPr>
+            </a:br>
+            <a:r>
+              <a:rPr lang="en-US" altLang="zh-CN" sz="1000" b="0" dirty="0">
+                <a:solidFill>
+                  <a:srgbClr val="808080"/>
+                </a:solidFill>
+                <a:effectLst/>
+                <a:latin typeface="Consolas" panose="020B0609020204030204" pitchFamily="49" charset="0"/>
+              </a:rPr>
+              <a:t>&lt;</a:t>
+            </a:r>
+            <a:r>
+              <a:rPr lang="en-US" altLang="zh-CN" sz="1000" b="0" dirty="0">
+                <a:solidFill>
+                  <a:srgbClr val="569CD6"/>
+                </a:solidFill>
+                <a:effectLst/>
+                <a:latin typeface="Consolas" panose="020B0609020204030204" pitchFamily="49" charset="0"/>
+              </a:rPr>
+              <a:t>head</a:t>
+            </a:r>
+            <a:r>
+              <a:rPr lang="en-US" altLang="zh-CN" sz="1000" b="0" dirty="0">
+                <a:solidFill>
+                  <a:srgbClr val="808080"/>
+                </a:solidFill>
+                <a:effectLst/>
+                <a:latin typeface="Consolas" panose="020B0609020204030204" pitchFamily="49" charset="0"/>
+              </a:rPr>
+              <a:t>&gt;</a:t>
+            </a:r>
+            <a:r>
+              <a:rPr lang="en-US" altLang="zh-CN" sz="1000" b="0" dirty="0">
+                <a:solidFill>
+                  <a:srgbClr val="D4D4D4"/>
+                </a:solidFill>
+                <a:effectLst/>
+                <a:latin typeface="Consolas" panose="020B0609020204030204" pitchFamily="49" charset="0"/>
+              </a:rPr>
+              <a:t> </a:t>
+            </a:r>
+            <a:r>
+              <a:rPr lang="en-US" altLang="zh-CN" sz="1000" b="0" dirty="0">
+                <a:solidFill>
+                  <a:srgbClr val="808080"/>
+                </a:solidFill>
+                <a:effectLst/>
+                <a:latin typeface="Consolas" panose="020B0609020204030204" pitchFamily="49" charset="0"/>
+              </a:rPr>
+              <a:t>&lt;</a:t>
+            </a:r>
+            <a:r>
+              <a:rPr lang="en-US" altLang="zh-CN" sz="1000" b="0" dirty="0">
+                <a:solidFill>
+                  <a:srgbClr val="569CD6"/>
+                </a:solidFill>
+                <a:effectLst/>
+                <a:latin typeface="Consolas" panose="020B0609020204030204" pitchFamily="49" charset="0"/>
+              </a:rPr>
+              <a:t>title</a:t>
+            </a:r>
+            <a:r>
+              <a:rPr lang="en-US" altLang="zh-CN" sz="1000" b="0" dirty="0">
+                <a:solidFill>
+                  <a:srgbClr val="808080"/>
+                </a:solidFill>
+                <a:effectLst/>
+                <a:latin typeface="Consolas" panose="020B0609020204030204" pitchFamily="49" charset="0"/>
+              </a:rPr>
+              <a:t>&gt;</a:t>
+            </a:r>
+            <a:r>
+              <a:rPr lang="en-US" altLang="zh-CN" sz="1000" b="0" dirty="0">
+                <a:solidFill>
+                  <a:srgbClr val="D4D4D4"/>
+                </a:solidFill>
+                <a:effectLst/>
+                <a:latin typeface="Consolas" panose="020B0609020204030204" pitchFamily="49" charset="0"/>
+              </a:rPr>
+              <a:t>Document</a:t>
+            </a:r>
+            <a:r>
+              <a:rPr lang="en-US" altLang="zh-CN" sz="1000" b="0" dirty="0">
+                <a:solidFill>
+                  <a:srgbClr val="808080"/>
+                </a:solidFill>
+                <a:effectLst/>
+                <a:latin typeface="Consolas" panose="020B0609020204030204" pitchFamily="49" charset="0"/>
+              </a:rPr>
+              <a:t>&lt;/</a:t>
+            </a:r>
+            <a:r>
+              <a:rPr lang="en-US" altLang="zh-CN" sz="1000" b="0" dirty="0">
+                <a:solidFill>
+                  <a:srgbClr val="569CD6"/>
+                </a:solidFill>
+                <a:effectLst/>
+                <a:latin typeface="Consolas" panose="020B0609020204030204" pitchFamily="49" charset="0"/>
+              </a:rPr>
+              <a:t>title</a:t>
+            </a:r>
+            <a:r>
+              <a:rPr lang="en-US" altLang="zh-CN" sz="1000" b="0" dirty="0">
+                <a:solidFill>
+                  <a:srgbClr val="808080"/>
+                </a:solidFill>
+                <a:effectLst/>
+                <a:latin typeface="Consolas" panose="020B0609020204030204" pitchFamily="49" charset="0"/>
+              </a:rPr>
+              <a:t>&gt;</a:t>
+            </a:r>
+            <a:r>
+              <a:rPr lang="en-US" altLang="zh-CN" sz="1000" b="0" dirty="0">
+                <a:solidFill>
+                  <a:srgbClr val="D4D4D4"/>
+                </a:solidFill>
+                <a:effectLst/>
+                <a:latin typeface="Consolas" panose="020B0609020204030204" pitchFamily="49" charset="0"/>
+              </a:rPr>
+              <a:t> </a:t>
+            </a:r>
+            <a:r>
+              <a:rPr lang="en-US" altLang="zh-CN" sz="1000" b="0" dirty="0">
+                <a:solidFill>
+                  <a:srgbClr val="808080"/>
+                </a:solidFill>
+                <a:effectLst/>
+                <a:latin typeface="Consolas" panose="020B0609020204030204" pitchFamily="49" charset="0"/>
+              </a:rPr>
+              <a:t>&lt;/</a:t>
+            </a:r>
+            <a:r>
+              <a:rPr lang="en-US" altLang="zh-CN" sz="1000" b="0" dirty="0">
+                <a:solidFill>
+                  <a:srgbClr val="569CD6"/>
+                </a:solidFill>
+                <a:effectLst/>
+                <a:latin typeface="Consolas" panose="020B0609020204030204" pitchFamily="49" charset="0"/>
+              </a:rPr>
+              <a:t>head</a:t>
+            </a:r>
+            <a:r>
+              <a:rPr lang="en-US" altLang="zh-CN" sz="1000" b="0" dirty="0">
+                <a:solidFill>
+                  <a:srgbClr val="808080"/>
+                </a:solidFill>
+                <a:effectLst/>
+                <a:latin typeface="Consolas" panose="020B0609020204030204" pitchFamily="49" charset="0"/>
+              </a:rPr>
+              <a:t>&gt;</a:t>
+            </a:r>
+            <a:endParaRPr lang="en-US" altLang="zh-CN" sz="1000" b="0" dirty="0">
+              <a:solidFill>
+                <a:srgbClr val="D4D4D4"/>
+              </a:solidFill>
+              <a:effectLst/>
+              <a:latin typeface="Consolas" panose="020B0609020204030204" pitchFamily="49" charset="0"/>
+            </a:endParaRPr>
+          </a:p>
+          <a:p>
+            <a:br>
+              <a:rPr lang="en-US" altLang="zh-CN" sz="1000" b="0" dirty="0">
+                <a:solidFill>
+                  <a:srgbClr val="D4D4D4"/>
+                </a:solidFill>
+                <a:effectLst/>
+                <a:latin typeface="Consolas" panose="020B0609020204030204" pitchFamily="49" charset="0"/>
+              </a:rPr>
+            </a:br>
+            <a:r>
+              <a:rPr lang="en-US" altLang="zh-CN" sz="1000" b="0" dirty="0">
+                <a:solidFill>
+                  <a:srgbClr val="808080"/>
+                </a:solidFill>
+                <a:effectLst/>
+                <a:latin typeface="Consolas" panose="020B0609020204030204" pitchFamily="49" charset="0"/>
+              </a:rPr>
+              <a:t>&lt;</a:t>
+            </a:r>
+            <a:r>
+              <a:rPr lang="en-US" altLang="zh-CN" sz="1000" b="0" dirty="0">
+                <a:solidFill>
+                  <a:srgbClr val="569CD6"/>
+                </a:solidFill>
+                <a:effectLst/>
+                <a:latin typeface="Consolas" panose="020B0609020204030204" pitchFamily="49" charset="0"/>
+              </a:rPr>
+              <a:t>body</a:t>
+            </a:r>
+            <a:r>
+              <a:rPr lang="en-US" altLang="zh-CN" sz="1000" b="0" dirty="0">
+                <a:solidFill>
+                  <a:srgbClr val="D4D4D4"/>
+                </a:solidFill>
+                <a:effectLst/>
+                <a:latin typeface="Consolas" panose="020B0609020204030204" pitchFamily="49" charset="0"/>
+              </a:rPr>
+              <a:t> </a:t>
+            </a:r>
+            <a:r>
+              <a:rPr lang="en-US" altLang="zh-CN" sz="1000" b="0" dirty="0">
+                <a:solidFill>
+                  <a:srgbClr val="9CDCFE"/>
+                </a:solidFill>
+                <a:effectLst/>
+                <a:latin typeface="Consolas" panose="020B0609020204030204" pitchFamily="49" charset="0"/>
+              </a:rPr>
+              <a:t>class</a:t>
+            </a:r>
+            <a:r>
+              <a:rPr lang="en-US" altLang="zh-CN" sz="1000" b="0" dirty="0">
+                <a:solidFill>
+                  <a:srgbClr val="D4D4D4"/>
+                </a:solidFill>
+                <a:effectLst/>
+                <a:latin typeface="Consolas" panose="020B0609020204030204" pitchFamily="49" charset="0"/>
+              </a:rPr>
+              <a:t>=</a:t>
+            </a:r>
+            <a:r>
+              <a:rPr lang="en-US" altLang="zh-CN" sz="1000" b="0" dirty="0">
+                <a:solidFill>
+                  <a:srgbClr val="CE9178"/>
+                </a:solidFill>
+                <a:effectLst/>
+                <a:latin typeface="Consolas" panose="020B0609020204030204" pitchFamily="49" charset="0"/>
+              </a:rPr>
+              <a:t>"body1"</a:t>
+            </a:r>
+            <a:r>
+              <a:rPr lang="en-US" altLang="zh-CN" sz="1000" b="0" dirty="0">
+                <a:solidFill>
+                  <a:srgbClr val="808080"/>
+                </a:solidFill>
+                <a:effectLst/>
+                <a:latin typeface="Consolas" panose="020B0609020204030204" pitchFamily="49" charset="0"/>
+              </a:rPr>
+              <a:t>&gt;</a:t>
+            </a:r>
+            <a:r>
+              <a:rPr lang="en-US" altLang="zh-CN" sz="1000" b="0" dirty="0">
+                <a:solidFill>
+                  <a:srgbClr val="D4D4D4"/>
+                </a:solidFill>
+                <a:effectLst/>
+                <a:latin typeface="Consolas" panose="020B0609020204030204" pitchFamily="49" charset="0"/>
+              </a:rPr>
+              <a:t> body1 </a:t>
+            </a:r>
+            <a:r>
+              <a:rPr lang="en-US" altLang="zh-CN" sz="1000" b="0" dirty="0">
+                <a:solidFill>
+                  <a:srgbClr val="808080"/>
+                </a:solidFill>
+                <a:effectLst/>
+                <a:latin typeface="Consolas" panose="020B0609020204030204" pitchFamily="49" charset="0"/>
+              </a:rPr>
+              <a:t>&lt;/</a:t>
+            </a:r>
+            <a:r>
+              <a:rPr lang="en-US" altLang="zh-CN" sz="1000" b="0" dirty="0">
+                <a:solidFill>
+                  <a:srgbClr val="569CD6"/>
+                </a:solidFill>
+                <a:effectLst/>
+                <a:latin typeface="Consolas" panose="020B0609020204030204" pitchFamily="49" charset="0"/>
+              </a:rPr>
+              <a:t>body</a:t>
+            </a:r>
+            <a:r>
+              <a:rPr lang="en-US" altLang="zh-CN" sz="1000" b="0" dirty="0">
+                <a:solidFill>
+                  <a:srgbClr val="808080"/>
+                </a:solidFill>
+                <a:effectLst/>
+                <a:latin typeface="Consolas" panose="020B0609020204030204" pitchFamily="49" charset="0"/>
+              </a:rPr>
+              <a:t>&gt;</a:t>
+            </a:r>
+            <a:endParaRPr lang="en-US" altLang="zh-CN" sz="1000" b="0" dirty="0">
+              <a:solidFill>
+                <a:srgbClr val="D4D4D4"/>
+              </a:solidFill>
+              <a:effectLst/>
+              <a:latin typeface="Consolas" panose="020B0609020204030204" pitchFamily="49" charset="0"/>
+            </a:endParaRPr>
+          </a:p>
+          <a:p>
+            <a:r>
+              <a:rPr lang="en-US" altLang="zh-CN" sz="1000" b="0" dirty="0">
+                <a:solidFill>
+                  <a:srgbClr val="808080"/>
+                </a:solidFill>
+                <a:effectLst/>
+                <a:latin typeface="Consolas" panose="020B0609020204030204" pitchFamily="49" charset="0"/>
+              </a:rPr>
+              <a:t>&lt;</a:t>
+            </a:r>
+            <a:r>
+              <a:rPr lang="en-US" altLang="zh-CN" sz="1000" b="0" dirty="0">
+                <a:solidFill>
+                  <a:srgbClr val="569CD6"/>
+                </a:solidFill>
+                <a:effectLst/>
+                <a:latin typeface="Consolas" panose="020B0609020204030204" pitchFamily="49" charset="0"/>
+              </a:rPr>
+              <a:t>body</a:t>
+            </a:r>
+            <a:r>
+              <a:rPr lang="en-US" altLang="zh-CN" sz="1000" b="0" dirty="0">
+                <a:solidFill>
+                  <a:srgbClr val="D4D4D4"/>
+                </a:solidFill>
+                <a:effectLst/>
+                <a:latin typeface="Consolas" panose="020B0609020204030204" pitchFamily="49" charset="0"/>
+              </a:rPr>
+              <a:t> </a:t>
+            </a:r>
+            <a:r>
+              <a:rPr lang="en-US" altLang="zh-CN" sz="1000" b="0" dirty="0">
+                <a:solidFill>
+                  <a:srgbClr val="9CDCFE"/>
+                </a:solidFill>
+                <a:effectLst/>
+                <a:latin typeface="Consolas" panose="020B0609020204030204" pitchFamily="49" charset="0"/>
+              </a:rPr>
+              <a:t>class</a:t>
+            </a:r>
+            <a:r>
+              <a:rPr lang="en-US" altLang="zh-CN" sz="1000" b="0" dirty="0">
+                <a:solidFill>
+                  <a:srgbClr val="D4D4D4"/>
+                </a:solidFill>
+                <a:effectLst/>
+                <a:latin typeface="Consolas" panose="020B0609020204030204" pitchFamily="49" charset="0"/>
+              </a:rPr>
+              <a:t>=</a:t>
+            </a:r>
+            <a:r>
+              <a:rPr lang="en-US" altLang="zh-CN" sz="1000" b="0" dirty="0">
+                <a:solidFill>
+                  <a:srgbClr val="CE9178"/>
+                </a:solidFill>
+                <a:effectLst/>
+                <a:latin typeface="Consolas" panose="020B0609020204030204" pitchFamily="49" charset="0"/>
+              </a:rPr>
+              <a:t>"body2"</a:t>
+            </a:r>
+            <a:r>
+              <a:rPr lang="en-US" altLang="zh-CN" sz="1000" b="0" dirty="0">
+                <a:solidFill>
+                  <a:srgbClr val="808080"/>
+                </a:solidFill>
+                <a:effectLst/>
+                <a:latin typeface="Consolas" panose="020B0609020204030204" pitchFamily="49" charset="0"/>
+              </a:rPr>
+              <a:t>&gt;</a:t>
+            </a:r>
+            <a:r>
+              <a:rPr lang="en-US" altLang="zh-CN" sz="1000" b="0" dirty="0">
+                <a:solidFill>
+                  <a:srgbClr val="D4D4D4"/>
+                </a:solidFill>
+                <a:effectLst/>
+                <a:latin typeface="Consolas" panose="020B0609020204030204" pitchFamily="49" charset="0"/>
+              </a:rPr>
+              <a:t> body2 </a:t>
+            </a:r>
+            <a:r>
+              <a:rPr lang="en-US" altLang="zh-CN" sz="1000" b="0" dirty="0">
+                <a:solidFill>
+                  <a:srgbClr val="808080"/>
+                </a:solidFill>
+                <a:effectLst/>
+                <a:latin typeface="Consolas" panose="020B0609020204030204" pitchFamily="49" charset="0"/>
+              </a:rPr>
+              <a:t>&lt;/</a:t>
+            </a:r>
+            <a:r>
+              <a:rPr lang="en-US" altLang="zh-CN" sz="1000" b="0" dirty="0">
+                <a:solidFill>
+                  <a:srgbClr val="569CD6"/>
+                </a:solidFill>
+                <a:effectLst/>
+                <a:latin typeface="Consolas" panose="020B0609020204030204" pitchFamily="49" charset="0"/>
+              </a:rPr>
+              <a:t>body</a:t>
+            </a:r>
+            <a:r>
+              <a:rPr lang="en-US" altLang="zh-CN" sz="1000" b="0" dirty="0">
+                <a:solidFill>
+                  <a:srgbClr val="808080"/>
+                </a:solidFill>
+                <a:effectLst/>
+                <a:latin typeface="Consolas" panose="020B0609020204030204" pitchFamily="49" charset="0"/>
+              </a:rPr>
+              <a:t>&gt;</a:t>
+            </a:r>
+            <a:endParaRPr lang="en-US" altLang="zh-CN" sz="1000" b="0" dirty="0">
+              <a:solidFill>
+                <a:srgbClr val="D4D4D4"/>
+              </a:solidFill>
+              <a:effectLst/>
+              <a:latin typeface="Consolas" panose="020B0609020204030204" pitchFamily="49" charset="0"/>
+            </a:endParaRPr>
+          </a:p>
+          <a:p>
+            <a:r>
+              <a:rPr lang="en-US" altLang="zh-CN" sz="1000" b="0" dirty="0">
+                <a:solidFill>
+                  <a:srgbClr val="808080"/>
+                </a:solidFill>
+                <a:effectLst/>
+                <a:latin typeface="Consolas" panose="020B0609020204030204" pitchFamily="49" charset="0"/>
+              </a:rPr>
+              <a:t>&lt;</a:t>
+            </a:r>
+            <a:r>
+              <a:rPr lang="en-US" altLang="zh-CN" sz="1000" b="0" dirty="0">
+                <a:solidFill>
+                  <a:srgbClr val="569CD6"/>
+                </a:solidFill>
+                <a:effectLst/>
+                <a:latin typeface="Consolas" panose="020B0609020204030204" pitchFamily="49" charset="0"/>
+              </a:rPr>
+              <a:t>body</a:t>
+            </a:r>
+            <a:r>
+              <a:rPr lang="en-US" altLang="zh-CN" sz="1000" b="0" dirty="0">
+                <a:solidFill>
+                  <a:srgbClr val="D4D4D4"/>
+                </a:solidFill>
+                <a:effectLst/>
+                <a:latin typeface="Consolas" panose="020B0609020204030204" pitchFamily="49" charset="0"/>
+              </a:rPr>
+              <a:t> </a:t>
+            </a:r>
+            <a:r>
+              <a:rPr lang="en-US" altLang="zh-CN" sz="1000" b="0" dirty="0">
+                <a:solidFill>
+                  <a:srgbClr val="9CDCFE"/>
+                </a:solidFill>
+                <a:effectLst/>
+                <a:latin typeface="Consolas" panose="020B0609020204030204" pitchFamily="49" charset="0"/>
+              </a:rPr>
+              <a:t>class</a:t>
+            </a:r>
+            <a:r>
+              <a:rPr lang="en-US" altLang="zh-CN" sz="1000" b="0" dirty="0">
+                <a:solidFill>
+                  <a:srgbClr val="D4D4D4"/>
+                </a:solidFill>
+                <a:effectLst/>
+                <a:latin typeface="Consolas" panose="020B0609020204030204" pitchFamily="49" charset="0"/>
+              </a:rPr>
+              <a:t>=</a:t>
+            </a:r>
+            <a:r>
+              <a:rPr lang="en-US" altLang="zh-CN" sz="1000" b="0" dirty="0">
+                <a:solidFill>
+                  <a:srgbClr val="CE9178"/>
+                </a:solidFill>
+                <a:effectLst/>
+                <a:latin typeface="Consolas" panose="020B0609020204030204" pitchFamily="49" charset="0"/>
+              </a:rPr>
+              <a:t>"body3"</a:t>
+            </a:r>
+            <a:r>
+              <a:rPr lang="en-US" altLang="zh-CN" sz="1000" b="0" dirty="0">
+                <a:solidFill>
+                  <a:srgbClr val="808080"/>
+                </a:solidFill>
+                <a:effectLst/>
+                <a:latin typeface="Consolas" panose="020B0609020204030204" pitchFamily="49" charset="0"/>
+              </a:rPr>
+              <a:t>&gt;</a:t>
+            </a:r>
+            <a:r>
+              <a:rPr lang="en-US" altLang="zh-CN" sz="1000" b="0" dirty="0">
+                <a:solidFill>
+                  <a:srgbClr val="D4D4D4"/>
+                </a:solidFill>
+                <a:effectLst/>
+                <a:latin typeface="Consolas" panose="020B0609020204030204" pitchFamily="49" charset="0"/>
+              </a:rPr>
+              <a:t> body3 </a:t>
+            </a:r>
+            <a:r>
+              <a:rPr lang="en-US" altLang="zh-CN" sz="1000" b="0" dirty="0">
+                <a:solidFill>
+                  <a:srgbClr val="808080"/>
+                </a:solidFill>
+                <a:effectLst/>
+                <a:latin typeface="Consolas" panose="020B0609020204030204" pitchFamily="49" charset="0"/>
+              </a:rPr>
+              <a:t>&lt;/</a:t>
+            </a:r>
+            <a:r>
+              <a:rPr lang="en-US" altLang="zh-CN" sz="1000" b="0" dirty="0">
+                <a:solidFill>
+                  <a:srgbClr val="569CD6"/>
+                </a:solidFill>
+                <a:effectLst/>
+                <a:latin typeface="Consolas" panose="020B0609020204030204" pitchFamily="49" charset="0"/>
+              </a:rPr>
+              <a:t>body</a:t>
+            </a:r>
+            <a:r>
+              <a:rPr lang="en-US" altLang="zh-CN" sz="1000" b="0" dirty="0">
+                <a:solidFill>
+                  <a:srgbClr val="808080"/>
+                </a:solidFill>
+                <a:effectLst/>
+                <a:latin typeface="Consolas" panose="020B0609020204030204" pitchFamily="49" charset="0"/>
+              </a:rPr>
+              <a:t>&gt;</a:t>
+            </a:r>
+            <a:endParaRPr lang="en-US" altLang="zh-CN" sz="1000" b="0" dirty="0">
+              <a:solidFill>
+                <a:srgbClr val="D4D4D4"/>
+              </a:solidFill>
+              <a:effectLst/>
+              <a:latin typeface="Consolas" panose="020B0609020204030204" pitchFamily="49" charset="0"/>
+            </a:endParaRPr>
+          </a:p>
+          <a:p>
+            <a:r>
+              <a:rPr lang="en-US" altLang="zh-CN" sz="1000" b="0" dirty="0">
+                <a:solidFill>
+                  <a:srgbClr val="808080"/>
+                </a:solidFill>
+                <a:effectLst/>
+                <a:latin typeface="Consolas" panose="020B0609020204030204" pitchFamily="49" charset="0"/>
+              </a:rPr>
+              <a:t>&lt;/</a:t>
+            </a:r>
+            <a:r>
+              <a:rPr lang="en-US" altLang="zh-CN" sz="1000" b="0" dirty="0">
+                <a:solidFill>
+                  <a:srgbClr val="569CD6"/>
+                </a:solidFill>
+                <a:effectLst/>
+                <a:latin typeface="Consolas" panose="020B0609020204030204" pitchFamily="49" charset="0"/>
+              </a:rPr>
+              <a:t>html</a:t>
+            </a:r>
+            <a:r>
+              <a:rPr lang="en-US" altLang="zh-CN" sz="1000" b="0" dirty="0">
+                <a:solidFill>
+                  <a:srgbClr val="808080"/>
+                </a:solidFill>
+                <a:effectLst/>
+                <a:latin typeface="Consolas" panose="020B0609020204030204" pitchFamily="49" charset="0"/>
+              </a:rPr>
+              <a:t>&gt;</a:t>
+            </a:r>
+            <a:endParaRPr lang="en-US" altLang="zh-CN" sz="1000" b="0" dirty="0">
+              <a:solidFill>
+                <a:srgbClr val="D4D4D4"/>
+              </a:solidFill>
+              <a:effectLst/>
+              <a:latin typeface="Consolas" panose="020B0609020204030204" pitchFamily="49" charset="0"/>
+            </a:endParaRPr>
+          </a:p>
+          <a:p>
+            <a:br>
+              <a:rPr lang="en-US" altLang="zh-CN" sz="1000" b="0" dirty="0">
+                <a:solidFill>
+                  <a:srgbClr val="D4D4D4"/>
+                </a:solidFill>
+                <a:effectLst/>
+                <a:latin typeface="Consolas" panose="020B0609020204030204" pitchFamily="49" charset="0"/>
+              </a:rPr>
+            </a:br>
+            <a:r>
+              <a:rPr lang="en-US" altLang="zh-CN" sz="1000" b="0" dirty="0">
+                <a:solidFill>
+                  <a:srgbClr val="6A9955"/>
+                </a:solidFill>
+                <a:effectLst/>
+                <a:latin typeface="Consolas" panose="020B0609020204030204" pitchFamily="49" charset="0"/>
+              </a:rPr>
+              <a:t>&lt;!-- </a:t>
+            </a:r>
+            <a:r>
+              <a:rPr lang="zh-CN" altLang="en-US" sz="1000" b="0" dirty="0">
+                <a:solidFill>
+                  <a:srgbClr val="6A9955"/>
+                </a:solidFill>
+                <a:effectLst/>
+                <a:latin typeface="Consolas" panose="020B0609020204030204" pitchFamily="49" charset="0"/>
+              </a:rPr>
+              <a:t>被追加在</a:t>
+            </a:r>
+            <a:r>
+              <a:rPr lang="en-US" altLang="zh-CN" sz="1000" b="0" dirty="0">
+                <a:solidFill>
+                  <a:srgbClr val="6A9955"/>
+                </a:solidFill>
+                <a:effectLst/>
+                <a:latin typeface="Consolas" panose="020B0609020204030204" pitchFamily="49" charset="0"/>
+              </a:rPr>
+              <a:t>body</a:t>
+            </a:r>
+            <a:r>
+              <a:rPr lang="zh-CN" altLang="en-US" sz="1000" b="0" dirty="0">
+                <a:solidFill>
+                  <a:srgbClr val="6A9955"/>
+                </a:solidFill>
+                <a:effectLst/>
+                <a:latin typeface="Consolas" panose="020B0609020204030204" pitchFamily="49" charset="0"/>
+              </a:rPr>
+              <a:t>后面，并且不会存在</a:t>
+            </a:r>
+            <a:r>
+              <a:rPr lang="en-US" altLang="zh-CN" sz="1000" b="0" dirty="0">
+                <a:solidFill>
+                  <a:srgbClr val="6A9955"/>
+                </a:solidFill>
+                <a:effectLst/>
+                <a:latin typeface="Consolas" panose="020B0609020204030204" pitchFamily="49" charset="0"/>
+              </a:rPr>
+              <a:t>html</a:t>
+            </a:r>
+            <a:r>
+              <a:rPr lang="zh-CN" altLang="en-US" sz="1000" b="0" dirty="0">
+                <a:solidFill>
+                  <a:srgbClr val="6A9955"/>
+                </a:solidFill>
+                <a:effectLst/>
+                <a:latin typeface="Consolas" panose="020B0609020204030204" pitchFamily="49" charset="0"/>
+              </a:rPr>
+              <a:t>、</a:t>
+            </a:r>
+            <a:r>
+              <a:rPr lang="en-US" altLang="zh-CN" sz="1000" b="0" dirty="0">
+                <a:solidFill>
+                  <a:srgbClr val="6A9955"/>
+                </a:solidFill>
+                <a:effectLst/>
+                <a:latin typeface="Consolas" panose="020B0609020204030204" pitchFamily="49" charset="0"/>
+              </a:rPr>
+              <a:t>head</a:t>
+            </a:r>
+            <a:r>
+              <a:rPr lang="zh-CN" altLang="en-US" sz="1000" b="0" dirty="0">
+                <a:solidFill>
+                  <a:srgbClr val="6A9955"/>
+                </a:solidFill>
+                <a:effectLst/>
+                <a:latin typeface="Consolas" panose="020B0609020204030204" pitchFamily="49" charset="0"/>
+              </a:rPr>
+              <a:t>、</a:t>
+            </a:r>
+            <a:r>
+              <a:rPr lang="en-US" altLang="zh-CN" sz="1000" b="0" dirty="0">
+                <a:solidFill>
+                  <a:srgbClr val="6A9955"/>
+                </a:solidFill>
+                <a:effectLst/>
+                <a:latin typeface="Consolas" panose="020B0609020204030204" pitchFamily="49" charset="0"/>
+              </a:rPr>
+              <a:t>body</a:t>
+            </a:r>
+            <a:r>
+              <a:rPr lang="zh-CN" altLang="en-US" sz="1000" b="0" dirty="0">
+                <a:solidFill>
+                  <a:srgbClr val="6A9955"/>
+                </a:solidFill>
+                <a:effectLst/>
+                <a:latin typeface="Consolas" panose="020B0609020204030204" pitchFamily="49" charset="0"/>
+              </a:rPr>
+              <a:t>等标签 </a:t>
+            </a:r>
+            <a:r>
+              <a:rPr lang="en-US" altLang="zh-CN" sz="1000" b="0" dirty="0">
+                <a:solidFill>
+                  <a:srgbClr val="6A9955"/>
+                </a:solidFill>
+                <a:effectLst/>
+                <a:latin typeface="Consolas" panose="020B0609020204030204" pitchFamily="49" charset="0"/>
+              </a:rPr>
+              <a:t>--&gt;</a:t>
+            </a:r>
+            <a:endParaRPr lang="zh-CN" altLang="en-US" sz="1000" b="0" dirty="0">
+              <a:solidFill>
+                <a:srgbClr val="D4D4D4"/>
+              </a:solidFill>
+              <a:effectLst/>
+              <a:latin typeface="Consolas" panose="020B0609020204030204" pitchFamily="49" charset="0"/>
+            </a:endParaRPr>
+          </a:p>
+          <a:p>
+            <a:r>
+              <a:rPr lang="en-US" altLang="zh-CN" sz="1000" b="0" dirty="0">
+                <a:solidFill>
+                  <a:srgbClr val="808080"/>
+                </a:solidFill>
+                <a:effectLst/>
+                <a:latin typeface="Consolas" panose="020B0609020204030204" pitchFamily="49" charset="0"/>
+              </a:rPr>
+              <a:t>&lt;</a:t>
+            </a:r>
+            <a:r>
+              <a:rPr lang="en-US" altLang="zh-CN" sz="1000" b="0" dirty="0">
+                <a:solidFill>
+                  <a:srgbClr val="569CD6"/>
+                </a:solidFill>
+                <a:effectLst/>
+                <a:latin typeface="Consolas" panose="020B0609020204030204" pitchFamily="49" charset="0"/>
+              </a:rPr>
+              <a:t>html</a:t>
+            </a:r>
+            <a:r>
+              <a:rPr lang="en-US" altLang="zh-CN" sz="1000" b="0" dirty="0">
+                <a:solidFill>
+                  <a:srgbClr val="D4D4D4"/>
+                </a:solidFill>
+                <a:effectLst/>
+                <a:latin typeface="Consolas" panose="020B0609020204030204" pitchFamily="49" charset="0"/>
+              </a:rPr>
+              <a:t> </a:t>
+            </a:r>
+            <a:r>
+              <a:rPr lang="en-US" altLang="zh-CN" sz="1000" b="0" dirty="0">
+                <a:solidFill>
+                  <a:srgbClr val="9CDCFE"/>
+                </a:solidFill>
+                <a:effectLst/>
+                <a:latin typeface="Consolas" panose="020B0609020204030204" pitchFamily="49" charset="0"/>
+              </a:rPr>
+              <a:t>lang</a:t>
+            </a:r>
+            <a:r>
+              <a:rPr lang="en-US" altLang="zh-CN" sz="1000" b="0" dirty="0">
+                <a:solidFill>
+                  <a:srgbClr val="D4D4D4"/>
+                </a:solidFill>
+                <a:effectLst/>
+                <a:latin typeface="Consolas" panose="020B0609020204030204" pitchFamily="49" charset="0"/>
+              </a:rPr>
+              <a:t>=</a:t>
+            </a:r>
+            <a:r>
+              <a:rPr lang="en-US" altLang="zh-CN" sz="1000" b="0" dirty="0">
+                <a:solidFill>
+                  <a:srgbClr val="CE9178"/>
+                </a:solidFill>
+                <a:effectLst/>
+                <a:latin typeface="Consolas" panose="020B0609020204030204" pitchFamily="49" charset="0"/>
+              </a:rPr>
+              <a:t>"</a:t>
+            </a:r>
+            <a:r>
+              <a:rPr lang="en-US" altLang="zh-CN" sz="1000" b="0" dirty="0" err="1">
+                <a:solidFill>
+                  <a:srgbClr val="CE9178"/>
+                </a:solidFill>
+                <a:effectLst/>
+                <a:latin typeface="Consolas" panose="020B0609020204030204" pitchFamily="49" charset="0"/>
+              </a:rPr>
+              <a:t>en</a:t>
+            </a:r>
+            <a:r>
+              <a:rPr lang="en-US" altLang="zh-CN" sz="1000" b="0" dirty="0">
+                <a:solidFill>
+                  <a:srgbClr val="CE9178"/>
+                </a:solidFill>
+                <a:effectLst/>
+                <a:latin typeface="Consolas" panose="020B0609020204030204" pitchFamily="49" charset="0"/>
+              </a:rPr>
+              <a:t>"</a:t>
+            </a:r>
+            <a:r>
+              <a:rPr lang="en-US" altLang="zh-CN" sz="1000" b="0" dirty="0">
+                <a:solidFill>
+                  <a:srgbClr val="808080"/>
+                </a:solidFill>
+                <a:effectLst/>
+                <a:latin typeface="Consolas" panose="020B0609020204030204" pitchFamily="49" charset="0"/>
+              </a:rPr>
+              <a:t>&gt;</a:t>
+            </a:r>
+            <a:endParaRPr lang="en-US" altLang="zh-CN" sz="1000" b="0" dirty="0">
+              <a:solidFill>
+                <a:srgbClr val="D4D4D4"/>
+              </a:solidFill>
+              <a:effectLst/>
+              <a:latin typeface="Consolas" panose="020B0609020204030204" pitchFamily="49" charset="0"/>
+            </a:endParaRPr>
+          </a:p>
+          <a:p>
+            <a:r>
+              <a:rPr lang="en-US" altLang="zh-CN" sz="1000" b="0" dirty="0">
+                <a:solidFill>
+                  <a:srgbClr val="808080"/>
+                </a:solidFill>
+                <a:effectLst/>
+                <a:latin typeface="Consolas" panose="020B0609020204030204" pitchFamily="49" charset="0"/>
+              </a:rPr>
+              <a:t>&lt;</a:t>
+            </a:r>
+            <a:r>
+              <a:rPr lang="en-US" altLang="zh-CN" sz="1000" b="0" dirty="0">
+                <a:solidFill>
+                  <a:srgbClr val="569CD6"/>
+                </a:solidFill>
+                <a:effectLst/>
+                <a:latin typeface="Consolas" panose="020B0609020204030204" pitchFamily="49" charset="0"/>
+              </a:rPr>
+              <a:t>head</a:t>
+            </a:r>
+            <a:r>
+              <a:rPr lang="en-US" altLang="zh-CN" sz="1000" b="0" dirty="0">
+                <a:solidFill>
+                  <a:srgbClr val="808080"/>
+                </a:solidFill>
+                <a:effectLst/>
+                <a:latin typeface="Consolas" panose="020B0609020204030204" pitchFamily="49" charset="0"/>
+              </a:rPr>
+              <a:t>&gt;</a:t>
+            </a:r>
+            <a:r>
+              <a:rPr lang="en-US" altLang="zh-CN" sz="1000" b="0" dirty="0">
+                <a:solidFill>
+                  <a:srgbClr val="D4D4D4"/>
+                </a:solidFill>
+                <a:effectLst/>
+                <a:latin typeface="Consolas" panose="020B0609020204030204" pitchFamily="49" charset="0"/>
+              </a:rPr>
+              <a:t> </a:t>
+            </a:r>
+            <a:r>
+              <a:rPr lang="en-US" altLang="zh-CN" sz="1000" b="0" dirty="0">
+                <a:solidFill>
+                  <a:srgbClr val="808080"/>
+                </a:solidFill>
+                <a:effectLst/>
+                <a:latin typeface="Consolas" panose="020B0609020204030204" pitchFamily="49" charset="0"/>
+              </a:rPr>
+              <a:t>&lt;</a:t>
+            </a:r>
+            <a:r>
+              <a:rPr lang="en-US" altLang="zh-CN" sz="1000" b="0" dirty="0">
+                <a:solidFill>
+                  <a:srgbClr val="569CD6"/>
+                </a:solidFill>
+                <a:effectLst/>
+                <a:latin typeface="Consolas" panose="020B0609020204030204" pitchFamily="49" charset="0"/>
+              </a:rPr>
+              <a:t>meta</a:t>
+            </a:r>
+            <a:r>
+              <a:rPr lang="en-US" altLang="zh-CN" sz="1000" b="0" dirty="0">
+                <a:solidFill>
+                  <a:srgbClr val="D4D4D4"/>
+                </a:solidFill>
+                <a:effectLst/>
+                <a:latin typeface="Consolas" panose="020B0609020204030204" pitchFamily="49" charset="0"/>
+              </a:rPr>
+              <a:t> </a:t>
+            </a:r>
+            <a:r>
+              <a:rPr lang="en-US" altLang="zh-CN" sz="1000" b="0" dirty="0">
+                <a:solidFill>
+                  <a:srgbClr val="9CDCFE"/>
+                </a:solidFill>
+                <a:effectLst/>
+                <a:latin typeface="Consolas" panose="020B0609020204030204" pitchFamily="49" charset="0"/>
+              </a:rPr>
+              <a:t>charset</a:t>
+            </a:r>
+            <a:r>
+              <a:rPr lang="en-US" altLang="zh-CN" sz="1000" b="0" dirty="0">
+                <a:solidFill>
+                  <a:srgbClr val="D4D4D4"/>
+                </a:solidFill>
+                <a:effectLst/>
+                <a:latin typeface="Consolas" panose="020B0609020204030204" pitchFamily="49" charset="0"/>
+              </a:rPr>
+              <a:t>=</a:t>
+            </a:r>
+            <a:r>
+              <a:rPr lang="en-US" altLang="zh-CN" sz="1000" b="0" dirty="0">
+                <a:solidFill>
+                  <a:srgbClr val="CE9178"/>
+                </a:solidFill>
+                <a:effectLst/>
+                <a:latin typeface="Consolas" panose="020B0609020204030204" pitchFamily="49" charset="0"/>
+              </a:rPr>
+              <a:t>"UTF-8"</a:t>
+            </a:r>
+            <a:r>
+              <a:rPr lang="en-US" altLang="zh-CN" sz="1000" b="0" dirty="0">
+                <a:solidFill>
+                  <a:srgbClr val="808080"/>
+                </a:solidFill>
+                <a:effectLst/>
+                <a:latin typeface="Consolas" panose="020B0609020204030204" pitchFamily="49" charset="0"/>
+              </a:rPr>
+              <a:t>&gt;</a:t>
+            </a:r>
+            <a:r>
+              <a:rPr lang="en-US" altLang="zh-CN" sz="1000" b="0" dirty="0">
+                <a:solidFill>
+                  <a:srgbClr val="D4D4D4"/>
+                </a:solidFill>
+                <a:effectLst/>
+                <a:latin typeface="Consolas" panose="020B0609020204030204" pitchFamily="49" charset="0"/>
+              </a:rPr>
+              <a:t> </a:t>
+            </a:r>
+            <a:r>
+              <a:rPr lang="en-US" altLang="zh-CN" sz="1000" b="0" dirty="0">
+                <a:solidFill>
+                  <a:srgbClr val="808080"/>
+                </a:solidFill>
+                <a:effectLst/>
+                <a:latin typeface="Consolas" panose="020B0609020204030204" pitchFamily="49" charset="0"/>
+              </a:rPr>
+              <a:t>&lt;/</a:t>
+            </a:r>
+            <a:r>
+              <a:rPr lang="en-US" altLang="zh-CN" sz="1000" b="0" dirty="0">
+                <a:solidFill>
+                  <a:srgbClr val="569CD6"/>
+                </a:solidFill>
+                <a:effectLst/>
+                <a:latin typeface="Consolas" panose="020B0609020204030204" pitchFamily="49" charset="0"/>
+              </a:rPr>
+              <a:t>head</a:t>
+            </a:r>
+            <a:r>
+              <a:rPr lang="en-US" altLang="zh-CN" sz="1000" b="0" dirty="0">
+                <a:solidFill>
+                  <a:srgbClr val="808080"/>
+                </a:solidFill>
+                <a:effectLst/>
+                <a:latin typeface="Consolas" panose="020B0609020204030204" pitchFamily="49" charset="0"/>
+              </a:rPr>
+              <a:t>&gt;</a:t>
+            </a:r>
+            <a:endParaRPr lang="en-US" altLang="zh-CN" sz="1000" b="0" dirty="0">
+              <a:solidFill>
+                <a:srgbClr val="D4D4D4"/>
+              </a:solidFill>
+              <a:effectLst/>
+              <a:latin typeface="Consolas" panose="020B0609020204030204" pitchFamily="49" charset="0"/>
+            </a:endParaRPr>
+          </a:p>
+          <a:p>
+            <a:br>
+              <a:rPr lang="en-US" altLang="zh-CN" sz="1000" b="0" dirty="0">
+                <a:solidFill>
+                  <a:srgbClr val="D4D4D4"/>
+                </a:solidFill>
+                <a:effectLst/>
+                <a:latin typeface="Consolas" panose="020B0609020204030204" pitchFamily="49" charset="0"/>
+              </a:rPr>
+            </a:br>
+            <a:r>
+              <a:rPr lang="en-US" altLang="zh-CN" sz="1000" b="0" dirty="0">
+                <a:solidFill>
+                  <a:srgbClr val="808080"/>
+                </a:solidFill>
+                <a:effectLst/>
+                <a:latin typeface="Consolas" panose="020B0609020204030204" pitchFamily="49" charset="0"/>
+              </a:rPr>
+              <a:t>&lt;</a:t>
+            </a:r>
+            <a:r>
+              <a:rPr lang="en-US" altLang="zh-CN" sz="1000" b="0" dirty="0">
+                <a:solidFill>
+                  <a:srgbClr val="569CD6"/>
+                </a:solidFill>
+                <a:effectLst/>
+                <a:latin typeface="Consolas" panose="020B0609020204030204" pitchFamily="49" charset="0"/>
+              </a:rPr>
+              <a:t>head</a:t>
+            </a:r>
+            <a:r>
+              <a:rPr lang="en-US" altLang="zh-CN" sz="1000" b="0" dirty="0">
+                <a:solidFill>
+                  <a:srgbClr val="808080"/>
+                </a:solidFill>
+                <a:effectLst/>
+                <a:latin typeface="Consolas" panose="020B0609020204030204" pitchFamily="49" charset="0"/>
+              </a:rPr>
+              <a:t>&gt;</a:t>
+            </a:r>
+            <a:r>
+              <a:rPr lang="en-US" altLang="zh-CN" sz="1000" b="0" dirty="0">
+                <a:solidFill>
+                  <a:srgbClr val="D4D4D4"/>
+                </a:solidFill>
+                <a:effectLst/>
+                <a:latin typeface="Consolas" panose="020B0609020204030204" pitchFamily="49" charset="0"/>
+              </a:rPr>
+              <a:t> </a:t>
+            </a:r>
+            <a:r>
+              <a:rPr lang="en-US" altLang="zh-CN" sz="1000" b="0" dirty="0">
+                <a:solidFill>
+                  <a:srgbClr val="808080"/>
+                </a:solidFill>
+                <a:effectLst/>
+                <a:latin typeface="Consolas" panose="020B0609020204030204" pitchFamily="49" charset="0"/>
+              </a:rPr>
+              <a:t>&lt;</a:t>
+            </a:r>
+            <a:r>
+              <a:rPr lang="en-US" altLang="zh-CN" sz="1000" b="0" dirty="0">
+                <a:solidFill>
+                  <a:srgbClr val="569CD6"/>
+                </a:solidFill>
+                <a:effectLst/>
+                <a:latin typeface="Consolas" panose="020B0609020204030204" pitchFamily="49" charset="0"/>
+              </a:rPr>
+              <a:t>title</a:t>
+            </a:r>
+            <a:r>
+              <a:rPr lang="en-US" altLang="zh-CN" sz="1000" b="0" dirty="0">
+                <a:solidFill>
+                  <a:srgbClr val="808080"/>
+                </a:solidFill>
+                <a:effectLst/>
+                <a:latin typeface="Consolas" panose="020B0609020204030204" pitchFamily="49" charset="0"/>
+              </a:rPr>
+              <a:t>&gt;</a:t>
+            </a:r>
+            <a:r>
+              <a:rPr lang="en-US" altLang="zh-CN" sz="1000" b="0" dirty="0">
+                <a:solidFill>
+                  <a:srgbClr val="D4D4D4"/>
+                </a:solidFill>
+                <a:effectLst/>
+                <a:latin typeface="Consolas" panose="020B0609020204030204" pitchFamily="49" charset="0"/>
+              </a:rPr>
+              <a:t>Document</a:t>
+            </a:r>
+            <a:r>
+              <a:rPr lang="en-US" altLang="zh-CN" sz="1000" b="0" dirty="0">
+                <a:solidFill>
+                  <a:srgbClr val="808080"/>
+                </a:solidFill>
+                <a:effectLst/>
+                <a:latin typeface="Consolas" panose="020B0609020204030204" pitchFamily="49" charset="0"/>
+              </a:rPr>
+              <a:t>&lt;/</a:t>
+            </a:r>
+            <a:r>
+              <a:rPr lang="en-US" altLang="zh-CN" sz="1000" b="0" dirty="0">
+                <a:solidFill>
+                  <a:srgbClr val="569CD6"/>
+                </a:solidFill>
+                <a:effectLst/>
+                <a:latin typeface="Consolas" panose="020B0609020204030204" pitchFamily="49" charset="0"/>
+              </a:rPr>
+              <a:t>title</a:t>
+            </a:r>
+            <a:r>
+              <a:rPr lang="en-US" altLang="zh-CN" sz="1000" b="0" dirty="0">
+                <a:solidFill>
+                  <a:srgbClr val="808080"/>
+                </a:solidFill>
+                <a:effectLst/>
+                <a:latin typeface="Consolas" panose="020B0609020204030204" pitchFamily="49" charset="0"/>
+              </a:rPr>
+              <a:t>&gt;</a:t>
+            </a:r>
+            <a:r>
+              <a:rPr lang="en-US" altLang="zh-CN" sz="1000" b="0" dirty="0">
+                <a:solidFill>
+                  <a:srgbClr val="D4D4D4"/>
+                </a:solidFill>
+                <a:effectLst/>
+                <a:latin typeface="Consolas" panose="020B0609020204030204" pitchFamily="49" charset="0"/>
+              </a:rPr>
+              <a:t> </a:t>
+            </a:r>
+            <a:r>
+              <a:rPr lang="en-US" altLang="zh-CN" sz="1000" b="0" dirty="0">
+                <a:solidFill>
+                  <a:srgbClr val="808080"/>
+                </a:solidFill>
+                <a:effectLst/>
+                <a:latin typeface="Consolas" panose="020B0609020204030204" pitchFamily="49" charset="0"/>
+              </a:rPr>
+              <a:t>&lt;/</a:t>
+            </a:r>
+            <a:r>
+              <a:rPr lang="en-US" altLang="zh-CN" sz="1000" b="0" dirty="0">
+                <a:solidFill>
+                  <a:srgbClr val="569CD6"/>
+                </a:solidFill>
+                <a:effectLst/>
+                <a:latin typeface="Consolas" panose="020B0609020204030204" pitchFamily="49" charset="0"/>
+              </a:rPr>
+              <a:t>head</a:t>
+            </a:r>
+            <a:r>
+              <a:rPr lang="en-US" altLang="zh-CN" sz="1000" b="0" dirty="0">
+                <a:solidFill>
+                  <a:srgbClr val="808080"/>
+                </a:solidFill>
+                <a:effectLst/>
+                <a:latin typeface="Consolas" panose="020B0609020204030204" pitchFamily="49" charset="0"/>
+              </a:rPr>
+              <a:t>&gt;</a:t>
+            </a:r>
+            <a:endParaRPr lang="en-US" altLang="zh-CN" sz="1000" b="0" dirty="0">
+              <a:solidFill>
+                <a:srgbClr val="D4D4D4"/>
+              </a:solidFill>
+              <a:effectLst/>
+              <a:latin typeface="Consolas" panose="020B0609020204030204" pitchFamily="49" charset="0"/>
+            </a:endParaRPr>
+          </a:p>
+          <a:p>
+            <a:br>
+              <a:rPr lang="en-US" altLang="zh-CN" sz="1000" b="0" dirty="0">
+                <a:solidFill>
+                  <a:srgbClr val="D4D4D4"/>
+                </a:solidFill>
+                <a:effectLst/>
+                <a:latin typeface="Consolas" panose="020B0609020204030204" pitchFamily="49" charset="0"/>
+              </a:rPr>
+            </a:br>
+            <a:r>
+              <a:rPr lang="en-US" altLang="zh-CN" sz="1000" b="0" dirty="0">
+                <a:solidFill>
+                  <a:srgbClr val="808080"/>
+                </a:solidFill>
+                <a:effectLst/>
+                <a:latin typeface="Consolas" panose="020B0609020204030204" pitchFamily="49" charset="0"/>
+              </a:rPr>
+              <a:t>&lt;</a:t>
+            </a:r>
+            <a:r>
+              <a:rPr lang="en-US" altLang="zh-CN" sz="1000" b="0" dirty="0">
+                <a:solidFill>
+                  <a:srgbClr val="569CD6"/>
+                </a:solidFill>
+                <a:effectLst/>
+                <a:latin typeface="Consolas" panose="020B0609020204030204" pitchFamily="49" charset="0"/>
+              </a:rPr>
+              <a:t>body</a:t>
+            </a:r>
+            <a:r>
+              <a:rPr lang="en-US" altLang="zh-CN" sz="1000" b="0" dirty="0">
+                <a:solidFill>
+                  <a:srgbClr val="D4D4D4"/>
+                </a:solidFill>
+                <a:effectLst/>
+                <a:latin typeface="Consolas" panose="020B0609020204030204" pitchFamily="49" charset="0"/>
+              </a:rPr>
+              <a:t> </a:t>
+            </a:r>
+            <a:r>
+              <a:rPr lang="en-US" altLang="zh-CN" sz="1000" b="0" dirty="0">
+                <a:solidFill>
+                  <a:srgbClr val="9CDCFE"/>
+                </a:solidFill>
+                <a:effectLst/>
+                <a:latin typeface="Consolas" panose="020B0609020204030204" pitchFamily="49" charset="0"/>
+              </a:rPr>
+              <a:t>class</a:t>
+            </a:r>
+            <a:r>
+              <a:rPr lang="en-US" altLang="zh-CN" sz="1000" b="0" dirty="0">
+                <a:solidFill>
+                  <a:srgbClr val="D4D4D4"/>
+                </a:solidFill>
+                <a:effectLst/>
+                <a:latin typeface="Consolas" panose="020B0609020204030204" pitchFamily="49" charset="0"/>
+              </a:rPr>
+              <a:t>=</a:t>
+            </a:r>
+            <a:r>
+              <a:rPr lang="en-US" altLang="zh-CN" sz="1000" b="0" dirty="0">
+                <a:solidFill>
+                  <a:srgbClr val="CE9178"/>
+                </a:solidFill>
+                <a:effectLst/>
+                <a:latin typeface="Consolas" panose="020B0609020204030204" pitchFamily="49" charset="0"/>
+              </a:rPr>
+              <a:t>"body1"</a:t>
+            </a:r>
+            <a:r>
+              <a:rPr lang="en-US" altLang="zh-CN" sz="1000" b="0" dirty="0">
+                <a:solidFill>
+                  <a:srgbClr val="808080"/>
+                </a:solidFill>
+                <a:effectLst/>
+                <a:latin typeface="Consolas" panose="020B0609020204030204" pitchFamily="49" charset="0"/>
+              </a:rPr>
+              <a:t>&gt;</a:t>
+            </a:r>
+            <a:r>
+              <a:rPr lang="en-US" altLang="zh-CN" sz="1000" b="0" dirty="0">
+                <a:solidFill>
+                  <a:srgbClr val="D4D4D4"/>
+                </a:solidFill>
+                <a:effectLst/>
+                <a:latin typeface="Consolas" panose="020B0609020204030204" pitchFamily="49" charset="0"/>
+              </a:rPr>
+              <a:t> body1 </a:t>
+            </a:r>
+            <a:r>
+              <a:rPr lang="en-US" altLang="zh-CN" sz="1000" b="0" dirty="0">
+                <a:solidFill>
+                  <a:srgbClr val="808080"/>
+                </a:solidFill>
+                <a:effectLst/>
+                <a:latin typeface="Consolas" panose="020B0609020204030204" pitchFamily="49" charset="0"/>
+              </a:rPr>
+              <a:t>&lt;/</a:t>
+            </a:r>
+            <a:r>
+              <a:rPr lang="en-US" altLang="zh-CN" sz="1000" b="0" dirty="0">
+                <a:solidFill>
+                  <a:srgbClr val="569CD6"/>
+                </a:solidFill>
+                <a:effectLst/>
+                <a:latin typeface="Consolas" panose="020B0609020204030204" pitchFamily="49" charset="0"/>
+              </a:rPr>
+              <a:t>body</a:t>
+            </a:r>
+            <a:r>
+              <a:rPr lang="en-US" altLang="zh-CN" sz="1000" b="0" dirty="0">
+                <a:solidFill>
+                  <a:srgbClr val="808080"/>
+                </a:solidFill>
+                <a:effectLst/>
+                <a:latin typeface="Consolas" panose="020B0609020204030204" pitchFamily="49" charset="0"/>
+              </a:rPr>
+              <a:t>&gt;</a:t>
+            </a:r>
+            <a:endParaRPr lang="en-US" altLang="zh-CN" sz="1000" b="0" dirty="0">
+              <a:solidFill>
+                <a:srgbClr val="D4D4D4"/>
+              </a:solidFill>
+              <a:effectLst/>
+              <a:latin typeface="Consolas" panose="020B0609020204030204" pitchFamily="49" charset="0"/>
+            </a:endParaRPr>
+          </a:p>
+          <a:p>
+            <a:r>
+              <a:rPr lang="en-US" altLang="zh-CN" sz="1000" b="0" dirty="0">
+                <a:solidFill>
+                  <a:srgbClr val="808080"/>
+                </a:solidFill>
+                <a:effectLst/>
+                <a:latin typeface="Consolas" panose="020B0609020204030204" pitchFamily="49" charset="0"/>
+              </a:rPr>
+              <a:t>&lt;</a:t>
+            </a:r>
+            <a:r>
+              <a:rPr lang="en-US" altLang="zh-CN" sz="1000" b="0" dirty="0">
+                <a:solidFill>
+                  <a:srgbClr val="569CD6"/>
+                </a:solidFill>
+                <a:effectLst/>
+                <a:latin typeface="Consolas" panose="020B0609020204030204" pitchFamily="49" charset="0"/>
+              </a:rPr>
+              <a:t>body</a:t>
+            </a:r>
+            <a:r>
+              <a:rPr lang="en-US" altLang="zh-CN" sz="1000" b="0" dirty="0">
+                <a:solidFill>
+                  <a:srgbClr val="D4D4D4"/>
+                </a:solidFill>
+                <a:effectLst/>
+                <a:latin typeface="Consolas" panose="020B0609020204030204" pitchFamily="49" charset="0"/>
+              </a:rPr>
+              <a:t> </a:t>
+            </a:r>
+            <a:r>
+              <a:rPr lang="en-US" altLang="zh-CN" sz="1000" b="0" dirty="0">
+                <a:solidFill>
+                  <a:srgbClr val="9CDCFE"/>
+                </a:solidFill>
+                <a:effectLst/>
+                <a:latin typeface="Consolas" panose="020B0609020204030204" pitchFamily="49" charset="0"/>
+              </a:rPr>
+              <a:t>class</a:t>
+            </a:r>
+            <a:r>
+              <a:rPr lang="en-US" altLang="zh-CN" sz="1000" b="0" dirty="0">
+                <a:solidFill>
+                  <a:srgbClr val="D4D4D4"/>
+                </a:solidFill>
+                <a:effectLst/>
+                <a:latin typeface="Consolas" panose="020B0609020204030204" pitchFamily="49" charset="0"/>
+              </a:rPr>
+              <a:t>=</a:t>
+            </a:r>
+            <a:r>
+              <a:rPr lang="en-US" altLang="zh-CN" sz="1000" b="0" dirty="0">
+                <a:solidFill>
+                  <a:srgbClr val="CE9178"/>
+                </a:solidFill>
+                <a:effectLst/>
+                <a:latin typeface="Consolas" panose="020B0609020204030204" pitchFamily="49" charset="0"/>
+              </a:rPr>
+              <a:t>"body2"</a:t>
+            </a:r>
+            <a:r>
+              <a:rPr lang="en-US" altLang="zh-CN" sz="1000" b="0" dirty="0">
+                <a:solidFill>
+                  <a:srgbClr val="808080"/>
+                </a:solidFill>
+                <a:effectLst/>
+                <a:latin typeface="Consolas" panose="020B0609020204030204" pitchFamily="49" charset="0"/>
+              </a:rPr>
+              <a:t>&gt;</a:t>
+            </a:r>
+            <a:r>
+              <a:rPr lang="en-US" altLang="zh-CN" sz="1000" b="0" dirty="0">
+                <a:solidFill>
+                  <a:srgbClr val="D4D4D4"/>
+                </a:solidFill>
+                <a:effectLst/>
+                <a:latin typeface="Consolas" panose="020B0609020204030204" pitchFamily="49" charset="0"/>
+              </a:rPr>
+              <a:t> body2 </a:t>
+            </a:r>
+            <a:r>
+              <a:rPr lang="en-US" altLang="zh-CN" sz="1000" b="0" dirty="0">
+                <a:solidFill>
+                  <a:srgbClr val="808080"/>
+                </a:solidFill>
+                <a:effectLst/>
+                <a:latin typeface="Consolas" panose="020B0609020204030204" pitchFamily="49" charset="0"/>
+              </a:rPr>
+              <a:t>&lt;/</a:t>
+            </a:r>
+            <a:r>
+              <a:rPr lang="en-US" altLang="zh-CN" sz="1000" b="0" dirty="0">
+                <a:solidFill>
+                  <a:srgbClr val="569CD6"/>
+                </a:solidFill>
+                <a:effectLst/>
+                <a:latin typeface="Consolas" panose="020B0609020204030204" pitchFamily="49" charset="0"/>
+              </a:rPr>
+              <a:t>body</a:t>
+            </a:r>
+            <a:r>
+              <a:rPr lang="en-US" altLang="zh-CN" sz="1000" b="0" dirty="0">
+                <a:solidFill>
+                  <a:srgbClr val="808080"/>
+                </a:solidFill>
+                <a:effectLst/>
+                <a:latin typeface="Consolas" panose="020B0609020204030204" pitchFamily="49" charset="0"/>
+              </a:rPr>
+              <a:t>&gt;</a:t>
+            </a:r>
+            <a:endParaRPr lang="en-US" altLang="zh-CN" sz="1000" b="0" dirty="0">
+              <a:solidFill>
+                <a:srgbClr val="D4D4D4"/>
+              </a:solidFill>
+              <a:effectLst/>
+              <a:latin typeface="Consolas" panose="020B0609020204030204" pitchFamily="49" charset="0"/>
+            </a:endParaRPr>
+          </a:p>
+          <a:p>
+            <a:r>
+              <a:rPr lang="en-US" altLang="zh-CN" sz="1000" b="0" dirty="0">
+                <a:solidFill>
+                  <a:srgbClr val="808080"/>
+                </a:solidFill>
+                <a:effectLst/>
+                <a:latin typeface="Consolas" panose="020B0609020204030204" pitchFamily="49" charset="0"/>
+              </a:rPr>
+              <a:t>&lt;</a:t>
+            </a:r>
+            <a:r>
+              <a:rPr lang="en-US" altLang="zh-CN" sz="1000" b="0" dirty="0">
+                <a:solidFill>
+                  <a:srgbClr val="569CD6"/>
+                </a:solidFill>
+                <a:effectLst/>
+                <a:latin typeface="Consolas" panose="020B0609020204030204" pitchFamily="49" charset="0"/>
+              </a:rPr>
+              <a:t>body</a:t>
+            </a:r>
+            <a:r>
+              <a:rPr lang="en-US" altLang="zh-CN" sz="1000" b="0" dirty="0">
+                <a:solidFill>
+                  <a:srgbClr val="D4D4D4"/>
+                </a:solidFill>
+                <a:effectLst/>
+                <a:latin typeface="Consolas" panose="020B0609020204030204" pitchFamily="49" charset="0"/>
+              </a:rPr>
+              <a:t> </a:t>
+            </a:r>
+            <a:r>
+              <a:rPr lang="en-US" altLang="zh-CN" sz="1000" b="0" dirty="0">
+                <a:solidFill>
+                  <a:srgbClr val="9CDCFE"/>
+                </a:solidFill>
+                <a:effectLst/>
+                <a:latin typeface="Consolas" panose="020B0609020204030204" pitchFamily="49" charset="0"/>
+              </a:rPr>
+              <a:t>class</a:t>
+            </a:r>
+            <a:r>
+              <a:rPr lang="en-US" altLang="zh-CN" sz="1000" b="0" dirty="0">
+                <a:solidFill>
+                  <a:srgbClr val="D4D4D4"/>
+                </a:solidFill>
+                <a:effectLst/>
+                <a:latin typeface="Consolas" panose="020B0609020204030204" pitchFamily="49" charset="0"/>
+              </a:rPr>
+              <a:t>=</a:t>
+            </a:r>
+            <a:r>
+              <a:rPr lang="en-US" altLang="zh-CN" sz="1000" b="0" dirty="0">
+                <a:solidFill>
+                  <a:srgbClr val="CE9178"/>
+                </a:solidFill>
+                <a:effectLst/>
+                <a:latin typeface="Consolas" panose="020B0609020204030204" pitchFamily="49" charset="0"/>
+              </a:rPr>
+              <a:t>"body3"</a:t>
+            </a:r>
+            <a:r>
+              <a:rPr lang="en-US" altLang="zh-CN" sz="1000" b="0" dirty="0">
+                <a:solidFill>
+                  <a:srgbClr val="808080"/>
+                </a:solidFill>
+                <a:effectLst/>
+                <a:latin typeface="Consolas" panose="020B0609020204030204" pitchFamily="49" charset="0"/>
+              </a:rPr>
+              <a:t>&gt;</a:t>
+            </a:r>
+            <a:r>
+              <a:rPr lang="en-US" altLang="zh-CN" sz="1000" b="0" dirty="0">
+                <a:solidFill>
+                  <a:srgbClr val="D4D4D4"/>
+                </a:solidFill>
+                <a:effectLst/>
+                <a:latin typeface="Consolas" panose="020B0609020204030204" pitchFamily="49" charset="0"/>
+              </a:rPr>
+              <a:t> body3 </a:t>
+            </a:r>
+            <a:r>
+              <a:rPr lang="en-US" altLang="zh-CN" sz="1000" b="0" dirty="0">
+                <a:solidFill>
+                  <a:srgbClr val="808080"/>
+                </a:solidFill>
+                <a:effectLst/>
+                <a:latin typeface="Consolas" panose="020B0609020204030204" pitchFamily="49" charset="0"/>
+              </a:rPr>
+              <a:t>&lt;/</a:t>
+            </a:r>
+            <a:r>
+              <a:rPr lang="en-US" altLang="zh-CN" sz="1000" b="0" dirty="0">
+                <a:solidFill>
+                  <a:srgbClr val="569CD6"/>
+                </a:solidFill>
+                <a:effectLst/>
+                <a:latin typeface="Consolas" panose="020B0609020204030204" pitchFamily="49" charset="0"/>
+              </a:rPr>
+              <a:t>body</a:t>
+            </a:r>
+            <a:r>
+              <a:rPr lang="en-US" altLang="zh-CN" sz="1000" b="0" dirty="0">
+                <a:solidFill>
+                  <a:srgbClr val="808080"/>
+                </a:solidFill>
+                <a:effectLst/>
+                <a:latin typeface="Consolas" panose="020B0609020204030204" pitchFamily="49" charset="0"/>
+              </a:rPr>
+              <a:t>&gt;</a:t>
+            </a:r>
+            <a:endParaRPr lang="en-US" altLang="zh-CN" sz="1000" b="0" dirty="0">
+              <a:solidFill>
+                <a:srgbClr val="D4D4D4"/>
+              </a:solidFill>
+              <a:effectLst/>
+              <a:latin typeface="Consolas" panose="020B0609020204030204" pitchFamily="49" charset="0"/>
+            </a:endParaRPr>
+          </a:p>
+          <a:p>
+            <a:r>
+              <a:rPr lang="en-US" altLang="zh-CN" sz="1000" b="0" dirty="0">
+                <a:solidFill>
+                  <a:srgbClr val="808080"/>
+                </a:solidFill>
+                <a:effectLst/>
+                <a:latin typeface="Consolas" panose="020B0609020204030204" pitchFamily="49" charset="0"/>
+              </a:rPr>
+              <a:t>&lt;/</a:t>
+            </a:r>
+            <a:r>
+              <a:rPr lang="en-US" altLang="zh-CN" sz="1000" b="0" dirty="0">
+                <a:solidFill>
+                  <a:srgbClr val="569CD6"/>
+                </a:solidFill>
+                <a:effectLst/>
+                <a:latin typeface="Consolas" panose="020B0609020204030204" pitchFamily="49" charset="0"/>
+              </a:rPr>
+              <a:t>html</a:t>
+            </a:r>
+            <a:r>
+              <a:rPr lang="en-US" altLang="zh-CN" sz="1000" b="0" dirty="0">
+                <a:solidFill>
+                  <a:srgbClr val="808080"/>
+                </a:solidFill>
+                <a:effectLst/>
+                <a:latin typeface="Consolas" panose="020B0609020204030204" pitchFamily="49" charset="0"/>
+              </a:rPr>
+              <a:t>&gt;</a:t>
+            </a:r>
+            <a:endParaRPr lang="en-US" altLang="zh-CN" sz="1000" b="0" dirty="0">
+              <a:solidFill>
+                <a:srgbClr val="D4D4D4"/>
+              </a:solidFill>
+              <a:effectLst/>
+              <a:latin typeface="Consolas" panose="020B0609020204030204" pitchFamily="49" charset="0"/>
+            </a:endParaRPr>
+          </a:p>
+          <a:p>
+            <a:endParaRPr lang="zh-CN" altLang="en-US" sz="800" dirty="0"/>
+          </a:p>
+        </p:txBody>
+      </p:sp>
+      <p:pic>
+        <p:nvPicPr>
+          <p:cNvPr id="4" name="图片 3">
+            <a:extLst>
+              <a:ext uri="{FF2B5EF4-FFF2-40B4-BE49-F238E27FC236}">
+                <a16:creationId xmlns:a16="http://schemas.microsoft.com/office/drawing/2014/main" id="{C41D4859-DC46-ED70-F8BB-645CE54421B0}"/>
+              </a:ext>
+            </a:extLst>
+          </p:cNvPr>
+          <p:cNvPicPr>
+            <a:picLocks noChangeAspect="1"/>
+          </p:cNvPicPr>
+          <p:nvPr/>
+        </p:nvPicPr>
+        <p:blipFill>
+          <a:blip r:embed="rId3"/>
+          <a:stretch>
+            <a:fillRect/>
+          </a:stretch>
+        </p:blipFill>
+        <p:spPr>
+          <a:xfrm>
+            <a:off x="3901542" y="1946787"/>
+            <a:ext cx="3307367" cy="1074513"/>
+          </a:xfrm>
+          <a:prstGeom prst="rect">
+            <a:avLst/>
+          </a:prstGeom>
+          <a:ln w="127000" cap="sq">
+            <a:solidFill>
+              <a:srgbClr val="000000"/>
+            </a:solidFill>
+            <a:miter lim="800000"/>
+          </a:ln>
+          <a:effectLst>
+            <a:outerShdw blurRad="57150" dist="50800" dir="2700000" algn="tl" rotWithShape="0">
+              <a:srgbClr val="000000">
+                <a:alpha val="40000"/>
+              </a:srgbClr>
+            </a:outerShdw>
+          </a:effectLst>
+        </p:spPr>
+      </p:pic>
+      <p:pic>
+        <p:nvPicPr>
+          <p:cNvPr id="8" name="图片 7">
+            <a:extLst>
+              <a:ext uri="{FF2B5EF4-FFF2-40B4-BE49-F238E27FC236}">
+                <a16:creationId xmlns:a16="http://schemas.microsoft.com/office/drawing/2014/main" id="{663B1128-C0D4-3514-6668-DDA0AACE3BF6}"/>
+              </a:ext>
+            </a:extLst>
+          </p:cNvPr>
+          <p:cNvPicPr>
+            <a:picLocks noChangeAspect="1"/>
+          </p:cNvPicPr>
+          <p:nvPr/>
+        </p:nvPicPr>
+        <p:blipFill>
+          <a:blip r:embed="rId4"/>
+          <a:stretch>
+            <a:fillRect/>
+          </a:stretch>
+        </p:blipFill>
+        <p:spPr>
+          <a:xfrm>
+            <a:off x="7452852" y="1789471"/>
+            <a:ext cx="4601497" cy="3596952"/>
+          </a:xfrm>
+          <a:prstGeom prst="rect">
+            <a:avLst/>
+          </a:prstGeom>
+        </p:spPr>
+      </p:pic>
+    </p:spTree>
+    <p:extLst>
+      <p:ext uri="{BB962C8B-B14F-4D97-AF65-F5344CB8AC3E}">
+        <p14:creationId xmlns:p14="http://schemas.microsoft.com/office/powerpoint/2010/main" val="1014117138"/>
+      </p:ext>
+    </p:extLst>
+  </p:cSld>
+  <p:clrMapOvr>
+    <a:masterClrMapping/>
+  </p:clrMapOvr>
+  <p:timing>
+    <p:tnLst>
+      <p:par>
+        <p:cTn id="1" dur="indefinite" restart="never" nodeType="tmRoot">
+          <p:childTnLst>
+            <p:seq concurrent="1" nextAc="seek">
+              <p:cTn id="2" dur="indefinite" nodeType="mainSeq">
+                <p:childTnLst>
+                  <p:par>
+                    <p:cTn id="3" fill="hold">
+                      <p:stCondLst>
+                        <p:cond delay="indefinite"/>
+                        <p:cond evt="onBegin" delay="0">
+                          <p:tn val="2"/>
+                        </p:cond>
+                      </p:stCondLst>
+                      <p:childTnLst>
+                        <p:par>
+                          <p:cTn id="4" fill="hold">
+                            <p:stCondLst>
+                              <p:cond delay="0"/>
+                            </p:stCondLst>
+                            <p:childTnLst>
+                              <p:par>
+                                <p:cTn id="5" presetID="2" presetClass="entr" presetSubtype="4" fill="hold" grpId="0" nodeType="withEffect">
+                                  <p:stCondLst>
+                                    <p:cond delay="0"/>
+                                  </p:stCondLst>
+                                  <p:childTnLst>
+                                    <p:set>
+                                      <p:cBhvr>
+                                        <p:cTn id="6" dur="1" fill="hold">
+                                          <p:stCondLst>
+                                            <p:cond delay="0"/>
+                                          </p:stCondLst>
+                                        </p:cTn>
+                                        <p:tgtEl>
+                                          <p:spTgt spid="6"/>
+                                        </p:tgtEl>
+                                        <p:attrNameLst>
+                                          <p:attrName>style.visibility</p:attrName>
+                                        </p:attrNameLst>
+                                      </p:cBhvr>
+                                      <p:to>
+                                        <p:strVal val="visible"/>
+                                      </p:to>
+                                    </p:set>
+                                    <p:anim calcmode="lin" valueType="num">
+                                      <p:cBhvr additive="base">
+                                        <p:cTn id="7" dur="500" fill="hold"/>
+                                        <p:tgtEl>
+                                          <p:spTgt spid="6"/>
+                                        </p:tgtEl>
+                                        <p:attrNameLst>
+                                          <p:attrName>ppt_x</p:attrName>
+                                        </p:attrNameLst>
+                                      </p:cBhvr>
+                                      <p:tavLst>
+                                        <p:tav tm="0">
+                                          <p:val>
+                                            <p:strVal val="#ppt_x"/>
+                                          </p:val>
+                                        </p:tav>
+                                        <p:tav tm="100000">
+                                          <p:val>
+                                            <p:strVal val="#ppt_x"/>
+                                          </p:val>
+                                        </p:tav>
+                                      </p:tavLst>
+                                    </p:anim>
+                                    <p:anim calcmode="lin" valueType="num">
+                                      <p:cBhvr additive="base">
+                                        <p:cTn id="8" dur="500" fill="hold"/>
+                                        <p:tgtEl>
+                                          <p:spTgt spid="6"/>
+                                        </p:tgtEl>
+                                        <p:attrNameLst>
+                                          <p:attrName>ppt_y</p:attrName>
+                                        </p:attrNameLst>
+                                      </p:cBhvr>
+                                      <p:tavLst>
+                                        <p:tav tm="0">
+                                          <p:val>
+                                            <p:strVal val="1+#ppt_h/2"/>
+                                          </p:val>
+                                        </p:tav>
+                                        <p:tav tm="100000">
+                                          <p:val>
+                                            <p:strVal val="#ppt_y"/>
+                                          </p:val>
+                                        </p:tav>
+                                      </p:tavLst>
+                                    </p:anim>
+                                  </p:childTnLst>
+                                </p:cTn>
+                              </p:par>
+                            </p:childTnLst>
+                          </p:cTn>
+                        </p:par>
+                        <p:par>
+                          <p:cTn id="9" fill="hold">
+                            <p:stCondLst>
+                              <p:cond delay="500"/>
+                            </p:stCondLst>
+                            <p:childTnLst>
+                              <p:par>
+                                <p:cTn id="10" presetID="22" presetClass="entr" presetSubtype="8" fill="hold" grpId="0" nodeType="afterEffect">
+                                  <p:stCondLst>
+                                    <p:cond delay="0"/>
+                                  </p:stCondLst>
+                                  <p:childTnLst>
+                                    <p:set>
+                                      <p:cBhvr>
+                                        <p:cTn id="11" dur="1" fill="hold">
+                                          <p:stCondLst>
+                                            <p:cond delay="0"/>
+                                          </p:stCondLst>
+                                        </p:cTn>
+                                        <p:tgtEl>
+                                          <p:spTgt spid="7"/>
+                                        </p:tgtEl>
+                                        <p:attrNameLst>
+                                          <p:attrName>style.visibility</p:attrName>
+                                        </p:attrNameLst>
+                                      </p:cBhvr>
+                                      <p:to>
+                                        <p:strVal val="visible"/>
+                                      </p:to>
+                                    </p:set>
+                                    <p:animEffect transition="in" filter="wipe(left)">
+                                      <p:cBhvr>
+                                        <p:cTn id="12" dur="1000"/>
+                                        <p:tgtEl>
+                                          <p:spTgt spid="7"/>
+                                        </p:tgtEl>
+                                      </p:cBhvr>
+                                    </p:animEffect>
+                                  </p:childTnLst>
+                                </p:cTn>
+                              </p:par>
+                            </p:childTnLst>
+                          </p:cTn>
+                        </p:par>
+                        <p:par>
+                          <p:cTn id="13" fill="hold">
+                            <p:stCondLst>
+                              <p:cond delay="1500"/>
+                            </p:stCondLst>
+                            <p:childTnLst>
+                              <p:par>
+                                <p:cTn id="14" presetID="42" presetClass="entr" presetSubtype="0" fill="hold" grpId="0" nodeType="afterEffect">
+                                  <p:stCondLst>
+                                    <p:cond delay="0"/>
+                                  </p:stCondLst>
+                                  <p:childTnLst>
+                                    <p:set>
+                                      <p:cBhvr>
+                                        <p:cTn id="15" dur="1" fill="hold">
+                                          <p:stCondLst>
+                                            <p:cond delay="0"/>
+                                          </p:stCondLst>
+                                        </p:cTn>
+                                        <p:tgtEl>
+                                          <p:spTgt spid="2"/>
+                                        </p:tgtEl>
+                                        <p:attrNameLst>
+                                          <p:attrName>style.visibility</p:attrName>
+                                        </p:attrNameLst>
+                                      </p:cBhvr>
+                                      <p:to>
+                                        <p:strVal val="visible"/>
+                                      </p:to>
+                                    </p:set>
+                                    <p:animEffect transition="in" filter="fade">
+                                      <p:cBhvr>
+                                        <p:cTn id="16" dur="750"/>
+                                        <p:tgtEl>
+                                          <p:spTgt spid="2"/>
+                                        </p:tgtEl>
+                                      </p:cBhvr>
+                                    </p:animEffect>
+                                    <p:anim calcmode="lin" valueType="num">
+                                      <p:cBhvr>
+                                        <p:cTn id="17" dur="750" fill="hold"/>
+                                        <p:tgtEl>
+                                          <p:spTgt spid="2"/>
+                                        </p:tgtEl>
+                                        <p:attrNameLst>
+                                          <p:attrName>ppt_x</p:attrName>
+                                        </p:attrNameLst>
+                                      </p:cBhvr>
+                                      <p:tavLst>
+                                        <p:tav tm="0">
+                                          <p:val>
+                                            <p:strVal val="#ppt_x"/>
+                                          </p:val>
+                                        </p:tav>
+                                        <p:tav tm="100000">
+                                          <p:val>
+                                            <p:strVal val="#ppt_x"/>
+                                          </p:val>
+                                        </p:tav>
+                                      </p:tavLst>
+                                    </p:anim>
+                                    <p:anim calcmode="lin" valueType="num">
+                                      <p:cBhvr>
+                                        <p:cTn id="18" dur="750" fill="hold"/>
+                                        <p:tgtEl>
+                                          <p:spTgt spid="2"/>
+                                        </p:tgtEl>
+                                        <p:attrNameLst>
+                                          <p:attrName>ppt_y</p:attrName>
+                                        </p:attrNameLst>
+                                      </p:cBhvr>
+                                      <p:tavLst>
+                                        <p:tav tm="0">
+                                          <p:val>
+                                            <p:strVal val="#ppt_y+.1"/>
+                                          </p:val>
+                                        </p:tav>
+                                        <p:tav tm="100000">
+                                          <p:val>
+                                            <p:strVal val="#ppt_y"/>
+                                          </p:val>
+                                        </p:tav>
+                                      </p:tavLst>
+                                    </p:anim>
+                                  </p:childTnLst>
+                                </p:cTn>
+                              </p:par>
+                            </p:childTnLst>
+                          </p:cTn>
+                        </p:par>
+                        <p:par>
+                          <p:cTn id="19" fill="hold">
+                            <p:stCondLst>
+                              <p:cond delay="2250"/>
+                            </p:stCondLst>
+                            <p:childTnLst>
+                              <p:par>
+                                <p:cTn id="20" presetID="42" presetClass="entr" presetSubtype="0" fill="hold" nodeType="afterEffect">
+                                  <p:stCondLst>
+                                    <p:cond delay="0"/>
+                                  </p:stCondLst>
+                                  <p:childTnLst>
+                                    <p:set>
+                                      <p:cBhvr>
+                                        <p:cTn id="21" dur="1" fill="hold">
+                                          <p:stCondLst>
+                                            <p:cond delay="0"/>
+                                          </p:stCondLst>
+                                        </p:cTn>
+                                        <p:tgtEl>
+                                          <p:spTgt spid="4"/>
+                                        </p:tgtEl>
+                                        <p:attrNameLst>
+                                          <p:attrName>style.visibility</p:attrName>
+                                        </p:attrNameLst>
+                                      </p:cBhvr>
+                                      <p:to>
+                                        <p:strVal val="visible"/>
+                                      </p:to>
+                                    </p:set>
+                                    <p:animEffect transition="in" filter="fade">
+                                      <p:cBhvr>
+                                        <p:cTn id="22" dur="750"/>
+                                        <p:tgtEl>
+                                          <p:spTgt spid="4"/>
+                                        </p:tgtEl>
+                                      </p:cBhvr>
+                                    </p:animEffect>
+                                    <p:anim calcmode="lin" valueType="num">
+                                      <p:cBhvr>
+                                        <p:cTn id="23" dur="750" fill="hold"/>
+                                        <p:tgtEl>
+                                          <p:spTgt spid="4"/>
+                                        </p:tgtEl>
+                                        <p:attrNameLst>
+                                          <p:attrName>ppt_x</p:attrName>
+                                        </p:attrNameLst>
+                                      </p:cBhvr>
+                                      <p:tavLst>
+                                        <p:tav tm="0">
+                                          <p:val>
+                                            <p:strVal val="#ppt_x"/>
+                                          </p:val>
+                                        </p:tav>
+                                        <p:tav tm="100000">
+                                          <p:val>
+                                            <p:strVal val="#ppt_x"/>
+                                          </p:val>
+                                        </p:tav>
+                                      </p:tavLst>
+                                    </p:anim>
+                                    <p:anim calcmode="lin" valueType="num">
+                                      <p:cBhvr>
+                                        <p:cTn id="24" dur="750" fill="hold"/>
+                                        <p:tgtEl>
+                                          <p:spTgt spid="4"/>
+                                        </p:tgtEl>
+                                        <p:attrNameLst>
+                                          <p:attrName>ppt_y</p:attrName>
+                                        </p:attrNameLst>
+                                      </p:cBhvr>
+                                      <p:tavLst>
+                                        <p:tav tm="0">
+                                          <p:val>
+                                            <p:strVal val="#ppt_y+.1"/>
+                                          </p:val>
+                                        </p:tav>
+                                        <p:tav tm="100000">
+                                          <p:val>
+                                            <p:strVal val="#ppt_y"/>
+                                          </p:val>
+                                        </p:tav>
+                                      </p:tavLst>
+                                    </p:anim>
+                                  </p:childTnLst>
+                                </p:cTn>
+                              </p:par>
+                            </p:childTnLst>
+                          </p:cTn>
+                        </p:par>
+                        <p:par>
+                          <p:cTn id="25" fill="hold">
+                            <p:stCondLst>
+                              <p:cond delay="3000"/>
+                            </p:stCondLst>
+                            <p:childTnLst>
+                              <p:par>
+                                <p:cTn id="26" presetID="42" presetClass="entr" presetSubtype="0" fill="hold" nodeType="afterEffect">
+                                  <p:stCondLst>
+                                    <p:cond delay="0"/>
+                                  </p:stCondLst>
+                                  <p:childTnLst>
+                                    <p:set>
+                                      <p:cBhvr>
+                                        <p:cTn id="27" dur="1" fill="hold">
+                                          <p:stCondLst>
+                                            <p:cond delay="0"/>
+                                          </p:stCondLst>
+                                        </p:cTn>
+                                        <p:tgtEl>
+                                          <p:spTgt spid="8"/>
+                                        </p:tgtEl>
+                                        <p:attrNameLst>
+                                          <p:attrName>style.visibility</p:attrName>
+                                        </p:attrNameLst>
+                                      </p:cBhvr>
+                                      <p:to>
+                                        <p:strVal val="visible"/>
+                                      </p:to>
+                                    </p:set>
+                                    <p:animEffect transition="in" filter="fade">
+                                      <p:cBhvr>
+                                        <p:cTn id="28" dur="750"/>
+                                        <p:tgtEl>
+                                          <p:spTgt spid="8"/>
+                                        </p:tgtEl>
+                                      </p:cBhvr>
+                                    </p:animEffect>
+                                    <p:anim calcmode="lin" valueType="num">
+                                      <p:cBhvr>
+                                        <p:cTn id="29" dur="750" fill="hold"/>
+                                        <p:tgtEl>
+                                          <p:spTgt spid="8"/>
+                                        </p:tgtEl>
+                                        <p:attrNameLst>
+                                          <p:attrName>ppt_x</p:attrName>
+                                        </p:attrNameLst>
+                                      </p:cBhvr>
+                                      <p:tavLst>
+                                        <p:tav tm="0">
+                                          <p:val>
+                                            <p:strVal val="#ppt_x"/>
+                                          </p:val>
+                                        </p:tav>
+                                        <p:tav tm="100000">
+                                          <p:val>
+                                            <p:strVal val="#ppt_x"/>
+                                          </p:val>
+                                        </p:tav>
+                                      </p:tavLst>
+                                    </p:anim>
+                                    <p:anim calcmode="lin" valueType="num">
+                                      <p:cBhvr>
+                                        <p:cTn id="30" dur="750" fill="hold"/>
+                                        <p:tgtEl>
+                                          <p:spTgt spid="8"/>
+                                        </p:tgtEl>
+                                        <p:attrNameLst>
+                                          <p:attrName>ppt_y</p:attrName>
+                                        </p:attrNameLst>
+                                      </p:cBhvr>
+                                      <p:tavLst>
+                                        <p:tav tm="0">
+                                          <p:val>
+                                            <p:strVal val="#ppt_y+.1"/>
+                                          </p:val>
+                                        </p:tav>
+                                        <p:tav tm="100000">
+                                          <p:val>
+                                            <p:strVal val="#ppt_y"/>
+                                          </p:val>
+                                        </p:tav>
+                                      </p:tavLst>
+                                    </p:anim>
+                                  </p:childTnLst>
+                                </p:cTn>
+                              </p:par>
+                            </p:childTnLst>
+                          </p:cTn>
+                        </p:par>
+                      </p:childTnLst>
+                    </p:cTn>
+                  </p:par>
+                </p:childTnLst>
+              </p:cTn>
+              <p:prevCondLst>
+                <p:cond evt="onPrev" delay="0">
+                  <p:tgtEl>
+                    <p:sldTgt/>
+                  </p:tgtEl>
+                </p:cond>
+              </p:prevCondLst>
+              <p:nextCondLst>
+                <p:cond evt="onNext" delay="0">
+                  <p:tgtEl>
+                    <p:sldTgt/>
+                  </p:tgtEl>
+                </p:cond>
+              </p:nextCondLst>
+            </p:seq>
+          </p:childTnLst>
+        </p:cTn>
+      </p:par>
+    </p:tnLst>
+    <p:bldLst>
+      <p:bldP spid="6" grpId="0" animBg="1"/>
+      <p:bldP spid="7" grpId="0"/>
+      <p:bldP spid="2" grpId="0" animBg="1"/>
+    </p:bldLst>
+  </p:timing>
+</p:sld>
+</file>
+
+<file path=ppt/slides/slide4.xml><?xml version="1.0" encoding="utf-8"?>
+<p:sld xmlns:a="http://schemas.openxmlformats.org/drawingml/2006/main" xmlns:r="http://schemas.openxmlformats.org/officeDocument/2006/relationships" xmlns:p="http://schemas.openxmlformats.org/presentationml/2006/main">
+  <p:cSld>
+    <p:bg>
+      <p:bgPr>
+        <a:solidFill>
+          <a:schemeClr val="bg1"/>
+        </a:solidFill>
+        <a:effectLst/>
+      </p:bgPr>
+    </p:bg>
+    <p:spTree>
+      <p:nvGrpSpPr>
+        <p:cNvPr id="1" name=""/>
+        <p:cNvGrpSpPr/>
+        <p:nvPr/>
+      </p:nvGrpSpPr>
+      <p:grpSpPr>
+        <a:xfrm>
+          <a:off x="0" y="0"/>
+          <a:ext cx="0" cy="0"/>
+          <a:chOff x="0" y="0"/>
+          <a:chExt cx="0" cy="0"/>
+        </a:xfrm>
+      </p:grpSpPr>
+      <p:pic>
+        <p:nvPicPr>
+          <p:cNvPr id="5" name="图片 4" descr="蓝色屏幕的截图&#10;&#10;描述已自动生成">
+            <a:extLst>
+              <a:ext uri="{FF2B5EF4-FFF2-40B4-BE49-F238E27FC236}">
+                <a16:creationId xmlns:a16="http://schemas.microsoft.com/office/drawing/2014/main" id="{EF65999A-853B-1372-C9B7-F3AA7834CAC6}"/>
+              </a:ext>
+            </a:extLst>
+          </p:cNvPr>
+          <p:cNvPicPr>
+            <a:picLocks noChangeAspect="1"/>
+          </p:cNvPicPr>
+          <p:nvPr/>
+        </p:nvPicPr>
+        <p:blipFill rotWithShape="1">
+          <a:blip r:embed="rId5">
+            <a:extLst>
+              <a:ext uri="{28A0092B-C50C-407E-A947-70E740481C1C}">
+                <a14:useLocalDpi xmlns:a14="http://schemas.microsoft.com/office/drawing/2010/main" val="0"/>
+              </a:ext>
+            </a:extLst>
+          </a:blip>
+          <a:srcRect b="10000"/>
+          <a:stretch/>
+        </p:blipFill>
+        <p:spPr>
+          <a:xfrm>
+            <a:off x="20" y="10"/>
+            <a:ext cx="12191980" cy="6857990"/>
+          </a:xfrm>
+          <a:prstGeom prst="rect">
+            <a:avLst/>
+          </a:prstGeom>
+        </p:spPr>
+      </p:pic>
+      <p:sp>
+        <p:nvSpPr>
+          <p:cNvPr id="22" name="Rectangle 10">
+            <a:extLst>
+              <a:ext uri="{FF2B5EF4-FFF2-40B4-BE49-F238E27FC236}">
+                <a16:creationId xmlns:a16="http://schemas.microsoft.com/office/drawing/2014/main" id="{37C89E4B-3C9F-44B9-8B86-D9E3D112D8EC}"/>
+              </a:ext>
+              <a:ext uri="{C183D7F6-B498-43B3-948B-1728B52AA6E4}">
+                <adec:decorative xmlns:adec="http://schemas.microsoft.com/office/drawing/2017/decorative" val="1"/>
+              </a:ext>
+            </a:extLst>
+          </p:cNvPr>
+          <p:cNvSpPr>
+            <a:spLocks noGrp="1" noRot="1" noChangeAspect="1" noMove="1" noResize="1" noEditPoints="1" noAdjustHandles="1" noChangeArrowheads="1" noChangeShapeType="1" noTextEdit="1"/>
+          </p:cNvSpPr>
+          <p:nvPr>
+            <p:extLst>
+              <p:ext uri="{386F3935-93C4-4BCD-93E2-E3B085C9AB24}">
+                <p16:designElem xmlns:p16="http://schemas.microsoft.com/office/powerpoint/2015/main" val="1"/>
+              </p:ext>
+            </p:extLst>
+          </p:nvPr>
+        </p:nvSpPr>
+        <p:spPr>
+          <a:xfrm>
+            <a:off x="0" y="5320142"/>
+            <a:ext cx="12192000" cy="736551"/>
+          </a:xfrm>
+          <a:prstGeom prst="rect">
+            <a:avLst/>
+          </a:prstGeom>
+          <a:solidFill>
+            <a:schemeClr val="bg1">
+              <a:alpha val="93000"/>
+            </a:schemeClr>
+          </a:solidFill>
+          <a:ln>
+            <a:noFill/>
+          </a:ln>
+        </p:spPr>
+        <p:style>
+          <a:lnRef idx="2">
+            <a:schemeClr val="accent1">
+              <a:shade val="50000"/>
+            </a:schemeClr>
+          </a:lnRef>
+          <a:fillRef idx="1">
+            <a:schemeClr val="accent1"/>
+          </a:fillRef>
+          <a:effectRef idx="0">
+            <a:schemeClr val="accent1"/>
+          </a:effectRef>
+          <a:fontRef idx="minor">
+            <a:schemeClr val="lt1"/>
+          </a:fontRef>
+        </p:style>
+        <p:txBody>
+          <a:bodyPr rtlCol="0" anchor="ctr"/>
+          <a:lstStyle/>
+          <a:p>
+            <a:pPr algn="ctr"/>
+            <a:endParaRPr lang="en-US"/>
+          </a:p>
+        </p:txBody>
+      </p:sp>
+      <p:sp>
+        <p:nvSpPr>
+          <p:cNvPr id="6" name="文本框 5">
+            <a:extLst>
+              <a:ext uri="{FF2B5EF4-FFF2-40B4-BE49-F238E27FC236}">
+                <a16:creationId xmlns:a16="http://schemas.microsoft.com/office/drawing/2014/main" id="{5FBA89F2-2168-BE62-7277-4212043A34C1}"/>
+              </a:ext>
+            </a:extLst>
+          </p:cNvPr>
+          <p:cNvSpPr txBox="1"/>
+          <p:nvPr/>
+        </p:nvSpPr>
+        <p:spPr>
+          <a:xfrm>
+            <a:off x="523875" y="5317240"/>
+            <a:ext cx="11210925" cy="744836"/>
+          </a:xfrm>
+          <a:prstGeom prst="rect">
+            <a:avLst/>
+          </a:prstGeom>
+        </p:spPr>
+        <p:txBody>
+          <a:bodyPr vert="horz" lIns="91440" tIns="45720" rIns="91440" bIns="45720" rtlCol="0" anchor="ctr">
+            <a:normAutofit/>
+          </a:bodyPr>
+          <a:lstStyle/>
+          <a:p>
+            <a:pPr algn="ctr">
+              <a:lnSpc>
+                <a:spcPct val="90000"/>
+              </a:lnSpc>
+              <a:spcBef>
+                <a:spcPct val="0"/>
+              </a:spcBef>
+              <a:spcAft>
+                <a:spcPts val="600"/>
+              </a:spcAft>
+            </a:pPr>
+            <a:r>
+              <a:rPr lang="zh-CN" altLang="en-US" sz="3600" dirty="0">
+                <a:solidFill>
+                  <a:schemeClr val="tx1">
+                    <a:lumMod val="85000"/>
+                    <a:lumOff val="15000"/>
+                  </a:schemeClr>
+                </a:solidFill>
+                <a:latin typeface="+mj-lt"/>
+                <a:ea typeface="+mj-ea"/>
+                <a:cs typeface="+mj-cs"/>
+              </a:rPr>
+              <a:t>什么是 </a:t>
+            </a:r>
+            <a:r>
+              <a:rPr lang="en-US" altLang="zh-CN" sz="3600" dirty="0">
+                <a:solidFill>
+                  <a:schemeClr val="tx1">
+                    <a:lumMod val="85000"/>
+                    <a:lumOff val="15000"/>
+                  </a:schemeClr>
+                </a:solidFill>
+                <a:latin typeface="+mj-lt"/>
+                <a:ea typeface="+mj-ea"/>
+                <a:cs typeface="+mj-cs"/>
+              </a:rPr>
+              <a:t>DOCTYPE</a:t>
+            </a:r>
+            <a:r>
+              <a:rPr lang="zh-CN" altLang="en-US" sz="3600" dirty="0">
+                <a:solidFill>
+                  <a:schemeClr val="tx1">
+                    <a:lumMod val="85000"/>
+                    <a:lumOff val="15000"/>
+                  </a:schemeClr>
+                </a:solidFill>
+                <a:latin typeface="+mj-lt"/>
+                <a:ea typeface="+mj-ea"/>
+                <a:cs typeface="+mj-cs"/>
+              </a:rPr>
+              <a:t>， 有何作用？</a:t>
+            </a:r>
+          </a:p>
+        </p:txBody>
+      </p:sp>
+      <p:cxnSp>
+        <p:nvCxnSpPr>
+          <p:cNvPr id="23" name="Straight Connector 12">
+            <a:extLst>
+              <a:ext uri="{FF2B5EF4-FFF2-40B4-BE49-F238E27FC236}">
+                <a16:creationId xmlns:a16="http://schemas.microsoft.com/office/drawing/2014/main" id="{AA2EAA10-076F-46BD-8F0F-B9A2FB77A85C}"/>
+              </a:ext>
+              <a:ext uri="{C183D7F6-B498-43B3-948B-1728B52AA6E4}">
+                <adec:decorative xmlns:adec="http://schemas.microsoft.com/office/drawing/2017/decorative" val="1"/>
+              </a:ext>
+            </a:extLst>
+          </p:cNvPr>
+          <p:cNvCxnSpPr>
+            <a:cxnSpLocks noGrp="1" noRot="1" noChangeAspect="1" noMove="1" noResize="1" noEditPoints="1" noAdjustHandles="1" noChangeArrowheads="1" noChangeShapeType="1"/>
+          </p:cNvCxnSpPr>
+          <p:nvPr>
+            <p:extLst>
+              <p:ext uri="{386F3935-93C4-4BCD-93E2-E3B085C9AB24}">
+                <p16:designElem xmlns:p16="http://schemas.microsoft.com/office/powerpoint/2015/main" val="1"/>
+              </p:ext>
+            </p:extLst>
+          </p:nvPr>
+        </p:nvCxnSpPr>
+        <p:spPr>
+          <a:xfrm>
+            <a:off x="0" y="5241983"/>
+            <a:ext cx="12192000" cy="0"/>
+          </a:xfrm>
+          <a:prstGeom prst="line">
+            <a:avLst/>
+          </a:prstGeom>
+          <a:ln w="41275">
+            <a:solidFill>
+              <a:schemeClr val="bg1">
+                <a:alpha val="90000"/>
+              </a:schemeClr>
+            </a:solidFill>
+          </a:ln>
+        </p:spPr>
+        <p:style>
+          <a:lnRef idx="1">
+            <a:schemeClr val="accent1"/>
+          </a:lnRef>
+          <a:fillRef idx="0">
+            <a:schemeClr val="accent1"/>
+          </a:fillRef>
+          <a:effectRef idx="0">
+            <a:schemeClr val="accent1"/>
+          </a:effectRef>
+          <a:fontRef idx="minor">
+            <a:schemeClr val="tx1"/>
+          </a:fontRef>
+        </p:style>
+      </p:cxnSp>
+      <p:cxnSp>
+        <p:nvCxnSpPr>
+          <p:cNvPr id="24" name="Straight Connector 14">
+            <a:extLst>
+              <a:ext uri="{FF2B5EF4-FFF2-40B4-BE49-F238E27FC236}">
+                <a16:creationId xmlns:a16="http://schemas.microsoft.com/office/drawing/2014/main" id="{D891E407-403B-4764-86C9-33A56D3BCAA3}"/>
+              </a:ext>
+              <a:ext uri="{C183D7F6-B498-43B3-948B-1728B52AA6E4}">
+                <adec:decorative xmlns:adec="http://schemas.microsoft.com/office/drawing/2017/decorative" val="1"/>
+              </a:ext>
+            </a:extLst>
+          </p:cNvPr>
+          <p:cNvCxnSpPr>
+            <a:cxnSpLocks noGrp="1" noRot="1" noChangeAspect="1" noMove="1" noResize="1" noEditPoints="1" noAdjustHandles="1" noChangeArrowheads="1" noChangeShapeType="1"/>
+          </p:cNvCxnSpPr>
+          <p:nvPr>
+            <p:extLst>
+              <p:ext uri="{386F3935-93C4-4BCD-93E2-E3B085C9AB24}">
+                <p16:designElem xmlns:p16="http://schemas.microsoft.com/office/powerpoint/2015/main" val="1"/>
+              </p:ext>
+            </p:extLst>
+          </p:nvPr>
+        </p:nvCxnSpPr>
+        <p:spPr>
+          <a:xfrm>
+            <a:off x="0" y="6134852"/>
+            <a:ext cx="12192000" cy="0"/>
+          </a:xfrm>
+          <a:prstGeom prst="line">
+            <a:avLst/>
+          </a:prstGeom>
+          <a:ln w="41275">
+            <a:solidFill>
+              <a:schemeClr val="bg1">
+                <a:alpha val="90000"/>
+              </a:schemeClr>
+            </a:solidFill>
+          </a:ln>
+        </p:spPr>
+        <p:style>
+          <a:lnRef idx="1">
+            <a:schemeClr val="accent1"/>
+          </a:lnRef>
+          <a:fillRef idx="0">
+            <a:schemeClr val="accent1"/>
+          </a:fillRef>
+          <a:effectRef idx="0">
+            <a:schemeClr val="accent1"/>
+          </a:effectRef>
+          <a:fontRef idx="minor">
+            <a:schemeClr val="tx1"/>
+          </a:fontRef>
+        </p:style>
+      </p:cxnSp>
+      <p:pic>
+        <p:nvPicPr>
+          <p:cNvPr id="25" name="音频 24">
+            <a:hlinkClick r:id="" action="ppaction://media"/>
+            <a:extLst>
+              <a:ext uri="{FF2B5EF4-FFF2-40B4-BE49-F238E27FC236}">
+                <a16:creationId xmlns:a16="http://schemas.microsoft.com/office/drawing/2014/main" id="{36C27262-5882-E1EE-F463-48B35FB7DC31}"/>
+              </a:ext>
+            </a:extLst>
+          </p:cNvPr>
+          <p:cNvPicPr>
+            <a:picLocks noChangeAspect="1"/>
+          </p:cNvPicPr>
+          <p:nvPr>
+            <a:audioFile r:link="rId2"/>
+            <p:extLst>
+              <p:ext uri="{DAA4B4D4-6D71-4841-9C94-3DE7FCFB9230}">
+                <p14:media xmlns:p14="http://schemas.microsoft.com/office/powerpoint/2010/main" r:embed="rId1"/>
+              </p:ext>
+            </p:extLst>
+          </p:nvPr>
+        </p:nvPicPr>
+        <p:blipFill>
+          <a:blip r:embed="rId6"/>
+          <a:srcRect l="-161075" t="-161075" r="-161075" b="-161075"/>
+          <a:stretch>
+            <a:fillRect/>
+          </a:stretch>
+        </p:blipFill>
+        <p:spPr>
+          <a:xfrm>
+            <a:off x="10052304" y="4718304"/>
+            <a:ext cx="2057400" cy="2057400"/>
+          </a:xfrm>
+          <a:prstGeom prst="ellipse">
+            <a:avLst/>
+          </a:prstGeom>
+        </p:spPr>
+      </p:pic>
+    </p:spTree>
+    <p:extLst>
+      <p:ext uri="{BB962C8B-B14F-4D97-AF65-F5344CB8AC3E}">
+        <p14:creationId xmlns:p14="http://schemas.microsoft.com/office/powerpoint/2010/main" val="3764457713"/>
+      </p:ext>
+    </p:extLst>
+  </p:cSld>
+  <p:clrMapOvr>
+    <a:masterClrMapping/>
+  </p:clrMapOvr>
+  <mc:AlternateContent xmlns:mc="http://schemas.openxmlformats.org/markup-compatibility/2006">
+    <mc:Choice xmlns:p14="http://schemas.microsoft.com/office/powerpoint/2010/main" Requires="p14">
+      <p:transition spd="slow" p14:dur="2000" advTm="8729"/>
+    </mc:Choice>
+    <mc:Fallback>
+      <p:transition spd="slow" advTm="8729"/>
+    </mc:Fallback>
+  </mc:AlternateContent>
+  <p:timing>
+    <p:tnLst>
+      <p:par>
+        <p:cTn id="1" dur="indefinite" restart="never" nodeType="tmRoot">
+          <p:childTnLst>
+            <p:seq concurrent="1" nextAc="seek">
+              <p:cTn id="2" dur="indefinite" nodeType="mainSeq">
+                <p:childTnLst>
+                  <p:par>
+                    <p:cTn id="3" fill="hold">
+                      <p:stCondLst>
+                        <p:cond delay="indefinite"/>
+                        <p:cond evt="onBegin" delay="0">
+                          <p:tn val="2"/>
+                        </p:cond>
+                      </p:stCondLst>
+                      <p:childTnLst>
+                        <p:par>
+                          <p:cTn id="4" fill="hold">
+                            <p:stCondLst>
+                              <p:cond delay="0"/>
+                            </p:stCondLst>
+                            <p:childTnLst>
+                              <p:par>
+                                <p:cTn id="5" presetID="1" presetClass="mediacall" presetSubtype="0" fill="hold" nodeType="afterEffect">
+                                  <p:stCondLst>
+                                    <p:cond delay="0"/>
+                                  </p:stCondLst>
+                                  <p:childTnLst>
+                                    <p:cmd type="call" cmd="playFrom(0.0)">
+                                      <p:cBhvr>
+                                        <p:cTn id="6" dur="1" fill="hold"/>
+                                        <p:tgtEl>
+                                          <p:spTgt spid="25"/>
+                                        </p:tgtEl>
+                                      </p:cBhvr>
+                                    </p:cmd>
+                                  </p:childTnLst>
+                                </p:cTn>
+                              </p:par>
+                              <p:par>
+                                <p:cTn id="7" presetID="10" presetClass="entr" presetSubtype="0" fill="hold" grpId="0" nodeType="withEffect">
+                                  <p:stCondLst>
+                                    <p:cond delay="0"/>
+                                  </p:stCondLst>
+                                  <p:childTnLst>
+                                    <p:set>
+                                      <p:cBhvr>
+                                        <p:cTn id="8" dur="1" fill="hold">
+                                          <p:stCondLst>
+                                            <p:cond delay="0"/>
+                                          </p:stCondLst>
+                                        </p:cTn>
+                                        <p:tgtEl>
+                                          <p:spTgt spid="6"/>
+                                        </p:tgtEl>
+                                        <p:attrNameLst>
+                                          <p:attrName>style.visibility</p:attrName>
+                                        </p:attrNameLst>
+                                      </p:cBhvr>
+                                      <p:to>
+                                        <p:strVal val="visible"/>
+                                      </p:to>
+                                    </p:set>
+                                    <p:animEffect transition="in" filter="fade">
+                                      <p:cBhvr>
+                                        <p:cTn id="9" dur="500"/>
+                                        <p:tgtEl>
+                                          <p:spTgt spid="6"/>
+                                        </p:tgtEl>
+                                      </p:cBhvr>
+                                    </p:animEffect>
+                                  </p:childTnLst>
+                                </p:cTn>
+                              </p:par>
+                              <p:par>
+                                <p:cTn id="10" presetID="14" presetClass="entr" presetSubtype="10" fill="hold" nodeType="withEffect">
+                                  <p:stCondLst>
+                                    <p:cond delay="0"/>
+                                  </p:stCondLst>
+                                  <p:childTnLst>
+                                    <p:set>
+                                      <p:cBhvr>
+                                        <p:cTn id="11" dur="1" fill="hold">
+                                          <p:stCondLst>
+                                            <p:cond delay="0"/>
+                                          </p:stCondLst>
+                                        </p:cTn>
+                                        <p:tgtEl>
+                                          <p:spTgt spid="5"/>
+                                        </p:tgtEl>
+                                        <p:attrNameLst>
+                                          <p:attrName>style.visibility</p:attrName>
+                                        </p:attrNameLst>
+                                      </p:cBhvr>
+                                      <p:to>
+                                        <p:strVal val="visible"/>
+                                      </p:to>
+                                    </p:set>
+                                    <p:animEffect transition="in" filter="randombar(horizontal)">
+                                      <p:cBhvr>
+                                        <p:cTn id="12" dur="500"/>
+                                        <p:tgtEl>
+                                          <p:spTgt spid="5"/>
+                                        </p:tgtEl>
+                                      </p:cBhvr>
+                                    </p:animEffect>
+                                  </p:childTnLst>
+                                </p:cTn>
+                              </p:par>
+                            </p:childTnLst>
+                          </p:cTn>
+                        </p:par>
+                      </p:childTnLst>
+                    </p:cTn>
+                  </p:par>
+                </p:childTnLst>
+              </p:cTn>
+              <p:prevCondLst>
+                <p:cond evt="onPrev" delay="0">
+                  <p:tgtEl>
+                    <p:sldTgt/>
+                  </p:tgtEl>
+                </p:cond>
+              </p:prevCondLst>
+              <p:nextCondLst>
+                <p:cond evt="onNext" delay="0">
+                  <p:tgtEl>
+                    <p:sldTgt/>
+                  </p:tgtEl>
+                </p:cond>
+              </p:nextCondLst>
+            </p:seq>
+            <p:audio isNarration="1">
+              <p:cMediaNode vol="80000" showWhenStopped="0">
+                <p:cTn id="13" fill="hold" display="0">
+                  <p:stCondLst>
+                    <p:cond delay="indefinite"/>
+                  </p:stCondLst>
+                  <p:endCondLst>
+                    <p:cond evt="onStopAudio" delay="0">
+                      <p:tgtEl>
+                        <p:sldTgt/>
+                      </p:tgtEl>
+                    </p:cond>
+                  </p:endCondLst>
+                </p:cTn>
+                <p:tgtEl>
+                  <p:spTgt spid="25"/>
+                </p:tgtEl>
+              </p:cMediaNode>
+            </p:audio>
+          </p:childTnLst>
+        </p:cTn>
+      </p:par>
+    </p:tnLst>
+    <p:bldLst>
+      <p:bldP spid="6" grpId="0" animBg="1"/>
+    </p:bldLst>
+  </p:timing>
+</p:sld>
+</file>
+
+<file path=ppt/slides/slide5.xml><?xml version="1.0" encoding="utf-8"?>
+<p:sld xmlns:a="http://schemas.openxmlformats.org/drawingml/2006/main" xmlns:r="http://schemas.openxmlformats.org/officeDocument/2006/relationships" xmlns:p="http://schemas.openxmlformats.org/presentationml/2006/main">
+  <p:cSld>
+    <p:spTree>
+      <p:nvGrpSpPr>
+        <p:cNvPr id="1" name=""/>
+        <p:cNvGrpSpPr/>
+        <p:nvPr/>
+      </p:nvGrpSpPr>
+      <p:grpSpPr>
+        <a:xfrm>
+          <a:off x="0" y="0"/>
+          <a:ext cx="0" cy="0"/>
+          <a:chOff x="0" y="0"/>
+          <a:chExt cx="0" cy="0"/>
+        </a:xfrm>
+      </p:grpSpPr>
+      <p:sp>
+        <p:nvSpPr>
+          <p:cNvPr id="6" name="文本框 5">
+            <a:extLst>
+              <a:ext uri="{FF2B5EF4-FFF2-40B4-BE49-F238E27FC236}">
+                <a16:creationId xmlns:a16="http://schemas.microsoft.com/office/drawing/2014/main" id="{5FBA89F2-2168-BE62-7277-4212043A34C1}"/>
+              </a:ext>
+            </a:extLst>
+          </p:cNvPr>
+          <p:cNvSpPr txBox="1"/>
+          <p:nvPr/>
+        </p:nvSpPr>
+        <p:spPr>
+          <a:xfrm>
+            <a:off x="0" y="-22364"/>
+            <a:ext cx="12192000" cy="783255"/>
+          </a:xfrm>
+          <a:prstGeom prst="rect">
+            <a:avLst/>
+          </a:prstGeom>
+          <a:solidFill>
+            <a:schemeClr val="accent1"/>
+          </a:solidFill>
+        </p:spPr>
+        <p:txBody>
+          <a:bodyPr wrap="square" tIns="144000" bIns="144000" rtlCol="0">
+            <a:spAutoFit/>
+          </a:bodyPr>
+          <a:lstStyle/>
+          <a:p>
+            <a:pPr algn="ctr"/>
+            <a:r>
+              <a:rPr lang="zh-CN" altLang="en-US" sz="3200" dirty="0"/>
+              <a:t>什么是 </a:t>
+            </a:r>
+            <a:r>
+              <a:rPr lang="en-US" altLang="zh-CN" sz="3200" dirty="0"/>
+              <a:t>DOCTYPE</a:t>
+            </a:r>
+            <a:r>
+              <a:rPr lang="zh-CN" altLang="en-US" sz="3200" dirty="0"/>
+              <a:t>， 有何作用？</a:t>
+            </a:r>
+          </a:p>
+        </p:txBody>
+      </p:sp>
+      <p:sp>
+        <p:nvSpPr>
+          <p:cNvPr id="7" name="文本框 6">
+            <a:extLst>
+              <a:ext uri="{FF2B5EF4-FFF2-40B4-BE49-F238E27FC236}">
+                <a16:creationId xmlns:a16="http://schemas.microsoft.com/office/drawing/2014/main" id="{FE9C9A46-57AB-E412-2E96-622AB9757659}"/>
+              </a:ext>
+            </a:extLst>
+          </p:cNvPr>
+          <p:cNvSpPr txBox="1"/>
+          <p:nvPr/>
+        </p:nvSpPr>
+        <p:spPr>
+          <a:xfrm>
+            <a:off x="3111906" y="805979"/>
+            <a:ext cx="5968181" cy="569515"/>
+          </a:xfrm>
+          <a:prstGeom prst="rect">
+            <a:avLst/>
+          </a:prstGeom>
+          <a:noFill/>
+        </p:spPr>
+        <p:txBody>
+          <a:bodyPr wrap="square" rtlCol="0">
+            <a:spAutoFit/>
+          </a:bodyPr>
+          <a:lstStyle/>
+          <a:p>
+            <a:pPr marL="285750" indent="-285750">
+              <a:lnSpc>
+                <a:spcPct val="200000"/>
+              </a:lnSpc>
+              <a:buFont typeface="Wingdings" panose="05000000000000000000" pitchFamily="2" charset="2"/>
+              <a:buChar char="Ø"/>
+            </a:pPr>
+            <a:r>
+              <a:rPr lang="en-US" altLang="zh-CN" b="1" dirty="0">
+                <a:solidFill>
+                  <a:schemeClr val="accent1"/>
+                </a:solidFill>
+              </a:rPr>
+              <a:t>HTML4</a:t>
+            </a:r>
+            <a:r>
+              <a:rPr lang="zh-CN" altLang="en-US" b="1" dirty="0">
+                <a:solidFill>
+                  <a:schemeClr val="accent1"/>
+                </a:solidFill>
+              </a:rPr>
+              <a:t>声明方式</a:t>
+            </a:r>
+            <a:endParaRPr lang="en-US" altLang="zh-CN" b="1" dirty="0">
+              <a:solidFill>
+                <a:schemeClr val="accent1"/>
+              </a:solidFill>
+            </a:endParaRPr>
+          </a:p>
+        </p:txBody>
+      </p:sp>
+      <p:sp>
+        <p:nvSpPr>
+          <p:cNvPr id="2" name="文本框 1">
+            <a:extLst>
+              <a:ext uri="{FF2B5EF4-FFF2-40B4-BE49-F238E27FC236}">
+                <a16:creationId xmlns:a16="http://schemas.microsoft.com/office/drawing/2014/main" id="{0173C9D7-66EF-4F89-1A14-64084F555E88}"/>
+              </a:ext>
+            </a:extLst>
+          </p:cNvPr>
+          <p:cNvSpPr txBox="1"/>
+          <p:nvPr/>
+        </p:nvSpPr>
+        <p:spPr>
+          <a:xfrm>
+            <a:off x="3111905" y="3214369"/>
+            <a:ext cx="5968181" cy="569515"/>
+          </a:xfrm>
+          <a:prstGeom prst="rect">
+            <a:avLst/>
+          </a:prstGeom>
+          <a:noFill/>
+        </p:spPr>
+        <p:txBody>
+          <a:bodyPr wrap="square" rtlCol="0">
+            <a:spAutoFit/>
+          </a:bodyPr>
+          <a:lstStyle/>
+          <a:p>
+            <a:pPr marL="285750" indent="-285750">
+              <a:lnSpc>
+                <a:spcPct val="200000"/>
+              </a:lnSpc>
+              <a:buFont typeface="Wingdings" panose="05000000000000000000" pitchFamily="2" charset="2"/>
+              <a:buChar char="Ø"/>
+            </a:pPr>
+            <a:r>
+              <a:rPr lang="en-US" altLang="zh-CN" b="1" dirty="0">
+                <a:solidFill>
+                  <a:schemeClr val="accent1"/>
+                </a:solidFill>
+              </a:rPr>
+              <a:t>HTML5</a:t>
+            </a:r>
+            <a:r>
+              <a:rPr lang="zh-CN" altLang="en-US" b="1" dirty="0">
+                <a:solidFill>
+                  <a:schemeClr val="accent1"/>
+                </a:solidFill>
+              </a:rPr>
+              <a:t>声明方式</a:t>
+            </a:r>
+            <a:endParaRPr lang="en-US" altLang="zh-CN" b="1" dirty="0">
+              <a:solidFill>
+                <a:schemeClr val="accent1"/>
+              </a:solidFill>
+            </a:endParaRPr>
+          </a:p>
+        </p:txBody>
+      </p:sp>
+      <p:sp>
+        <p:nvSpPr>
+          <p:cNvPr id="3" name="文本框 2">
+            <a:extLst>
+              <a:ext uri="{FF2B5EF4-FFF2-40B4-BE49-F238E27FC236}">
+                <a16:creationId xmlns:a16="http://schemas.microsoft.com/office/drawing/2014/main" id="{16D974D6-BEF9-CE89-3E42-FC82FE505D4B}"/>
+              </a:ext>
+            </a:extLst>
+          </p:cNvPr>
+          <p:cNvSpPr txBox="1"/>
+          <p:nvPr/>
+        </p:nvSpPr>
+        <p:spPr>
+          <a:xfrm>
+            <a:off x="3111904" y="5421792"/>
+            <a:ext cx="5968181" cy="1123513"/>
+          </a:xfrm>
+          <a:prstGeom prst="rect">
+            <a:avLst/>
+          </a:prstGeom>
+          <a:noFill/>
+        </p:spPr>
+        <p:txBody>
+          <a:bodyPr wrap="square" rtlCol="0">
+            <a:spAutoFit/>
+          </a:bodyPr>
+          <a:lstStyle/>
+          <a:p>
+            <a:pPr marL="285750" indent="-285750">
+              <a:lnSpc>
+                <a:spcPct val="200000"/>
+              </a:lnSpc>
+              <a:buFont typeface="Wingdings" panose="05000000000000000000" pitchFamily="2" charset="2"/>
+              <a:buChar char="Ø"/>
+            </a:pPr>
+            <a:r>
+              <a:rPr lang="en-US" altLang="zh-CN" b="1" dirty="0">
+                <a:solidFill>
+                  <a:schemeClr val="accent1"/>
+                </a:solidFill>
+              </a:rPr>
+              <a:t>DTD</a:t>
+            </a:r>
+            <a:r>
+              <a:rPr lang="zh-CN" altLang="en-US" b="1" dirty="0">
+                <a:solidFill>
+                  <a:schemeClr val="accent1"/>
+                </a:solidFill>
+              </a:rPr>
+              <a:t>简单了解下：</a:t>
+            </a:r>
+          </a:p>
+          <a:p>
+            <a:pPr marL="285750" indent="-285750">
+              <a:lnSpc>
+                <a:spcPct val="200000"/>
+              </a:lnSpc>
+              <a:buFont typeface="Wingdings" panose="05000000000000000000" pitchFamily="2" charset="2"/>
+              <a:buChar char="Ø"/>
+            </a:pPr>
+            <a:r>
+              <a:rPr lang="en-US" altLang="zh-CN" b="1" dirty="0">
+                <a:solidFill>
+                  <a:schemeClr val="accent1"/>
+                </a:solidFill>
+              </a:rPr>
+              <a:t>https://tools.city/q-and-a/igty8zve</a:t>
+            </a:r>
+          </a:p>
+        </p:txBody>
+      </p:sp>
+      <p:pic>
+        <p:nvPicPr>
+          <p:cNvPr id="5" name="图片 4" descr="屏幕上显示着紫色的截图&#10;&#10;描述已自动生成">
+            <a:extLst>
+              <a:ext uri="{FF2B5EF4-FFF2-40B4-BE49-F238E27FC236}">
+                <a16:creationId xmlns:a16="http://schemas.microsoft.com/office/drawing/2014/main" id="{9A40A17E-470C-2E11-FEF3-CC46CF26E6EC}"/>
+              </a:ext>
+            </a:extLst>
+          </p:cNvPr>
+          <p:cNvPicPr>
+            <a:picLocks noChangeAspect="1"/>
+          </p:cNvPicPr>
+          <p:nvPr/>
+        </p:nvPicPr>
+        <p:blipFill>
+          <a:blip r:embed="rId5">
+            <a:extLst>
+              <a:ext uri="{28A0092B-C50C-407E-A947-70E740481C1C}">
+                <a14:useLocalDpi xmlns:a14="http://schemas.microsoft.com/office/drawing/2010/main" val="0"/>
+              </a:ext>
+            </a:extLst>
+          </a:blip>
+          <a:stretch>
+            <a:fillRect/>
+          </a:stretch>
+        </p:blipFill>
+        <p:spPr>
+          <a:xfrm>
+            <a:off x="3211306" y="1451223"/>
+            <a:ext cx="6109673" cy="1863861"/>
+          </a:xfrm>
+          <a:prstGeom prst="rect">
+            <a:avLst/>
+          </a:prstGeom>
+        </p:spPr>
+      </p:pic>
+      <p:pic>
+        <p:nvPicPr>
+          <p:cNvPr id="9" name="图片 8" descr="电子设备的屏幕&#10;&#10;描述已自动生成">
+            <a:extLst>
+              <a:ext uri="{FF2B5EF4-FFF2-40B4-BE49-F238E27FC236}">
+                <a16:creationId xmlns:a16="http://schemas.microsoft.com/office/drawing/2014/main" id="{B295782A-14AE-B3CA-C83B-1C363793C51C}"/>
+              </a:ext>
+            </a:extLst>
+          </p:cNvPr>
+          <p:cNvPicPr>
+            <a:picLocks noChangeAspect="1"/>
+          </p:cNvPicPr>
+          <p:nvPr/>
+        </p:nvPicPr>
+        <p:blipFill>
+          <a:blip r:embed="rId6">
+            <a:extLst>
+              <a:ext uri="{28A0092B-C50C-407E-A947-70E740481C1C}">
+                <a14:useLocalDpi xmlns:a14="http://schemas.microsoft.com/office/drawing/2010/main" val="0"/>
+              </a:ext>
+            </a:extLst>
+          </a:blip>
+          <a:stretch>
+            <a:fillRect/>
+          </a:stretch>
+        </p:blipFill>
+        <p:spPr>
+          <a:xfrm>
+            <a:off x="3211307" y="3836654"/>
+            <a:ext cx="6109673" cy="1718543"/>
+          </a:xfrm>
+          <a:prstGeom prst="rect">
+            <a:avLst/>
+          </a:prstGeom>
+        </p:spPr>
+      </p:pic>
+      <p:pic>
+        <p:nvPicPr>
+          <p:cNvPr id="12" name="音频 11">
+            <a:hlinkClick r:id="" action="ppaction://media"/>
+            <a:extLst>
+              <a:ext uri="{FF2B5EF4-FFF2-40B4-BE49-F238E27FC236}">
+                <a16:creationId xmlns:a16="http://schemas.microsoft.com/office/drawing/2014/main" id="{33A7F181-C5FE-83C8-A47C-4A3AFFEB7EED}"/>
+              </a:ext>
+            </a:extLst>
+          </p:cNvPr>
+          <p:cNvPicPr>
+            <a:picLocks noChangeAspect="1"/>
+          </p:cNvPicPr>
+          <p:nvPr>
+            <a:audioFile r:link="rId2"/>
+            <p:extLst>
+              <p:ext uri="{DAA4B4D4-6D71-4841-9C94-3DE7FCFB9230}">
+                <p14:media xmlns:p14="http://schemas.microsoft.com/office/powerpoint/2010/main" r:embed="rId1"/>
+              </p:ext>
+            </p:extLst>
+          </p:nvPr>
+        </p:nvPicPr>
+        <p:blipFill>
+          <a:blip r:embed="rId7"/>
+          <a:srcRect l="-161075" t="-161075" r="-161075" b="-161075"/>
+          <a:stretch>
+            <a:fillRect/>
+          </a:stretch>
+        </p:blipFill>
+        <p:spPr>
+          <a:xfrm>
+            <a:off x="10052304" y="4718304"/>
+            <a:ext cx="2057400" cy="2057400"/>
+          </a:xfrm>
+          <a:prstGeom prst="ellipse">
+            <a:avLst/>
+          </a:prstGeom>
+        </p:spPr>
+      </p:pic>
+    </p:spTree>
+    <p:extLst>
+      <p:ext uri="{BB962C8B-B14F-4D97-AF65-F5344CB8AC3E}">
+        <p14:creationId xmlns:p14="http://schemas.microsoft.com/office/powerpoint/2010/main" val="2692210832"/>
+      </p:ext>
+    </p:extLst>
+  </p:cSld>
+  <p:clrMapOvr>
+    <a:masterClrMapping/>
+  </p:clrMapOvr>
+  <p:transition spd="slow" advTm="7785">
+    <p:push dir="u"/>
+  </p:transition>
+  <p:timing>
+    <p:tnLst>
+      <p:par>
+        <p:cTn id="1" dur="indefinite" restart="never" nodeType="tmRoot">
+          <p:childTnLst>
+            <p:seq concurrent="1" nextAc="seek">
+              <p:cTn id="2" dur="indefinite" nodeType="mainSeq">
+                <p:childTnLst>
+                  <p:par>
+                    <p:cTn id="3" fill="hold">
+                      <p:stCondLst>
+                        <p:cond delay="indefinite"/>
+                        <p:cond evt="onBegin" delay="0">
+                          <p:tn val="2"/>
+                        </p:cond>
+                      </p:stCondLst>
+                      <p:childTnLst>
+                        <p:par>
+                          <p:cTn id="4" fill="hold">
+                            <p:stCondLst>
+                              <p:cond delay="0"/>
+                            </p:stCondLst>
+                            <p:childTnLst>
+                              <p:par>
+                                <p:cTn id="5" presetID="1" presetClass="mediacall" presetSubtype="0" fill="hold" nodeType="afterEffect">
+                                  <p:stCondLst>
+                                    <p:cond delay="0"/>
+                                  </p:stCondLst>
+                                  <p:childTnLst>
+                                    <p:cmd type="call" cmd="playFrom(0.0)">
+                                      <p:cBhvr>
+                                        <p:cTn id="6" dur="1" fill="hold"/>
+                                        <p:tgtEl>
+                                          <p:spTgt spid="12"/>
+                                        </p:tgtEl>
+                                      </p:cBhvr>
+                                    </p:cmd>
+                                  </p:childTnLst>
+                                </p:cTn>
+                              </p:par>
+                              <p:par>
+                                <p:cTn id="7" presetID="2" presetClass="entr" presetSubtype="4" fill="hold" grpId="0" nodeType="withEffect">
+                                  <p:stCondLst>
+                                    <p:cond delay="0"/>
+                                  </p:stCondLst>
+                                  <p:childTnLst>
+                                    <p:set>
+                                      <p:cBhvr>
+                                        <p:cTn id="8" dur="1" fill="hold">
+                                          <p:stCondLst>
+                                            <p:cond delay="0"/>
+                                          </p:stCondLst>
+                                        </p:cTn>
+                                        <p:tgtEl>
+                                          <p:spTgt spid="6"/>
+                                        </p:tgtEl>
+                                        <p:attrNameLst>
+                                          <p:attrName>style.visibility</p:attrName>
+                                        </p:attrNameLst>
+                                      </p:cBhvr>
+                                      <p:to>
+                                        <p:strVal val="visible"/>
+                                      </p:to>
+                                    </p:set>
+                                    <p:anim calcmode="lin" valueType="num">
+                                      <p:cBhvr additive="base">
+                                        <p:cTn id="9" dur="500" fill="hold"/>
+                                        <p:tgtEl>
+                                          <p:spTgt spid="6"/>
+                                        </p:tgtEl>
+                                        <p:attrNameLst>
+                                          <p:attrName>ppt_x</p:attrName>
+                                        </p:attrNameLst>
+                                      </p:cBhvr>
+                                      <p:tavLst>
+                                        <p:tav tm="0">
+                                          <p:val>
+                                            <p:strVal val="#ppt_x"/>
+                                          </p:val>
+                                        </p:tav>
+                                        <p:tav tm="100000">
+                                          <p:val>
+                                            <p:strVal val="#ppt_x"/>
+                                          </p:val>
+                                        </p:tav>
+                                      </p:tavLst>
+                                    </p:anim>
+                                    <p:anim calcmode="lin" valueType="num">
+                                      <p:cBhvr additive="base">
+                                        <p:cTn id="10" dur="500" fill="hold"/>
+                                        <p:tgtEl>
+                                          <p:spTgt spid="6"/>
+                                        </p:tgtEl>
+                                        <p:attrNameLst>
+                                          <p:attrName>ppt_y</p:attrName>
+                                        </p:attrNameLst>
+                                      </p:cBhvr>
+                                      <p:tavLst>
+                                        <p:tav tm="0">
+                                          <p:val>
+                                            <p:strVal val="1+#ppt_h/2"/>
+                                          </p:val>
+                                        </p:tav>
+                                        <p:tav tm="100000">
+                                          <p:val>
+                                            <p:strVal val="#ppt_y"/>
+                                          </p:val>
+                                        </p:tav>
+                                      </p:tavLst>
+                                    </p:anim>
+                                  </p:childTnLst>
+                                </p:cTn>
+                              </p:par>
+                            </p:childTnLst>
+                          </p:cTn>
+                        </p:par>
+                        <p:par>
+                          <p:cTn id="11" fill="hold">
+                            <p:stCondLst>
+                              <p:cond delay="500"/>
+                            </p:stCondLst>
+                            <p:childTnLst>
+                              <p:par>
+                                <p:cTn id="12" presetID="2" presetClass="entr" presetSubtype="4" fill="hold" grpId="0" nodeType="afterEffect">
+                                  <p:stCondLst>
+                                    <p:cond delay="0"/>
+                                  </p:stCondLst>
+                                  <p:childTnLst>
+                                    <p:set>
+                                      <p:cBhvr>
+                                        <p:cTn id="13" dur="1" fill="hold">
+                                          <p:stCondLst>
+                                            <p:cond delay="0"/>
+                                          </p:stCondLst>
+                                        </p:cTn>
+                                        <p:tgtEl>
+                                          <p:spTgt spid="7"/>
+                                        </p:tgtEl>
+                                        <p:attrNameLst>
+                                          <p:attrName>style.visibility</p:attrName>
+                                        </p:attrNameLst>
+                                      </p:cBhvr>
+                                      <p:to>
+                                        <p:strVal val="visible"/>
+                                      </p:to>
+                                    </p:set>
+                                    <p:anim calcmode="lin" valueType="num">
+                                      <p:cBhvr additive="base">
+                                        <p:cTn id="14" dur="500" fill="hold"/>
+                                        <p:tgtEl>
+                                          <p:spTgt spid="7"/>
+                                        </p:tgtEl>
+                                        <p:attrNameLst>
+                                          <p:attrName>ppt_x</p:attrName>
+                                        </p:attrNameLst>
+                                      </p:cBhvr>
+                                      <p:tavLst>
+                                        <p:tav tm="0">
+                                          <p:val>
+                                            <p:strVal val="#ppt_x"/>
+                                          </p:val>
+                                        </p:tav>
+                                        <p:tav tm="100000">
+                                          <p:val>
+                                            <p:strVal val="#ppt_x"/>
+                                          </p:val>
+                                        </p:tav>
+                                      </p:tavLst>
+                                    </p:anim>
+                                    <p:anim calcmode="lin" valueType="num">
+                                      <p:cBhvr additive="base">
+                                        <p:cTn id="15" dur="500" fill="hold"/>
+                                        <p:tgtEl>
+                                          <p:spTgt spid="7"/>
+                                        </p:tgtEl>
+                                        <p:attrNameLst>
+                                          <p:attrName>ppt_y</p:attrName>
+                                        </p:attrNameLst>
+                                      </p:cBhvr>
+                                      <p:tavLst>
+                                        <p:tav tm="0">
+                                          <p:val>
+                                            <p:strVal val="1+#ppt_h/2"/>
+                                          </p:val>
+                                        </p:tav>
+                                        <p:tav tm="100000">
+                                          <p:val>
+                                            <p:strVal val="#ppt_y"/>
+                                          </p:val>
+                                        </p:tav>
+                                      </p:tavLst>
+                                    </p:anim>
+                                  </p:childTnLst>
+                                </p:cTn>
+                              </p:par>
+                            </p:childTnLst>
+                          </p:cTn>
+                        </p:par>
+                        <p:par>
+                          <p:cTn id="16" fill="hold">
+                            <p:stCondLst>
+                              <p:cond delay="1000"/>
+                            </p:stCondLst>
+                            <p:childTnLst>
+                              <p:par>
+                                <p:cTn id="17" presetID="2" presetClass="entr" presetSubtype="4" fill="hold" grpId="0" nodeType="afterEffect">
+                                  <p:stCondLst>
+                                    <p:cond delay="0"/>
+                                  </p:stCondLst>
+                                  <p:childTnLst>
+                                    <p:set>
+                                      <p:cBhvr>
+                                        <p:cTn id="18" dur="1" fill="hold">
+                                          <p:stCondLst>
+                                            <p:cond delay="0"/>
+                                          </p:stCondLst>
+                                        </p:cTn>
+                                        <p:tgtEl>
+                                          <p:spTgt spid="2"/>
+                                        </p:tgtEl>
+                                        <p:attrNameLst>
+                                          <p:attrName>style.visibility</p:attrName>
+                                        </p:attrNameLst>
+                                      </p:cBhvr>
+                                      <p:to>
+                                        <p:strVal val="visible"/>
+                                      </p:to>
+                                    </p:set>
+                                    <p:anim calcmode="lin" valueType="num">
+                                      <p:cBhvr additive="base">
+                                        <p:cTn id="19" dur="500" fill="hold"/>
+                                        <p:tgtEl>
+                                          <p:spTgt spid="2"/>
+                                        </p:tgtEl>
+                                        <p:attrNameLst>
+                                          <p:attrName>ppt_x</p:attrName>
+                                        </p:attrNameLst>
+                                      </p:cBhvr>
+                                      <p:tavLst>
+                                        <p:tav tm="0">
+                                          <p:val>
+                                            <p:strVal val="#ppt_x"/>
+                                          </p:val>
+                                        </p:tav>
+                                        <p:tav tm="100000">
+                                          <p:val>
+                                            <p:strVal val="#ppt_x"/>
+                                          </p:val>
+                                        </p:tav>
+                                      </p:tavLst>
+                                    </p:anim>
+                                    <p:anim calcmode="lin" valueType="num">
+                                      <p:cBhvr additive="base">
+                                        <p:cTn id="20" dur="500" fill="hold"/>
+                                        <p:tgtEl>
+                                          <p:spTgt spid="2"/>
+                                        </p:tgtEl>
+                                        <p:attrNameLst>
+                                          <p:attrName>ppt_y</p:attrName>
+                                        </p:attrNameLst>
+                                      </p:cBhvr>
+                                      <p:tavLst>
+                                        <p:tav tm="0">
+                                          <p:val>
+                                            <p:strVal val="1+#ppt_h/2"/>
+                                          </p:val>
+                                        </p:tav>
+                                        <p:tav tm="100000">
+                                          <p:val>
+                                            <p:strVal val="#ppt_y"/>
+                                          </p:val>
+                                        </p:tav>
+                                      </p:tavLst>
+                                    </p:anim>
+                                  </p:childTnLst>
+                                </p:cTn>
+                              </p:par>
+                            </p:childTnLst>
+                          </p:cTn>
+                        </p:par>
+                        <p:par>
+                          <p:cTn id="21" fill="hold">
+                            <p:stCondLst>
+                              <p:cond delay="1500"/>
+                            </p:stCondLst>
+                            <p:childTnLst>
+                              <p:par>
+                                <p:cTn id="22" presetID="2" presetClass="entr" presetSubtype="4" fill="hold" grpId="0" nodeType="afterEffect">
+                                  <p:stCondLst>
+                                    <p:cond delay="0"/>
+                                  </p:stCondLst>
+                                  <p:childTnLst>
+                                    <p:set>
+                                      <p:cBhvr>
+                                        <p:cTn id="23" dur="1" fill="hold">
+                                          <p:stCondLst>
+                                            <p:cond delay="0"/>
+                                          </p:stCondLst>
+                                        </p:cTn>
+                                        <p:tgtEl>
+                                          <p:spTgt spid="3"/>
+                                        </p:tgtEl>
+                                        <p:attrNameLst>
+                                          <p:attrName>style.visibility</p:attrName>
+                                        </p:attrNameLst>
+                                      </p:cBhvr>
+                                      <p:to>
+                                        <p:strVal val="visible"/>
+                                      </p:to>
+                                    </p:set>
+                                    <p:anim calcmode="lin" valueType="num">
+                                      <p:cBhvr additive="base">
+                                        <p:cTn id="24" dur="500" fill="hold"/>
+                                        <p:tgtEl>
+                                          <p:spTgt spid="3"/>
+                                        </p:tgtEl>
+                                        <p:attrNameLst>
+                                          <p:attrName>ppt_x</p:attrName>
+                                        </p:attrNameLst>
+                                      </p:cBhvr>
+                                      <p:tavLst>
+                                        <p:tav tm="0">
+                                          <p:val>
+                                            <p:strVal val="#ppt_x"/>
+                                          </p:val>
+                                        </p:tav>
+                                        <p:tav tm="100000">
+                                          <p:val>
+                                            <p:strVal val="#ppt_x"/>
+                                          </p:val>
+                                        </p:tav>
+                                      </p:tavLst>
+                                    </p:anim>
+                                    <p:anim calcmode="lin" valueType="num">
+                                      <p:cBhvr additive="base">
+                                        <p:cTn id="25" dur="500" fill="hold"/>
+                                        <p:tgtEl>
+                                          <p:spTgt spid="3"/>
+                                        </p:tgtEl>
+                                        <p:attrNameLst>
+                                          <p:attrName>ppt_y</p:attrName>
+                                        </p:attrNameLst>
+                                      </p:cBhvr>
+                                      <p:tavLst>
+                                        <p:tav tm="0">
+                                          <p:val>
+                                            <p:strVal val="1+#ppt_h/2"/>
+                                          </p:val>
+                                        </p:tav>
+                                        <p:tav tm="100000">
+                                          <p:val>
+                                            <p:strVal val="#ppt_y"/>
+                                          </p:val>
+                                        </p:tav>
+                                      </p:tavLst>
+                                    </p:anim>
+                                  </p:childTnLst>
+                                </p:cTn>
+                              </p:par>
+                            </p:childTnLst>
+                          </p:cTn>
+                        </p:par>
+                        <p:par>
+                          <p:cTn id="26" fill="hold">
+                            <p:stCondLst>
+                              <p:cond delay="2000"/>
+                            </p:stCondLst>
+                            <p:childTnLst>
+                              <p:par>
+                                <p:cTn id="27" presetID="2" presetClass="entr" presetSubtype="4" fill="hold" nodeType="afterEffect">
+                                  <p:stCondLst>
+                                    <p:cond delay="0"/>
+                                  </p:stCondLst>
+                                  <p:childTnLst>
+                                    <p:set>
+                                      <p:cBhvr>
+                                        <p:cTn id="28" dur="1" fill="hold">
+                                          <p:stCondLst>
+                                            <p:cond delay="0"/>
+                                          </p:stCondLst>
+                                        </p:cTn>
+                                        <p:tgtEl>
+                                          <p:spTgt spid="5"/>
+                                        </p:tgtEl>
+                                        <p:attrNameLst>
+                                          <p:attrName>style.visibility</p:attrName>
+                                        </p:attrNameLst>
+                                      </p:cBhvr>
+                                      <p:to>
+                                        <p:strVal val="visible"/>
+                                      </p:to>
+                                    </p:set>
+                                    <p:anim calcmode="lin" valueType="num">
+                                      <p:cBhvr additive="base">
+                                        <p:cTn id="29" dur="500" fill="hold"/>
+                                        <p:tgtEl>
+                                          <p:spTgt spid="5"/>
+                                        </p:tgtEl>
+                                        <p:attrNameLst>
+                                          <p:attrName>ppt_x</p:attrName>
+                                        </p:attrNameLst>
+                                      </p:cBhvr>
+                                      <p:tavLst>
+                                        <p:tav tm="0">
+                                          <p:val>
+                                            <p:strVal val="#ppt_x"/>
+                                          </p:val>
+                                        </p:tav>
+                                        <p:tav tm="100000">
+                                          <p:val>
+                                            <p:strVal val="#ppt_x"/>
+                                          </p:val>
+                                        </p:tav>
+                                      </p:tavLst>
+                                    </p:anim>
+                                    <p:anim calcmode="lin" valueType="num">
+                                      <p:cBhvr additive="base">
+                                        <p:cTn id="30" dur="500" fill="hold"/>
+                                        <p:tgtEl>
+                                          <p:spTgt spid="5"/>
+                                        </p:tgtEl>
+                                        <p:attrNameLst>
+                                          <p:attrName>ppt_y</p:attrName>
+                                        </p:attrNameLst>
+                                      </p:cBhvr>
+                                      <p:tavLst>
+                                        <p:tav tm="0">
+                                          <p:val>
+                                            <p:strVal val="1+#ppt_h/2"/>
+                                          </p:val>
+                                        </p:tav>
+                                        <p:tav tm="100000">
+                                          <p:val>
+                                            <p:strVal val="#ppt_y"/>
+                                          </p:val>
+                                        </p:tav>
+                                      </p:tavLst>
+                                    </p:anim>
+                                  </p:childTnLst>
+                                </p:cTn>
+                              </p:par>
+                            </p:childTnLst>
+                          </p:cTn>
+                        </p:par>
+                        <p:par>
+                          <p:cTn id="31" fill="hold">
+                            <p:stCondLst>
+                              <p:cond delay="2500"/>
+                            </p:stCondLst>
+                            <p:childTnLst>
+                              <p:par>
+                                <p:cTn id="32" presetID="2" presetClass="entr" presetSubtype="4" fill="hold" nodeType="afterEffect">
+                                  <p:stCondLst>
+                                    <p:cond delay="0"/>
+                                  </p:stCondLst>
+                                  <p:childTnLst>
+                                    <p:set>
+                                      <p:cBhvr>
+                                        <p:cTn id="33" dur="1" fill="hold">
+                                          <p:stCondLst>
+                                            <p:cond delay="0"/>
+                                          </p:stCondLst>
+                                        </p:cTn>
+                                        <p:tgtEl>
+                                          <p:spTgt spid="9"/>
+                                        </p:tgtEl>
+                                        <p:attrNameLst>
+                                          <p:attrName>style.visibility</p:attrName>
+                                        </p:attrNameLst>
+                                      </p:cBhvr>
+                                      <p:to>
+                                        <p:strVal val="visible"/>
+                                      </p:to>
+                                    </p:set>
+                                    <p:anim calcmode="lin" valueType="num">
+                                      <p:cBhvr additive="base">
+                                        <p:cTn id="34" dur="500" fill="hold"/>
+                                        <p:tgtEl>
+                                          <p:spTgt spid="9"/>
+                                        </p:tgtEl>
+                                        <p:attrNameLst>
+                                          <p:attrName>ppt_x</p:attrName>
+                                        </p:attrNameLst>
+                                      </p:cBhvr>
+                                      <p:tavLst>
+                                        <p:tav tm="0">
+                                          <p:val>
+                                            <p:strVal val="#ppt_x"/>
+                                          </p:val>
+                                        </p:tav>
+                                        <p:tav tm="100000">
+                                          <p:val>
+                                            <p:strVal val="#ppt_x"/>
+                                          </p:val>
+                                        </p:tav>
+                                      </p:tavLst>
+                                    </p:anim>
+                                    <p:anim calcmode="lin" valueType="num">
+                                      <p:cBhvr additive="base">
+                                        <p:cTn id="35" dur="500" fill="hold"/>
+                                        <p:tgtEl>
+                                          <p:spTgt spid="9"/>
+                                        </p:tgtEl>
+                                        <p:attrNameLst>
+                                          <p:attrName>ppt_y</p:attrName>
+                                        </p:attrNameLst>
+                                      </p:cBhvr>
+                                      <p:tavLst>
+                                        <p:tav tm="0">
+                                          <p:val>
+                                            <p:strVal val="1+#ppt_h/2"/>
+                                          </p:val>
+                                        </p:tav>
+                                        <p:tav tm="100000">
+                                          <p:val>
+                                            <p:strVal val="#ppt_y"/>
+                                          </p:val>
+                                        </p:tav>
+                                      </p:tavLst>
+                                    </p:anim>
+                                  </p:childTnLst>
+                                </p:cTn>
+                              </p:par>
+                            </p:childTnLst>
+                          </p:cTn>
+                        </p:par>
+                      </p:childTnLst>
+                    </p:cTn>
+                  </p:par>
+                </p:childTnLst>
+              </p:cTn>
+              <p:prevCondLst>
+                <p:cond evt="onPrev" delay="0">
+                  <p:tgtEl>
+                    <p:sldTgt/>
+                  </p:tgtEl>
+                </p:cond>
+              </p:prevCondLst>
+              <p:nextCondLst>
+                <p:cond evt="onNext" delay="0">
+                  <p:tgtEl>
+                    <p:sldTgt/>
+                  </p:tgtEl>
+                </p:cond>
+              </p:nextCondLst>
+            </p:seq>
+            <p:audio isNarration="1">
+              <p:cMediaNode vol="80000" showWhenStopped="0">
+                <p:cTn id="36" fill="hold" display="0">
+                  <p:stCondLst>
+                    <p:cond delay="indefinite"/>
+                  </p:stCondLst>
+                  <p:endCondLst>
+                    <p:cond evt="onStopAudio" delay="0">
+                      <p:tgtEl>
+                        <p:sldTgt/>
+                      </p:tgtEl>
+                    </p:cond>
+                  </p:endCondLst>
+                </p:cTn>
+                <p:tgtEl>
+                  <p:spTgt spid="12"/>
+                </p:tgtEl>
+              </p:cMediaNode>
+            </p:audio>
+          </p:childTnLst>
+        </p:cTn>
+      </p:par>
+    </p:tnLst>
+    <p:bldLst>
+      <p:bldP spid="6" grpId="0" animBg="1"/>
+      <p:bldP spid="7" grpId="0"/>
+      <p:bldP spid="2" grpId="0"/>
+      <p:bldP spid="3" grpId="0"/>
     </p:bldLst>
   </p:timing>
 </p:sld>

--- a/专题：前端面试/HTML面试题/HTML5.pptx
+++ b/专题：前端面试/HTML面试题/HTML5.pptx
@@ -6,7 +6,7 @@
     <p:sldMasterId id="2147483726" r:id="rId2"/>
   </p:sldMasterIdLst>
   <p:notesMasterIdLst>
-    <p:notesMasterId r:id="rId8"/>
+    <p:notesMasterId r:id="rId9"/>
   </p:notesMasterIdLst>
   <p:sldIdLst>
     <p:sldId id="256" r:id="rId3"/>
@@ -14,6 +14,7 @@
     <p:sldId id="258" r:id="rId5"/>
     <p:sldId id="259" r:id="rId6"/>
     <p:sldId id="260" r:id="rId7"/>
+    <p:sldId id="261" r:id="rId8"/>
   </p:sldIdLst>
   <p:sldSz cx="12192000" cy="6858000"/>
   <p:notesSz cx="6858000" cy="9144000"/>
@@ -202,7 +203,7 @@
           <a:p>
             <a:fld id="{E08CB5C6-4D78-4813-ACCA-6B63A5429FBA}" type="datetimeFigureOut">
               <a:rPr lang="zh-CN" altLang="en-US" smtClean="0"/>
-              <a:t>2023/8/23</a:t>
+              <a:t>2023/8/26</a:t>
             </a:fld>
             <a:endParaRPr lang="zh-CN" altLang="en-US"/>
           </a:p>
@@ -805,6 +806,90 @@
 </p:notes>
 </file>
 
+<file path=ppt/notesSlides/notesSlide5.xml><?xml version="1.0" encoding="utf-8"?>
+<p:notes xmlns:a="http://schemas.openxmlformats.org/drawingml/2006/main" xmlns:r="http://schemas.openxmlformats.org/officeDocument/2006/relationships" xmlns:p="http://schemas.openxmlformats.org/presentationml/2006/main">
+  <p:cSld>
+    <p:spTree>
+      <p:nvGrpSpPr>
+        <p:cNvPr id="1" name=""/>
+        <p:cNvGrpSpPr/>
+        <p:nvPr/>
+      </p:nvGrpSpPr>
+      <p:grpSpPr>
+        <a:xfrm>
+          <a:off x="0" y="0"/>
+          <a:ext cx="0" cy="0"/>
+          <a:chOff x="0" y="0"/>
+          <a:chExt cx="0" cy="0"/>
+        </a:xfrm>
+      </p:grpSpPr>
+      <p:sp>
+        <p:nvSpPr>
+          <p:cNvPr id="2" name="幻灯片图像占位符 1"/>
+          <p:cNvSpPr>
+            <a:spLocks noGrp="1" noRot="1" noChangeAspect="1"/>
+          </p:cNvSpPr>
+          <p:nvPr>
+            <p:ph type="sldImg"/>
+          </p:nvPr>
+        </p:nvSpPr>
+        <p:spPr/>
+      </p:sp>
+      <p:sp>
+        <p:nvSpPr>
+          <p:cNvPr id="3" name="备注占位符 2"/>
+          <p:cNvSpPr>
+            <a:spLocks noGrp="1"/>
+          </p:cNvSpPr>
+          <p:nvPr>
+            <p:ph type="body" idx="1"/>
+          </p:nvPr>
+        </p:nvSpPr>
+        <p:spPr/>
+        <p:txBody>
+          <a:bodyPr/>
+          <a:lstStyle/>
+          <a:p>
+            <a:endParaRPr lang="zh-CN" altLang="en-US"/>
+          </a:p>
+        </p:txBody>
+      </p:sp>
+      <p:sp>
+        <p:nvSpPr>
+          <p:cNvPr id="4" name="灯片编号占位符 3"/>
+          <p:cNvSpPr>
+            <a:spLocks noGrp="1"/>
+          </p:cNvSpPr>
+          <p:nvPr>
+            <p:ph type="sldNum" sz="quarter" idx="5"/>
+          </p:nvPr>
+        </p:nvSpPr>
+        <p:spPr/>
+        <p:txBody>
+          <a:bodyPr/>
+          <a:lstStyle/>
+          <a:p>
+            <a:fld id="{37E66AE1-6A1E-4173-A473-C5266C87DB5F}" type="slidenum">
+              <a:rPr lang="zh-CN" altLang="en-US" smtClean="0"/>
+              <a:t>6</a:t>
+            </a:fld>
+            <a:endParaRPr lang="zh-CN" altLang="en-US"/>
+          </a:p>
+        </p:txBody>
+      </p:sp>
+    </p:spTree>
+    <p:extLst>
+      <p:ext uri="{BB962C8B-B14F-4D97-AF65-F5344CB8AC3E}">
+        <p14:creationId xmlns:p14="http://schemas.microsoft.com/office/powerpoint/2010/main" val="2427672186"/>
+      </p:ext>
+    </p:extLst>
+  </p:cSld>
+  <p:clrMapOvr>
+    <a:masterClrMapping/>
+  </p:clrMapOvr>
+</p:notes>
+</file>
+
 <file path=ppt/slideLayouts/slideLayout1.xml><?xml version="1.0" encoding="utf-8"?>
 <p:sldLayout xmlns:a="http://schemas.openxmlformats.org/drawingml/2006/main" xmlns:r="http://schemas.openxmlformats.org/officeDocument/2006/relationships" xmlns:p="http://schemas.openxmlformats.org/presentationml/2006/main" type="title" preserve="1">
   <p:cSld name="标题幻灯片">
@@ -947,7 +1032,7 @@
           <a:p>
             <a:fld id="{DA7729DA-0204-4555-8E66-A5D5D7DF01E4}" type="datetimeFigureOut">
               <a:rPr lang="zh-CN" altLang="en-US" smtClean="0"/>
-              <a:t>2023/8/23</a:t>
+              <a:t>2023/8/26</a:t>
             </a:fld>
             <a:endParaRPr lang="zh-CN" altLang="en-US"/>
           </a:p>
@@ -1117,7 +1202,7 @@
           <a:p>
             <a:fld id="{DA7729DA-0204-4555-8E66-A5D5D7DF01E4}" type="datetimeFigureOut">
               <a:rPr lang="zh-CN" altLang="en-US" smtClean="0"/>
-              <a:t>2023/8/23</a:t>
+              <a:t>2023/8/26</a:t>
             </a:fld>
             <a:endParaRPr lang="zh-CN" altLang="en-US"/>
           </a:p>
@@ -1297,7 +1382,7 @@
           <a:p>
             <a:fld id="{DA7729DA-0204-4555-8E66-A5D5D7DF01E4}" type="datetimeFigureOut">
               <a:rPr lang="zh-CN" altLang="en-US" smtClean="0"/>
-              <a:t>2023/8/23</a:t>
+              <a:t>2023/8/26</a:t>
             </a:fld>
             <a:endParaRPr lang="zh-CN" altLang="en-US"/>
           </a:p>
@@ -1505,7 +1590,7 @@
           <a:p>
             <a:fld id="{DA7729DA-0204-4555-8E66-A5D5D7DF01E4}" type="datetimeFigureOut">
               <a:rPr lang="zh-CN" altLang="en-US" smtClean="0"/>
-              <a:t>2023/8/23</a:t>
+              <a:t>2023/8/26</a:t>
             </a:fld>
             <a:endParaRPr lang="zh-CN" altLang="en-US"/>
           </a:p>
@@ -1703,7 +1788,7 @@
           <a:p>
             <a:fld id="{DA7729DA-0204-4555-8E66-A5D5D7DF01E4}" type="datetimeFigureOut">
               <a:rPr lang="zh-CN" altLang="en-US" smtClean="0"/>
-              <a:t>2023/8/23</a:t>
+              <a:t>2023/8/26</a:t>
             </a:fld>
             <a:endParaRPr lang="zh-CN" altLang="en-US"/>
           </a:p>
@@ -1978,7 +2063,7 @@
           <a:p>
             <a:fld id="{DA7729DA-0204-4555-8E66-A5D5D7DF01E4}" type="datetimeFigureOut">
               <a:rPr lang="zh-CN" altLang="en-US" smtClean="0"/>
-              <a:t>2023/8/23</a:t>
+              <a:t>2023/8/26</a:t>
             </a:fld>
             <a:endParaRPr lang="zh-CN" altLang="en-US"/>
           </a:p>
@@ -2243,7 +2328,7 @@
           <a:p>
             <a:fld id="{DA7729DA-0204-4555-8E66-A5D5D7DF01E4}" type="datetimeFigureOut">
               <a:rPr lang="zh-CN" altLang="en-US" smtClean="0"/>
-              <a:t>2023/8/23</a:t>
+              <a:t>2023/8/26</a:t>
             </a:fld>
             <a:endParaRPr lang="zh-CN" altLang="en-US"/>
           </a:p>
@@ -2655,7 +2740,7 @@
           <a:p>
             <a:fld id="{DA7729DA-0204-4555-8E66-A5D5D7DF01E4}" type="datetimeFigureOut">
               <a:rPr lang="zh-CN" altLang="en-US" smtClean="0"/>
-              <a:t>2023/8/23</a:t>
+              <a:t>2023/8/26</a:t>
             </a:fld>
             <a:endParaRPr lang="zh-CN" altLang="en-US"/>
           </a:p>
@@ -2796,7 +2881,7 @@
           <a:p>
             <a:fld id="{DA7729DA-0204-4555-8E66-A5D5D7DF01E4}" type="datetimeFigureOut">
               <a:rPr lang="zh-CN" altLang="en-US" smtClean="0"/>
-              <a:t>2023/8/23</a:t>
+              <a:t>2023/8/26</a:t>
             </a:fld>
             <a:endParaRPr lang="zh-CN" altLang="en-US"/>
           </a:p>
@@ -2909,7 +2994,7 @@
           <a:p>
             <a:fld id="{DA7729DA-0204-4555-8E66-A5D5D7DF01E4}" type="datetimeFigureOut">
               <a:rPr lang="zh-CN" altLang="en-US" smtClean="0"/>
-              <a:t>2023/8/23</a:t>
+              <a:t>2023/8/26</a:t>
             </a:fld>
             <a:endParaRPr lang="zh-CN" altLang="en-US"/>
           </a:p>
@@ -3220,7 +3305,7 @@
           <a:p>
             <a:fld id="{DA7729DA-0204-4555-8E66-A5D5D7DF01E4}" type="datetimeFigureOut">
               <a:rPr lang="zh-CN" altLang="en-US" smtClean="0"/>
-              <a:t>2023/8/23</a:t>
+              <a:t>2023/8/26</a:t>
             </a:fld>
             <a:endParaRPr lang="zh-CN" altLang="en-US"/>
           </a:p>
@@ -3402,7 +3487,7 @@
           <a:p>
             <a:fld id="{DA7729DA-0204-4555-8E66-A5D5D7DF01E4}" type="datetimeFigureOut">
               <a:rPr lang="zh-CN" altLang="en-US" smtClean="0"/>
-              <a:t>2023/8/23</a:t>
+              <a:t>2023/8/26</a:t>
             </a:fld>
             <a:endParaRPr lang="zh-CN" altLang="en-US"/>
           </a:p>
@@ -3678,7 +3763,7 @@
           <a:p>
             <a:fld id="{DA7729DA-0204-4555-8E66-A5D5D7DF01E4}" type="datetimeFigureOut">
               <a:rPr lang="zh-CN" altLang="en-US" smtClean="0"/>
-              <a:t>2023/8/23</a:t>
+              <a:t>2023/8/26</a:t>
             </a:fld>
             <a:endParaRPr lang="zh-CN" altLang="en-US"/>
           </a:p>
@@ -3876,7 +3961,7 @@
           <a:p>
             <a:fld id="{DA7729DA-0204-4555-8E66-A5D5D7DF01E4}" type="datetimeFigureOut">
               <a:rPr lang="zh-CN" altLang="en-US" smtClean="0"/>
-              <a:t>2023/8/23</a:t>
+              <a:t>2023/8/26</a:t>
             </a:fld>
             <a:endParaRPr lang="zh-CN" altLang="en-US"/>
           </a:p>
@@ -4084,7 +4169,7 @@
           <a:p>
             <a:fld id="{DA7729DA-0204-4555-8E66-A5D5D7DF01E4}" type="datetimeFigureOut">
               <a:rPr lang="zh-CN" altLang="en-US" smtClean="0"/>
-              <a:t>2023/8/23</a:t>
+              <a:t>2023/8/26</a:t>
             </a:fld>
             <a:endParaRPr lang="zh-CN" altLang="en-US"/>
           </a:p>
@@ -4347,7 +4432,7 @@
           <a:p>
             <a:fld id="{DA7729DA-0204-4555-8E66-A5D5D7DF01E4}" type="datetimeFigureOut">
               <a:rPr lang="zh-CN" altLang="en-US" smtClean="0"/>
-              <a:t>2023/8/23</a:t>
+              <a:t>2023/8/26</a:t>
             </a:fld>
             <a:endParaRPr lang="zh-CN" altLang="en-US"/>
           </a:p>
@@ -4579,7 +4664,7 @@
           <a:p>
             <a:fld id="{DA7729DA-0204-4555-8E66-A5D5D7DF01E4}" type="datetimeFigureOut">
               <a:rPr lang="zh-CN" altLang="en-US" smtClean="0"/>
-              <a:t>2023/8/23</a:t>
+              <a:t>2023/8/26</a:t>
             </a:fld>
             <a:endParaRPr lang="zh-CN" altLang="en-US"/>
           </a:p>
@@ -4926,7 +5011,7 @@
           <a:p>
             <a:fld id="{DA7729DA-0204-4555-8E66-A5D5D7DF01E4}" type="datetimeFigureOut">
               <a:rPr lang="zh-CN" altLang="en-US" smtClean="0"/>
-              <a:t>2023/8/23</a:t>
+              <a:t>2023/8/26</a:t>
             </a:fld>
             <a:endParaRPr lang="zh-CN" altLang="en-US"/>
           </a:p>
@@ -5044,7 +5129,7 @@
           <a:p>
             <a:fld id="{DA7729DA-0204-4555-8E66-A5D5D7DF01E4}" type="datetimeFigureOut">
               <a:rPr lang="zh-CN" altLang="en-US" smtClean="0"/>
-              <a:t>2023/8/23</a:t>
+              <a:t>2023/8/26</a:t>
             </a:fld>
             <a:endParaRPr lang="zh-CN" altLang="en-US"/>
           </a:p>
@@ -5162,7 +5247,7 @@
           <a:p>
             <a:fld id="{DA7729DA-0204-4555-8E66-A5D5D7DF01E4}" type="datetimeFigureOut">
               <a:rPr lang="zh-CN" altLang="en-US" smtClean="0"/>
-              <a:t>2023/8/23</a:t>
+              <a:t>2023/8/26</a:t>
             </a:fld>
             <a:endParaRPr lang="zh-CN" altLang="en-US"/>
           </a:p>
@@ -5446,7 +5531,7 @@
           <a:p>
             <a:fld id="{DA7729DA-0204-4555-8E66-A5D5D7DF01E4}" type="datetimeFigureOut">
               <a:rPr lang="zh-CN" altLang="en-US" smtClean="0"/>
-              <a:t>2023/8/23</a:t>
+              <a:t>2023/8/26</a:t>
             </a:fld>
             <a:endParaRPr lang="zh-CN" altLang="en-US"/>
           </a:p>
@@ -5710,7 +5795,7 @@
           <a:p>
             <a:fld id="{DA7729DA-0204-4555-8E66-A5D5D7DF01E4}" type="datetimeFigureOut">
               <a:rPr lang="zh-CN" altLang="en-US" smtClean="0"/>
-              <a:t>2023/8/23</a:t>
+              <a:t>2023/8/26</a:t>
             </a:fld>
             <a:endParaRPr lang="zh-CN" altLang="en-US"/>
           </a:p>
@@ -5924,7 +6009,7 @@
           <a:p>
             <a:fld id="{DA7729DA-0204-4555-8E66-A5D5D7DF01E4}" type="datetimeFigureOut">
               <a:rPr lang="zh-CN" altLang="en-US" smtClean="0"/>
-              <a:t>2023/8/23</a:t>
+              <a:t>2023/8/26</a:t>
             </a:fld>
             <a:endParaRPr lang="zh-CN" altLang="en-US"/>
           </a:p>
@@ -6469,7 +6554,7 @@
           <a:p>
             <a:fld id="{DA7729DA-0204-4555-8E66-A5D5D7DF01E4}" type="datetimeFigureOut">
               <a:rPr lang="zh-CN" altLang="en-US" smtClean="0"/>
-              <a:t>2023/8/23</a:t>
+              <a:t>2023/8/26</a:t>
             </a:fld>
             <a:endParaRPr lang="zh-CN" altLang="en-US"/>
           </a:p>
@@ -11702,7 +11787,7 @@
 </file>
 
 <file path=ppt/slides/slide4.xml><?xml version="1.0" encoding="utf-8"?>
-<p:sld xmlns:a="http://schemas.openxmlformats.org/drawingml/2006/main" xmlns:r="http://schemas.openxmlformats.org/officeDocument/2006/relationships" xmlns:p="http://schemas.openxmlformats.org/presentationml/2006/main">
+<p:sld xmlns:a="http://schemas.openxmlformats.org/drawingml/2006/main" xmlns:r="http://schemas.openxmlformats.org/officeDocument/2006/relationships" xmlns:p="http://schemas.openxmlformats.org/presentationml/2006/main" show="0">
   <p:cSld>
     <p:bg>
       <p:bgPr>
@@ -12238,7 +12323,7 @@
 </file>
 
 <file path=ppt/slides/slide5.xml><?xml version="1.0" encoding="utf-8"?>
-<p:sld xmlns:a="http://schemas.openxmlformats.org/drawingml/2006/main" xmlns:r="http://schemas.openxmlformats.org/officeDocument/2006/relationships" xmlns:p="http://schemas.openxmlformats.org/presentationml/2006/main">
+<p:sld xmlns:a="http://schemas.openxmlformats.org/drawingml/2006/main" xmlns:r="http://schemas.openxmlformats.org/officeDocument/2006/relationships" xmlns:p="http://schemas.openxmlformats.org/presentationml/2006/main" show="0">
   <p:cSld>
     <p:spTree>
       <p:nvGrpSpPr>
@@ -12604,6 +12689,961 @@
     <p:extLst>
       <p:ext uri="{BB962C8B-B14F-4D97-AF65-F5344CB8AC3E}">
         <p14:creationId xmlns:p14="http://schemas.microsoft.com/office/powerpoint/2010/main" val="2692210832"/>
+      </p:ext>
+    </p:extLst>
+  </p:cSld>
+  <p:clrMapOvr>
+    <a:masterClrMapping/>
+  </p:clrMapOvr>
+  <p:transition spd="slow" advTm="7785">
+    <p:push dir="u"/>
+  </p:transition>
+  <p:timing>
+    <p:tnLst>
+      <p:par>
+        <p:cTn id="1" dur="indefinite" restart="never" nodeType="tmRoot">
+          <p:childTnLst>
+            <p:seq concurrent="1" nextAc="seek">
+              <p:cTn id="2" dur="indefinite" nodeType="mainSeq">
+                <p:childTnLst>
+                  <p:par>
+                    <p:cTn id="3" fill="hold">
+                      <p:stCondLst>
+                        <p:cond delay="indefinite"/>
+                        <p:cond evt="onBegin" delay="0">
+                          <p:tn val="2"/>
+                        </p:cond>
+                      </p:stCondLst>
+                      <p:childTnLst>
+                        <p:par>
+                          <p:cTn id="4" fill="hold">
+                            <p:stCondLst>
+                              <p:cond delay="0"/>
+                            </p:stCondLst>
+                            <p:childTnLst>
+                              <p:par>
+                                <p:cTn id="5" presetID="1" presetClass="mediacall" presetSubtype="0" fill="hold" nodeType="afterEffect">
+                                  <p:stCondLst>
+                                    <p:cond delay="0"/>
+                                  </p:stCondLst>
+                                  <p:childTnLst>
+                                    <p:cmd type="call" cmd="playFrom(0.0)">
+                                      <p:cBhvr>
+                                        <p:cTn id="6" dur="1" fill="hold"/>
+                                        <p:tgtEl>
+                                          <p:spTgt spid="12"/>
+                                        </p:tgtEl>
+                                      </p:cBhvr>
+                                    </p:cmd>
+                                  </p:childTnLst>
+                                </p:cTn>
+                              </p:par>
+                              <p:par>
+                                <p:cTn id="7" presetID="2" presetClass="entr" presetSubtype="4" fill="hold" grpId="0" nodeType="withEffect">
+                                  <p:stCondLst>
+                                    <p:cond delay="0"/>
+                                  </p:stCondLst>
+                                  <p:childTnLst>
+                                    <p:set>
+                                      <p:cBhvr>
+                                        <p:cTn id="8" dur="1" fill="hold">
+                                          <p:stCondLst>
+                                            <p:cond delay="0"/>
+                                          </p:stCondLst>
+                                        </p:cTn>
+                                        <p:tgtEl>
+                                          <p:spTgt spid="6"/>
+                                        </p:tgtEl>
+                                        <p:attrNameLst>
+                                          <p:attrName>style.visibility</p:attrName>
+                                        </p:attrNameLst>
+                                      </p:cBhvr>
+                                      <p:to>
+                                        <p:strVal val="visible"/>
+                                      </p:to>
+                                    </p:set>
+                                    <p:anim calcmode="lin" valueType="num">
+                                      <p:cBhvr additive="base">
+                                        <p:cTn id="9" dur="500" fill="hold"/>
+                                        <p:tgtEl>
+                                          <p:spTgt spid="6"/>
+                                        </p:tgtEl>
+                                        <p:attrNameLst>
+                                          <p:attrName>ppt_x</p:attrName>
+                                        </p:attrNameLst>
+                                      </p:cBhvr>
+                                      <p:tavLst>
+                                        <p:tav tm="0">
+                                          <p:val>
+                                            <p:strVal val="#ppt_x"/>
+                                          </p:val>
+                                        </p:tav>
+                                        <p:tav tm="100000">
+                                          <p:val>
+                                            <p:strVal val="#ppt_x"/>
+                                          </p:val>
+                                        </p:tav>
+                                      </p:tavLst>
+                                    </p:anim>
+                                    <p:anim calcmode="lin" valueType="num">
+                                      <p:cBhvr additive="base">
+                                        <p:cTn id="10" dur="500" fill="hold"/>
+                                        <p:tgtEl>
+                                          <p:spTgt spid="6"/>
+                                        </p:tgtEl>
+                                        <p:attrNameLst>
+                                          <p:attrName>ppt_y</p:attrName>
+                                        </p:attrNameLst>
+                                      </p:cBhvr>
+                                      <p:tavLst>
+                                        <p:tav tm="0">
+                                          <p:val>
+                                            <p:strVal val="1+#ppt_h/2"/>
+                                          </p:val>
+                                        </p:tav>
+                                        <p:tav tm="100000">
+                                          <p:val>
+                                            <p:strVal val="#ppt_y"/>
+                                          </p:val>
+                                        </p:tav>
+                                      </p:tavLst>
+                                    </p:anim>
+                                  </p:childTnLst>
+                                </p:cTn>
+                              </p:par>
+                            </p:childTnLst>
+                          </p:cTn>
+                        </p:par>
+                        <p:par>
+                          <p:cTn id="11" fill="hold">
+                            <p:stCondLst>
+                              <p:cond delay="500"/>
+                            </p:stCondLst>
+                            <p:childTnLst>
+                              <p:par>
+                                <p:cTn id="12" presetID="2" presetClass="entr" presetSubtype="4" fill="hold" grpId="0" nodeType="afterEffect">
+                                  <p:stCondLst>
+                                    <p:cond delay="0"/>
+                                  </p:stCondLst>
+                                  <p:childTnLst>
+                                    <p:set>
+                                      <p:cBhvr>
+                                        <p:cTn id="13" dur="1" fill="hold">
+                                          <p:stCondLst>
+                                            <p:cond delay="0"/>
+                                          </p:stCondLst>
+                                        </p:cTn>
+                                        <p:tgtEl>
+                                          <p:spTgt spid="7"/>
+                                        </p:tgtEl>
+                                        <p:attrNameLst>
+                                          <p:attrName>style.visibility</p:attrName>
+                                        </p:attrNameLst>
+                                      </p:cBhvr>
+                                      <p:to>
+                                        <p:strVal val="visible"/>
+                                      </p:to>
+                                    </p:set>
+                                    <p:anim calcmode="lin" valueType="num">
+                                      <p:cBhvr additive="base">
+                                        <p:cTn id="14" dur="500" fill="hold"/>
+                                        <p:tgtEl>
+                                          <p:spTgt spid="7"/>
+                                        </p:tgtEl>
+                                        <p:attrNameLst>
+                                          <p:attrName>ppt_x</p:attrName>
+                                        </p:attrNameLst>
+                                      </p:cBhvr>
+                                      <p:tavLst>
+                                        <p:tav tm="0">
+                                          <p:val>
+                                            <p:strVal val="#ppt_x"/>
+                                          </p:val>
+                                        </p:tav>
+                                        <p:tav tm="100000">
+                                          <p:val>
+                                            <p:strVal val="#ppt_x"/>
+                                          </p:val>
+                                        </p:tav>
+                                      </p:tavLst>
+                                    </p:anim>
+                                    <p:anim calcmode="lin" valueType="num">
+                                      <p:cBhvr additive="base">
+                                        <p:cTn id="15" dur="500" fill="hold"/>
+                                        <p:tgtEl>
+                                          <p:spTgt spid="7"/>
+                                        </p:tgtEl>
+                                        <p:attrNameLst>
+                                          <p:attrName>ppt_y</p:attrName>
+                                        </p:attrNameLst>
+                                      </p:cBhvr>
+                                      <p:tavLst>
+                                        <p:tav tm="0">
+                                          <p:val>
+                                            <p:strVal val="1+#ppt_h/2"/>
+                                          </p:val>
+                                        </p:tav>
+                                        <p:tav tm="100000">
+                                          <p:val>
+                                            <p:strVal val="#ppt_y"/>
+                                          </p:val>
+                                        </p:tav>
+                                      </p:tavLst>
+                                    </p:anim>
+                                  </p:childTnLst>
+                                </p:cTn>
+                              </p:par>
+                            </p:childTnLst>
+                          </p:cTn>
+                        </p:par>
+                        <p:par>
+                          <p:cTn id="16" fill="hold">
+                            <p:stCondLst>
+                              <p:cond delay="1000"/>
+                            </p:stCondLst>
+                            <p:childTnLst>
+                              <p:par>
+                                <p:cTn id="17" presetID="2" presetClass="entr" presetSubtype="4" fill="hold" grpId="0" nodeType="afterEffect">
+                                  <p:stCondLst>
+                                    <p:cond delay="0"/>
+                                  </p:stCondLst>
+                                  <p:childTnLst>
+                                    <p:set>
+                                      <p:cBhvr>
+                                        <p:cTn id="18" dur="1" fill="hold">
+                                          <p:stCondLst>
+                                            <p:cond delay="0"/>
+                                          </p:stCondLst>
+                                        </p:cTn>
+                                        <p:tgtEl>
+                                          <p:spTgt spid="2"/>
+                                        </p:tgtEl>
+                                        <p:attrNameLst>
+                                          <p:attrName>style.visibility</p:attrName>
+                                        </p:attrNameLst>
+                                      </p:cBhvr>
+                                      <p:to>
+                                        <p:strVal val="visible"/>
+                                      </p:to>
+                                    </p:set>
+                                    <p:anim calcmode="lin" valueType="num">
+                                      <p:cBhvr additive="base">
+                                        <p:cTn id="19" dur="500" fill="hold"/>
+                                        <p:tgtEl>
+                                          <p:spTgt spid="2"/>
+                                        </p:tgtEl>
+                                        <p:attrNameLst>
+                                          <p:attrName>ppt_x</p:attrName>
+                                        </p:attrNameLst>
+                                      </p:cBhvr>
+                                      <p:tavLst>
+                                        <p:tav tm="0">
+                                          <p:val>
+                                            <p:strVal val="#ppt_x"/>
+                                          </p:val>
+                                        </p:tav>
+                                        <p:tav tm="100000">
+                                          <p:val>
+                                            <p:strVal val="#ppt_x"/>
+                                          </p:val>
+                                        </p:tav>
+                                      </p:tavLst>
+                                    </p:anim>
+                                    <p:anim calcmode="lin" valueType="num">
+                                      <p:cBhvr additive="base">
+                                        <p:cTn id="20" dur="500" fill="hold"/>
+                                        <p:tgtEl>
+                                          <p:spTgt spid="2"/>
+                                        </p:tgtEl>
+                                        <p:attrNameLst>
+                                          <p:attrName>ppt_y</p:attrName>
+                                        </p:attrNameLst>
+                                      </p:cBhvr>
+                                      <p:tavLst>
+                                        <p:tav tm="0">
+                                          <p:val>
+                                            <p:strVal val="1+#ppt_h/2"/>
+                                          </p:val>
+                                        </p:tav>
+                                        <p:tav tm="100000">
+                                          <p:val>
+                                            <p:strVal val="#ppt_y"/>
+                                          </p:val>
+                                        </p:tav>
+                                      </p:tavLst>
+                                    </p:anim>
+                                  </p:childTnLst>
+                                </p:cTn>
+                              </p:par>
+                            </p:childTnLst>
+                          </p:cTn>
+                        </p:par>
+                        <p:par>
+                          <p:cTn id="21" fill="hold">
+                            <p:stCondLst>
+                              <p:cond delay="1500"/>
+                            </p:stCondLst>
+                            <p:childTnLst>
+                              <p:par>
+                                <p:cTn id="22" presetID="2" presetClass="entr" presetSubtype="4" fill="hold" grpId="0" nodeType="afterEffect">
+                                  <p:stCondLst>
+                                    <p:cond delay="0"/>
+                                  </p:stCondLst>
+                                  <p:childTnLst>
+                                    <p:set>
+                                      <p:cBhvr>
+                                        <p:cTn id="23" dur="1" fill="hold">
+                                          <p:stCondLst>
+                                            <p:cond delay="0"/>
+                                          </p:stCondLst>
+                                        </p:cTn>
+                                        <p:tgtEl>
+                                          <p:spTgt spid="3"/>
+                                        </p:tgtEl>
+                                        <p:attrNameLst>
+                                          <p:attrName>style.visibility</p:attrName>
+                                        </p:attrNameLst>
+                                      </p:cBhvr>
+                                      <p:to>
+                                        <p:strVal val="visible"/>
+                                      </p:to>
+                                    </p:set>
+                                    <p:anim calcmode="lin" valueType="num">
+                                      <p:cBhvr additive="base">
+                                        <p:cTn id="24" dur="500" fill="hold"/>
+                                        <p:tgtEl>
+                                          <p:spTgt spid="3"/>
+                                        </p:tgtEl>
+                                        <p:attrNameLst>
+                                          <p:attrName>ppt_x</p:attrName>
+                                        </p:attrNameLst>
+                                      </p:cBhvr>
+                                      <p:tavLst>
+                                        <p:tav tm="0">
+                                          <p:val>
+                                            <p:strVal val="#ppt_x"/>
+                                          </p:val>
+                                        </p:tav>
+                                        <p:tav tm="100000">
+                                          <p:val>
+                                            <p:strVal val="#ppt_x"/>
+                                          </p:val>
+                                        </p:tav>
+                                      </p:tavLst>
+                                    </p:anim>
+                                    <p:anim calcmode="lin" valueType="num">
+                                      <p:cBhvr additive="base">
+                                        <p:cTn id="25" dur="500" fill="hold"/>
+                                        <p:tgtEl>
+                                          <p:spTgt spid="3"/>
+                                        </p:tgtEl>
+                                        <p:attrNameLst>
+                                          <p:attrName>ppt_y</p:attrName>
+                                        </p:attrNameLst>
+                                      </p:cBhvr>
+                                      <p:tavLst>
+                                        <p:tav tm="0">
+                                          <p:val>
+                                            <p:strVal val="1+#ppt_h/2"/>
+                                          </p:val>
+                                        </p:tav>
+                                        <p:tav tm="100000">
+                                          <p:val>
+                                            <p:strVal val="#ppt_y"/>
+                                          </p:val>
+                                        </p:tav>
+                                      </p:tavLst>
+                                    </p:anim>
+                                  </p:childTnLst>
+                                </p:cTn>
+                              </p:par>
+                            </p:childTnLst>
+                          </p:cTn>
+                        </p:par>
+                        <p:par>
+                          <p:cTn id="26" fill="hold">
+                            <p:stCondLst>
+                              <p:cond delay="2000"/>
+                            </p:stCondLst>
+                            <p:childTnLst>
+                              <p:par>
+                                <p:cTn id="27" presetID="2" presetClass="entr" presetSubtype="4" fill="hold" nodeType="afterEffect">
+                                  <p:stCondLst>
+                                    <p:cond delay="0"/>
+                                  </p:stCondLst>
+                                  <p:childTnLst>
+                                    <p:set>
+                                      <p:cBhvr>
+                                        <p:cTn id="28" dur="1" fill="hold">
+                                          <p:stCondLst>
+                                            <p:cond delay="0"/>
+                                          </p:stCondLst>
+                                        </p:cTn>
+                                        <p:tgtEl>
+                                          <p:spTgt spid="5"/>
+                                        </p:tgtEl>
+                                        <p:attrNameLst>
+                                          <p:attrName>style.visibility</p:attrName>
+                                        </p:attrNameLst>
+                                      </p:cBhvr>
+                                      <p:to>
+                                        <p:strVal val="visible"/>
+                                      </p:to>
+                                    </p:set>
+                                    <p:anim calcmode="lin" valueType="num">
+                                      <p:cBhvr additive="base">
+                                        <p:cTn id="29" dur="500" fill="hold"/>
+                                        <p:tgtEl>
+                                          <p:spTgt spid="5"/>
+                                        </p:tgtEl>
+                                        <p:attrNameLst>
+                                          <p:attrName>ppt_x</p:attrName>
+                                        </p:attrNameLst>
+                                      </p:cBhvr>
+                                      <p:tavLst>
+                                        <p:tav tm="0">
+                                          <p:val>
+                                            <p:strVal val="#ppt_x"/>
+                                          </p:val>
+                                        </p:tav>
+                                        <p:tav tm="100000">
+                                          <p:val>
+                                            <p:strVal val="#ppt_x"/>
+                                          </p:val>
+                                        </p:tav>
+                                      </p:tavLst>
+                                    </p:anim>
+                                    <p:anim calcmode="lin" valueType="num">
+                                      <p:cBhvr additive="base">
+                                        <p:cTn id="30" dur="500" fill="hold"/>
+                                        <p:tgtEl>
+                                          <p:spTgt spid="5"/>
+                                        </p:tgtEl>
+                                        <p:attrNameLst>
+                                          <p:attrName>ppt_y</p:attrName>
+                                        </p:attrNameLst>
+                                      </p:cBhvr>
+                                      <p:tavLst>
+                                        <p:tav tm="0">
+                                          <p:val>
+                                            <p:strVal val="1+#ppt_h/2"/>
+                                          </p:val>
+                                        </p:tav>
+                                        <p:tav tm="100000">
+                                          <p:val>
+                                            <p:strVal val="#ppt_y"/>
+                                          </p:val>
+                                        </p:tav>
+                                      </p:tavLst>
+                                    </p:anim>
+                                  </p:childTnLst>
+                                </p:cTn>
+                              </p:par>
+                            </p:childTnLst>
+                          </p:cTn>
+                        </p:par>
+                        <p:par>
+                          <p:cTn id="31" fill="hold">
+                            <p:stCondLst>
+                              <p:cond delay="2500"/>
+                            </p:stCondLst>
+                            <p:childTnLst>
+                              <p:par>
+                                <p:cTn id="32" presetID="2" presetClass="entr" presetSubtype="4" fill="hold" nodeType="afterEffect">
+                                  <p:stCondLst>
+                                    <p:cond delay="0"/>
+                                  </p:stCondLst>
+                                  <p:childTnLst>
+                                    <p:set>
+                                      <p:cBhvr>
+                                        <p:cTn id="33" dur="1" fill="hold">
+                                          <p:stCondLst>
+                                            <p:cond delay="0"/>
+                                          </p:stCondLst>
+                                        </p:cTn>
+                                        <p:tgtEl>
+                                          <p:spTgt spid="9"/>
+                                        </p:tgtEl>
+                                        <p:attrNameLst>
+                                          <p:attrName>style.visibility</p:attrName>
+                                        </p:attrNameLst>
+                                      </p:cBhvr>
+                                      <p:to>
+                                        <p:strVal val="visible"/>
+                                      </p:to>
+                                    </p:set>
+                                    <p:anim calcmode="lin" valueType="num">
+                                      <p:cBhvr additive="base">
+                                        <p:cTn id="34" dur="500" fill="hold"/>
+                                        <p:tgtEl>
+                                          <p:spTgt spid="9"/>
+                                        </p:tgtEl>
+                                        <p:attrNameLst>
+                                          <p:attrName>ppt_x</p:attrName>
+                                        </p:attrNameLst>
+                                      </p:cBhvr>
+                                      <p:tavLst>
+                                        <p:tav tm="0">
+                                          <p:val>
+                                            <p:strVal val="#ppt_x"/>
+                                          </p:val>
+                                        </p:tav>
+                                        <p:tav tm="100000">
+                                          <p:val>
+                                            <p:strVal val="#ppt_x"/>
+                                          </p:val>
+                                        </p:tav>
+                                      </p:tavLst>
+                                    </p:anim>
+                                    <p:anim calcmode="lin" valueType="num">
+                                      <p:cBhvr additive="base">
+                                        <p:cTn id="35" dur="500" fill="hold"/>
+                                        <p:tgtEl>
+                                          <p:spTgt spid="9"/>
+                                        </p:tgtEl>
+                                        <p:attrNameLst>
+                                          <p:attrName>ppt_y</p:attrName>
+                                        </p:attrNameLst>
+                                      </p:cBhvr>
+                                      <p:tavLst>
+                                        <p:tav tm="0">
+                                          <p:val>
+                                            <p:strVal val="1+#ppt_h/2"/>
+                                          </p:val>
+                                        </p:tav>
+                                        <p:tav tm="100000">
+                                          <p:val>
+                                            <p:strVal val="#ppt_y"/>
+                                          </p:val>
+                                        </p:tav>
+                                      </p:tavLst>
+                                    </p:anim>
+                                  </p:childTnLst>
+                                </p:cTn>
+                              </p:par>
+                            </p:childTnLst>
+                          </p:cTn>
+                        </p:par>
+                      </p:childTnLst>
+                    </p:cTn>
+                  </p:par>
+                </p:childTnLst>
+              </p:cTn>
+              <p:prevCondLst>
+                <p:cond evt="onPrev" delay="0">
+                  <p:tgtEl>
+                    <p:sldTgt/>
+                  </p:tgtEl>
+                </p:cond>
+              </p:prevCondLst>
+              <p:nextCondLst>
+                <p:cond evt="onNext" delay="0">
+                  <p:tgtEl>
+                    <p:sldTgt/>
+                  </p:tgtEl>
+                </p:cond>
+              </p:nextCondLst>
+            </p:seq>
+            <p:audio isNarration="1">
+              <p:cMediaNode vol="80000" showWhenStopped="0">
+                <p:cTn id="36" fill="hold" display="0">
+                  <p:stCondLst>
+                    <p:cond delay="indefinite"/>
+                  </p:stCondLst>
+                  <p:endCondLst>
+                    <p:cond evt="onStopAudio" delay="0">
+                      <p:tgtEl>
+                        <p:sldTgt/>
+                      </p:tgtEl>
+                    </p:cond>
+                  </p:endCondLst>
+                </p:cTn>
+                <p:tgtEl>
+                  <p:spTgt spid="12"/>
+                </p:tgtEl>
+              </p:cMediaNode>
+            </p:audio>
+          </p:childTnLst>
+        </p:cTn>
+      </p:par>
+    </p:tnLst>
+    <p:bldLst>
+      <p:bldP spid="6" grpId="0" animBg="1"/>
+      <p:bldP spid="7" grpId="0"/>
+      <p:bldP spid="2" grpId="0"/>
+      <p:bldP spid="3" grpId="0"/>
+    </p:bldLst>
+  </p:timing>
+</p:sld>
+</file>
+
+<file path=ppt/slides/slide6.xml><?xml version="1.0" encoding="utf-8"?>
+<p:sld xmlns:a="http://schemas.openxmlformats.org/drawingml/2006/main" xmlns:r="http://schemas.openxmlformats.org/officeDocument/2006/relationships" xmlns:p="http://schemas.openxmlformats.org/presentationml/2006/main">
+  <p:cSld>
+    <p:spTree>
+      <p:nvGrpSpPr>
+        <p:cNvPr id="1" name=""/>
+        <p:cNvGrpSpPr/>
+        <p:nvPr/>
+      </p:nvGrpSpPr>
+      <p:grpSpPr>
+        <a:xfrm>
+          <a:off x="0" y="0"/>
+          <a:ext cx="0" cy="0"/>
+          <a:chOff x="0" y="0"/>
+          <a:chExt cx="0" cy="0"/>
+        </a:xfrm>
+      </p:grpSpPr>
+      <p:sp>
+        <p:nvSpPr>
+          <p:cNvPr id="6" name="文本框 5">
+            <a:extLst>
+              <a:ext uri="{FF2B5EF4-FFF2-40B4-BE49-F238E27FC236}">
+                <a16:creationId xmlns:a16="http://schemas.microsoft.com/office/drawing/2014/main" id="{5FBA89F2-2168-BE62-7277-4212043A34C1}"/>
+              </a:ext>
+            </a:extLst>
+          </p:cNvPr>
+          <p:cNvSpPr txBox="1"/>
+          <p:nvPr/>
+        </p:nvSpPr>
+        <p:spPr>
+          <a:xfrm>
+            <a:off x="0" y="-22364"/>
+            <a:ext cx="12192000" cy="783255"/>
+          </a:xfrm>
+          <a:prstGeom prst="rect">
+            <a:avLst/>
+          </a:prstGeom>
+          <a:solidFill>
+            <a:schemeClr val="accent1"/>
+          </a:solidFill>
+        </p:spPr>
+        <p:txBody>
+          <a:bodyPr wrap="square" tIns="144000" bIns="144000" rtlCol="0">
+            <a:spAutoFit/>
+          </a:bodyPr>
+          <a:lstStyle/>
+          <a:p>
+            <a:pPr algn="ctr"/>
+            <a:r>
+              <a:rPr lang="zh-CN" altLang="en-US" sz="3200" dirty="0"/>
+              <a:t>什么是 </a:t>
+            </a:r>
+            <a:r>
+              <a:rPr lang="en-US" altLang="zh-CN" sz="3200" dirty="0"/>
+              <a:t>DOCTYPE</a:t>
+            </a:r>
+            <a:r>
+              <a:rPr lang="zh-CN" altLang="en-US" sz="3200" dirty="0"/>
+              <a:t>， 有何作用？</a:t>
+            </a:r>
+          </a:p>
+        </p:txBody>
+      </p:sp>
+      <p:sp>
+        <p:nvSpPr>
+          <p:cNvPr id="7" name="文本框 6">
+            <a:extLst>
+              <a:ext uri="{FF2B5EF4-FFF2-40B4-BE49-F238E27FC236}">
+                <a16:creationId xmlns:a16="http://schemas.microsoft.com/office/drawing/2014/main" id="{FE9C9A46-57AB-E412-2E96-622AB9757659}"/>
+              </a:ext>
+            </a:extLst>
+          </p:cNvPr>
+          <p:cNvSpPr txBox="1"/>
+          <p:nvPr/>
+        </p:nvSpPr>
+        <p:spPr>
+          <a:xfrm>
+            <a:off x="3111906" y="805979"/>
+            <a:ext cx="5968181" cy="569515"/>
+          </a:xfrm>
+          <a:prstGeom prst="rect">
+            <a:avLst/>
+          </a:prstGeom>
+          <a:noFill/>
+        </p:spPr>
+        <p:txBody>
+          <a:bodyPr wrap="square" rtlCol="0">
+            <a:spAutoFit/>
+          </a:bodyPr>
+          <a:lstStyle/>
+          <a:p>
+            <a:pPr marL="285750" indent="-285750">
+              <a:lnSpc>
+                <a:spcPct val="200000"/>
+              </a:lnSpc>
+              <a:buFont typeface="Wingdings" panose="05000000000000000000" pitchFamily="2" charset="2"/>
+              <a:buChar char="Ø"/>
+            </a:pPr>
+            <a:r>
+              <a:rPr lang="en-US" altLang="zh-CN" b="1" dirty="0">
+                <a:solidFill>
+                  <a:schemeClr val="accent1"/>
+                </a:solidFill>
+              </a:rPr>
+              <a:t>HTML4</a:t>
+            </a:r>
+            <a:r>
+              <a:rPr lang="zh-CN" altLang="en-US" b="1" dirty="0">
+                <a:solidFill>
+                  <a:schemeClr val="accent1"/>
+                </a:solidFill>
+              </a:rPr>
+              <a:t>声明方式</a:t>
+            </a:r>
+            <a:endParaRPr lang="en-US" altLang="zh-CN" b="1" dirty="0">
+              <a:solidFill>
+                <a:schemeClr val="accent1"/>
+              </a:solidFill>
+            </a:endParaRPr>
+          </a:p>
+        </p:txBody>
+      </p:sp>
+      <p:sp>
+        <p:nvSpPr>
+          <p:cNvPr id="2" name="文本框 1">
+            <a:extLst>
+              <a:ext uri="{FF2B5EF4-FFF2-40B4-BE49-F238E27FC236}">
+                <a16:creationId xmlns:a16="http://schemas.microsoft.com/office/drawing/2014/main" id="{0173C9D7-66EF-4F89-1A14-64084F555E88}"/>
+              </a:ext>
+            </a:extLst>
+          </p:cNvPr>
+          <p:cNvSpPr txBox="1"/>
+          <p:nvPr/>
+        </p:nvSpPr>
+        <p:spPr>
+          <a:xfrm>
+            <a:off x="3111905" y="3214369"/>
+            <a:ext cx="5968181" cy="569515"/>
+          </a:xfrm>
+          <a:prstGeom prst="rect">
+            <a:avLst/>
+          </a:prstGeom>
+          <a:noFill/>
+        </p:spPr>
+        <p:txBody>
+          <a:bodyPr wrap="square" rtlCol="0">
+            <a:spAutoFit/>
+          </a:bodyPr>
+          <a:lstStyle/>
+          <a:p>
+            <a:pPr marL="285750" indent="-285750">
+              <a:lnSpc>
+                <a:spcPct val="200000"/>
+              </a:lnSpc>
+              <a:buFont typeface="Wingdings" panose="05000000000000000000" pitchFamily="2" charset="2"/>
+              <a:buChar char="Ø"/>
+            </a:pPr>
+            <a:r>
+              <a:rPr lang="en-US" altLang="zh-CN" b="1" dirty="0">
+                <a:solidFill>
+                  <a:schemeClr val="accent1"/>
+                </a:solidFill>
+              </a:rPr>
+              <a:t>HTML5</a:t>
+            </a:r>
+            <a:r>
+              <a:rPr lang="zh-CN" altLang="en-US" b="1" dirty="0">
+                <a:solidFill>
+                  <a:schemeClr val="accent1"/>
+                </a:solidFill>
+              </a:rPr>
+              <a:t>声明方式</a:t>
+            </a:r>
+            <a:endParaRPr lang="en-US" altLang="zh-CN" b="1" dirty="0">
+              <a:solidFill>
+                <a:schemeClr val="accent1"/>
+              </a:solidFill>
+            </a:endParaRPr>
+          </a:p>
+        </p:txBody>
+      </p:sp>
+      <p:sp>
+        <p:nvSpPr>
+          <p:cNvPr id="3" name="文本框 2">
+            <a:extLst>
+              <a:ext uri="{FF2B5EF4-FFF2-40B4-BE49-F238E27FC236}">
+                <a16:creationId xmlns:a16="http://schemas.microsoft.com/office/drawing/2014/main" id="{16D974D6-BEF9-CE89-3E42-FC82FE505D4B}"/>
+              </a:ext>
+            </a:extLst>
+          </p:cNvPr>
+          <p:cNvSpPr txBox="1"/>
+          <p:nvPr/>
+        </p:nvSpPr>
+        <p:spPr>
+          <a:xfrm>
+            <a:off x="3111904" y="5421792"/>
+            <a:ext cx="5968181" cy="1123513"/>
+          </a:xfrm>
+          <a:prstGeom prst="rect">
+            <a:avLst/>
+          </a:prstGeom>
+          <a:noFill/>
+        </p:spPr>
+        <p:txBody>
+          <a:bodyPr wrap="square" rtlCol="0">
+            <a:spAutoFit/>
+          </a:bodyPr>
+          <a:lstStyle/>
+          <a:p>
+            <a:pPr marL="285750" indent="-285750">
+              <a:lnSpc>
+                <a:spcPct val="200000"/>
+              </a:lnSpc>
+              <a:buFont typeface="Wingdings" panose="05000000000000000000" pitchFamily="2" charset="2"/>
+              <a:buChar char="Ø"/>
+            </a:pPr>
+            <a:r>
+              <a:rPr lang="en-US" altLang="zh-CN" b="1" dirty="0">
+                <a:solidFill>
+                  <a:schemeClr val="accent1"/>
+                </a:solidFill>
+              </a:rPr>
+              <a:t>DTD</a:t>
+            </a:r>
+            <a:r>
+              <a:rPr lang="zh-CN" altLang="en-US" b="1" dirty="0">
+                <a:solidFill>
+                  <a:schemeClr val="accent1"/>
+                </a:solidFill>
+              </a:rPr>
+              <a:t>简单了解下：</a:t>
+            </a:r>
+          </a:p>
+          <a:p>
+            <a:pPr marL="285750" indent="-285750">
+              <a:lnSpc>
+                <a:spcPct val="200000"/>
+              </a:lnSpc>
+              <a:buFont typeface="Wingdings" panose="05000000000000000000" pitchFamily="2" charset="2"/>
+              <a:buChar char="Ø"/>
+            </a:pPr>
+            <a:r>
+              <a:rPr lang="en-US" altLang="zh-CN" b="1" dirty="0">
+                <a:solidFill>
+                  <a:schemeClr val="accent1"/>
+                </a:solidFill>
+              </a:rPr>
+              <a:t>https://tools.city/q-and-a/igty8zve</a:t>
+            </a:r>
+          </a:p>
+        </p:txBody>
+      </p:sp>
+      <p:pic>
+        <p:nvPicPr>
+          <p:cNvPr id="5" name="图片 4" descr="屏幕上显示着紫色的截图&#10;&#10;描述已自动生成">
+            <a:extLst>
+              <a:ext uri="{FF2B5EF4-FFF2-40B4-BE49-F238E27FC236}">
+                <a16:creationId xmlns:a16="http://schemas.microsoft.com/office/drawing/2014/main" id="{9A40A17E-470C-2E11-FEF3-CC46CF26E6EC}"/>
+              </a:ext>
+            </a:extLst>
+          </p:cNvPr>
+          <p:cNvPicPr>
+            <a:picLocks noChangeAspect="1"/>
+          </p:cNvPicPr>
+          <p:nvPr/>
+        </p:nvPicPr>
+        <p:blipFill>
+          <a:blip r:embed="rId5">
+            <a:extLst>
+              <a:ext uri="{28A0092B-C50C-407E-A947-70E740481C1C}">
+                <a14:useLocalDpi xmlns:a14="http://schemas.microsoft.com/office/drawing/2010/main" val="0"/>
+              </a:ext>
+            </a:extLst>
+          </a:blip>
+          <a:stretch>
+            <a:fillRect/>
+          </a:stretch>
+        </p:blipFill>
+        <p:spPr>
+          <a:xfrm>
+            <a:off x="3211306" y="1451223"/>
+            <a:ext cx="6109673" cy="1863861"/>
+          </a:xfrm>
+          <a:prstGeom prst="rect">
+            <a:avLst/>
+          </a:prstGeom>
+        </p:spPr>
+      </p:pic>
+      <p:pic>
+        <p:nvPicPr>
+          <p:cNvPr id="9" name="图片 8" descr="电子设备的屏幕&#10;&#10;描述已自动生成">
+            <a:extLst>
+              <a:ext uri="{FF2B5EF4-FFF2-40B4-BE49-F238E27FC236}">
+                <a16:creationId xmlns:a16="http://schemas.microsoft.com/office/drawing/2014/main" id="{B295782A-14AE-B3CA-C83B-1C363793C51C}"/>
+              </a:ext>
+            </a:extLst>
+          </p:cNvPr>
+          <p:cNvPicPr>
+            <a:picLocks noChangeAspect="1"/>
+          </p:cNvPicPr>
+          <p:nvPr/>
+        </p:nvPicPr>
+        <p:blipFill>
+          <a:blip r:embed="rId6">
+            <a:extLst>
+              <a:ext uri="{28A0092B-C50C-407E-A947-70E740481C1C}">
+                <a14:useLocalDpi xmlns:a14="http://schemas.microsoft.com/office/drawing/2010/main" val="0"/>
+              </a:ext>
+            </a:extLst>
+          </a:blip>
+          <a:stretch>
+            <a:fillRect/>
+          </a:stretch>
+        </p:blipFill>
+        <p:spPr>
+          <a:xfrm>
+            <a:off x="3211307" y="3836654"/>
+            <a:ext cx="6109673" cy="1718543"/>
+          </a:xfrm>
+          <a:prstGeom prst="rect">
+            <a:avLst/>
+          </a:prstGeom>
+        </p:spPr>
+      </p:pic>
+      <p:pic>
+        <p:nvPicPr>
+          <p:cNvPr id="12" name="音频 11">
+            <a:hlinkClick r:id="" action="ppaction://media"/>
+            <a:extLst>
+              <a:ext uri="{FF2B5EF4-FFF2-40B4-BE49-F238E27FC236}">
+                <a16:creationId xmlns:a16="http://schemas.microsoft.com/office/drawing/2014/main" id="{33A7F181-C5FE-83C8-A47C-4A3AFFEB7EED}"/>
+              </a:ext>
+            </a:extLst>
+          </p:cNvPr>
+          <p:cNvPicPr>
+            <a:picLocks noChangeAspect="1"/>
+          </p:cNvPicPr>
+          <p:nvPr>
+            <a:audioFile r:link="rId2"/>
+            <p:extLst>
+              <p:ext uri="{DAA4B4D4-6D71-4841-9C94-3DE7FCFB9230}">
+                <p14:media xmlns:p14="http://schemas.microsoft.com/office/powerpoint/2010/main" r:embed="rId1"/>
+              </p:ext>
+            </p:extLst>
+          </p:nvPr>
+        </p:nvPicPr>
+        <p:blipFill>
+          <a:blip r:embed="rId7"/>
+          <a:srcRect l="-161075" t="-161075" r="-161075" b="-161075"/>
+          <a:stretch>
+            <a:fillRect/>
+          </a:stretch>
+        </p:blipFill>
+        <p:spPr>
+          <a:xfrm>
+            <a:off x="10052304" y="4718304"/>
+            <a:ext cx="2057400" cy="2057400"/>
+          </a:xfrm>
+          <a:prstGeom prst="ellipse">
+            <a:avLst/>
+          </a:prstGeom>
+        </p:spPr>
+      </p:pic>
+    </p:spTree>
+    <p:extLst>
+      <p:ext uri="{BB962C8B-B14F-4D97-AF65-F5344CB8AC3E}">
+        <p14:creationId xmlns:p14="http://schemas.microsoft.com/office/powerpoint/2010/main" val="2622041927"/>
       </p:ext>
     </p:extLst>
   </p:cSld>
